--- a/DistributedTracing/DistributedTracing.pptx
+++ b/DistributedTracing/DistributedTracing.pptx
@@ -5,7 +5,7 @@
     <p:sldMasterId id="2147483648" r:id="rId1"/>
   </p:sldMasterIdLst>
   <p:notesMasterIdLst>
-    <p:notesMasterId r:id="rId14"/>
+    <p:notesMasterId r:id="rId18"/>
   </p:notesMasterIdLst>
   <p:sldIdLst>
     <p:sldId id="274" r:id="rId2"/>
@@ -19,7 +19,11 @@
     <p:sldId id="283" r:id="rId10"/>
     <p:sldId id="284" r:id="rId11"/>
     <p:sldId id="285" r:id="rId12"/>
-    <p:sldId id="286" r:id="rId13"/>
+    <p:sldId id="289" r:id="rId13"/>
+    <p:sldId id="290" r:id="rId14"/>
+    <p:sldId id="288" r:id="rId15"/>
+    <p:sldId id="291" r:id="rId16"/>
+    <p:sldId id="286" r:id="rId17"/>
   </p:sldIdLst>
   <p:sldSz cx="12192000" cy="6858000"/>
   <p:notesSz cx="6858000" cy="9144000"/>
@@ -208,7 +212,7 @@
           <a:p>
             <a:fld id="{BA11CBBD-FCCC-4341-9A07-9341F6C54581}" type="datetimeFigureOut">
               <a:rPr lang="en-US" smtClean="0"/>
-              <a:t>5/14/2020</a:t>
+              <a:t>10/2/2020</a:t>
             </a:fld>
             <a:endParaRPr lang="en-US"/>
           </a:p>
@@ -634,7 +638,7 @@
           <a:p>
             <a:fld id="{DC42B9C4-3265-4C64-80EB-D0107FD08979}" type="slidenum">
               <a:rPr lang="en-US" smtClean="0"/>
-              <a:t>12</a:t>
+              <a:t>16</a:t>
             </a:fld>
             <a:endParaRPr lang="en-US"/>
           </a:p>
@@ -3558,7 +3562,7 @@
                   <a:prstClr val="black"/>
                 </a:solidFill>
               </a:rPr>
-              <a:t>Distributed Tracing Made Easy</a:t>
+              <a:t>End-To-End Distributed Tracing</a:t>
             </a:r>
             <a:endParaRPr lang="en-US" sz="4800" dirty="0"/>
           </a:p>
@@ -4942,6 +4946,4748 @@
       </p:grpSpPr>
       <p:sp>
         <p:nvSpPr>
+          <p:cNvPr id="2" name="Title 1">
+            <a:extLst>
+              <a:ext uri="{FF2B5EF4-FFF2-40B4-BE49-F238E27FC236}">
+                <a16:creationId xmlns:a16="http://schemas.microsoft.com/office/drawing/2014/main" id="{357AA427-836B-4693-9E2E-8BD5679CD517}"/>
+              </a:ext>
+            </a:extLst>
+          </p:cNvPr>
+          <p:cNvSpPr>
+            <a:spLocks noGrp="1"/>
+          </p:cNvSpPr>
+          <p:nvPr>
+            <p:ph type="title"/>
+          </p:nvPr>
+        </p:nvSpPr>
+        <p:spPr/>
+        <p:txBody>
+          <a:bodyPr/>
+          <a:lstStyle/>
+          <a:p>
+            <a:r>
+              <a:rPr lang="en-US" dirty="0"/>
+              <a:t>Demo – Activity Basics</a:t>
+            </a:r>
+          </a:p>
+        </p:txBody>
+      </p:sp>
+      <p:sp>
+        <p:nvSpPr>
+          <p:cNvPr id="3" name="Text Placeholder 2">
+            <a:extLst>
+              <a:ext uri="{FF2B5EF4-FFF2-40B4-BE49-F238E27FC236}">
+                <a16:creationId xmlns:a16="http://schemas.microsoft.com/office/drawing/2014/main" id="{44AC1F72-1D54-4177-AB75-6D01B88E0801}"/>
+              </a:ext>
+            </a:extLst>
+          </p:cNvPr>
+          <p:cNvSpPr>
+            <a:spLocks noGrp="1"/>
+          </p:cNvSpPr>
+          <p:nvPr>
+            <p:ph type="body" idx="1"/>
+          </p:nvPr>
+        </p:nvSpPr>
+        <p:spPr/>
+        <p:txBody>
+          <a:bodyPr/>
+          <a:lstStyle/>
+          <a:p>
+            <a:endParaRPr lang="en-US" dirty="0"/>
+          </a:p>
+        </p:txBody>
+      </p:sp>
+      <p:sp>
+        <p:nvSpPr>
+          <p:cNvPr id="4" name="Date Placeholder 3">
+            <a:extLst>
+              <a:ext uri="{FF2B5EF4-FFF2-40B4-BE49-F238E27FC236}">
+                <a16:creationId xmlns:a16="http://schemas.microsoft.com/office/drawing/2014/main" id="{8EE7213A-32D4-4B0B-8A06-E553F7D262F0}"/>
+              </a:ext>
+            </a:extLst>
+          </p:cNvPr>
+          <p:cNvSpPr>
+            <a:spLocks noGrp="1"/>
+          </p:cNvSpPr>
+          <p:nvPr>
+            <p:ph type="dt" sz="half" idx="10"/>
+          </p:nvPr>
+        </p:nvSpPr>
+        <p:spPr/>
+        <p:txBody>
+          <a:bodyPr/>
+          <a:lstStyle/>
+          <a:p>
+            <a:r>
+              <a:rPr lang="en-US"/>
+              <a:t>@jbogard</a:t>
+            </a:r>
+            <a:endParaRPr lang="en-US" dirty="0"/>
+          </a:p>
+        </p:txBody>
+      </p:sp>
+    </p:spTree>
+    <p:extLst>
+      <p:ext uri="{BB962C8B-B14F-4D97-AF65-F5344CB8AC3E}">
+        <p14:creationId xmlns:p14="http://schemas.microsoft.com/office/powerpoint/2010/main" val="4169265656"/>
+      </p:ext>
+    </p:extLst>
+  </p:cSld>
+  <p:clrMapOvr>
+    <a:masterClrMapping/>
+  </p:clrMapOvr>
+</p:sld>
+</file>
+
+<file path=ppt/slides/slide13.xml><?xml version="1.0" encoding="utf-8"?>
+<p:sld xmlns:a="http://schemas.openxmlformats.org/drawingml/2006/main" xmlns:r="http://schemas.openxmlformats.org/officeDocument/2006/relationships" xmlns:p="http://schemas.openxmlformats.org/presentationml/2006/main">
+  <p:cSld>
+    <p:spTree>
+      <p:nvGrpSpPr>
+        <p:cNvPr id="1" name=""/>
+        <p:cNvGrpSpPr/>
+        <p:nvPr/>
+      </p:nvGrpSpPr>
+      <p:grpSpPr>
+        <a:xfrm>
+          <a:off x="0" y="0"/>
+          <a:ext cx="0" cy="0"/>
+          <a:chOff x="0" y="0"/>
+          <a:chExt cx="0" cy="0"/>
+        </a:xfrm>
+      </p:grpSpPr>
+      <p:sp>
+        <p:nvSpPr>
+          <p:cNvPr id="2" name="Title 1">
+            <a:extLst>
+              <a:ext uri="{FF2B5EF4-FFF2-40B4-BE49-F238E27FC236}">
+                <a16:creationId xmlns:a16="http://schemas.microsoft.com/office/drawing/2014/main" id="{357AA427-836B-4693-9E2E-8BD5679CD517}"/>
+              </a:ext>
+            </a:extLst>
+          </p:cNvPr>
+          <p:cNvSpPr>
+            <a:spLocks noGrp="1"/>
+          </p:cNvSpPr>
+          <p:nvPr>
+            <p:ph type="title"/>
+          </p:nvPr>
+        </p:nvSpPr>
+        <p:spPr/>
+        <p:txBody>
+          <a:bodyPr/>
+          <a:lstStyle/>
+          <a:p>
+            <a:r>
+              <a:rPr lang="en-US" dirty="0"/>
+              <a:t>Demo – </a:t>
+            </a:r>
+            <a:r>
+              <a:rPr lang="en-US" dirty="0" err="1"/>
+              <a:t>OpenTelemetry</a:t>
+            </a:r>
+            <a:endParaRPr lang="en-US" dirty="0"/>
+          </a:p>
+        </p:txBody>
+      </p:sp>
+      <p:sp>
+        <p:nvSpPr>
+          <p:cNvPr id="3" name="Text Placeholder 2">
+            <a:extLst>
+              <a:ext uri="{FF2B5EF4-FFF2-40B4-BE49-F238E27FC236}">
+                <a16:creationId xmlns:a16="http://schemas.microsoft.com/office/drawing/2014/main" id="{44AC1F72-1D54-4177-AB75-6D01B88E0801}"/>
+              </a:ext>
+            </a:extLst>
+          </p:cNvPr>
+          <p:cNvSpPr>
+            <a:spLocks noGrp="1"/>
+          </p:cNvSpPr>
+          <p:nvPr>
+            <p:ph type="body" idx="1"/>
+          </p:nvPr>
+        </p:nvSpPr>
+        <p:spPr/>
+        <p:txBody>
+          <a:bodyPr/>
+          <a:lstStyle/>
+          <a:p>
+            <a:endParaRPr lang="en-US" dirty="0"/>
+          </a:p>
+        </p:txBody>
+      </p:sp>
+      <p:sp>
+        <p:nvSpPr>
+          <p:cNvPr id="4" name="Date Placeholder 3">
+            <a:extLst>
+              <a:ext uri="{FF2B5EF4-FFF2-40B4-BE49-F238E27FC236}">
+                <a16:creationId xmlns:a16="http://schemas.microsoft.com/office/drawing/2014/main" id="{8EE7213A-32D4-4B0B-8A06-E553F7D262F0}"/>
+              </a:ext>
+            </a:extLst>
+          </p:cNvPr>
+          <p:cNvSpPr>
+            <a:spLocks noGrp="1"/>
+          </p:cNvSpPr>
+          <p:nvPr>
+            <p:ph type="dt" sz="half" idx="10"/>
+          </p:nvPr>
+        </p:nvSpPr>
+        <p:spPr/>
+        <p:txBody>
+          <a:bodyPr/>
+          <a:lstStyle/>
+          <a:p>
+            <a:r>
+              <a:rPr lang="en-US"/>
+              <a:t>@jbogard</a:t>
+            </a:r>
+            <a:endParaRPr lang="en-US" dirty="0"/>
+          </a:p>
+        </p:txBody>
+      </p:sp>
+    </p:spTree>
+    <p:extLst>
+      <p:ext uri="{BB962C8B-B14F-4D97-AF65-F5344CB8AC3E}">
+        <p14:creationId xmlns:p14="http://schemas.microsoft.com/office/powerpoint/2010/main" val="2451045573"/>
+      </p:ext>
+    </p:extLst>
+  </p:cSld>
+  <p:clrMapOvr>
+    <a:masterClrMapping/>
+  </p:clrMapOvr>
+</p:sld>
+</file>
+
+<file path=ppt/slides/slide14.xml><?xml version="1.0" encoding="utf-8"?>
+<p:sld xmlns:a="http://schemas.openxmlformats.org/drawingml/2006/main" xmlns:r="http://schemas.openxmlformats.org/officeDocument/2006/relationships" xmlns:p="http://schemas.openxmlformats.org/presentationml/2006/main">
+  <p:cSld>
+    <p:spTree>
+      <p:nvGrpSpPr>
+        <p:cNvPr id="1" name=""/>
+        <p:cNvGrpSpPr/>
+        <p:nvPr/>
+      </p:nvGrpSpPr>
+      <p:grpSpPr>
+        <a:xfrm>
+          <a:off x="0" y="0"/>
+          <a:ext cx="0" cy="0"/>
+          <a:chOff x="0" y="0"/>
+          <a:chExt cx="0" cy="0"/>
+        </a:xfrm>
+      </p:grpSpPr>
+      <p:sp>
+        <p:nvSpPr>
+          <p:cNvPr id="2" name="Title 1">
+            <a:extLst>
+              <a:ext uri="{FF2B5EF4-FFF2-40B4-BE49-F238E27FC236}">
+                <a16:creationId xmlns:a16="http://schemas.microsoft.com/office/drawing/2014/main" id="{3B136FB7-4D94-4593-B628-197E47981AC9}"/>
+              </a:ext>
+            </a:extLst>
+          </p:cNvPr>
+          <p:cNvSpPr>
+            <a:spLocks noGrp="1"/>
+          </p:cNvSpPr>
+          <p:nvPr>
+            <p:ph type="title"/>
+          </p:nvPr>
+        </p:nvSpPr>
+        <p:spPr/>
+        <p:txBody>
+          <a:bodyPr/>
+          <a:lstStyle/>
+          <a:p>
+            <a:r>
+              <a:rPr lang="en-US" dirty="0"/>
+              <a:t>Microservices - GET</a:t>
+            </a:r>
+          </a:p>
+        </p:txBody>
+      </p:sp>
+      <p:sp>
+        <p:nvSpPr>
+          <p:cNvPr id="4" name="Date Placeholder 3">
+            <a:extLst>
+              <a:ext uri="{FF2B5EF4-FFF2-40B4-BE49-F238E27FC236}">
+                <a16:creationId xmlns:a16="http://schemas.microsoft.com/office/drawing/2014/main" id="{0601D433-0D40-4822-B15A-E4E98B68A8FB}"/>
+              </a:ext>
+            </a:extLst>
+          </p:cNvPr>
+          <p:cNvSpPr>
+            <a:spLocks noGrp="1"/>
+          </p:cNvSpPr>
+          <p:nvPr>
+            <p:ph type="dt" sz="half" idx="10"/>
+          </p:nvPr>
+        </p:nvSpPr>
+        <p:spPr/>
+        <p:txBody>
+          <a:bodyPr/>
+          <a:lstStyle/>
+          <a:p>
+            <a:r>
+              <a:rPr lang="en-US"/>
+              <a:t>@jbogard</a:t>
+            </a:r>
+            <a:endParaRPr lang="en-US" dirty="0"/>
+          </a:p>
+        </p:txBody>
+      </p:sp>
+      <p:sp>
+        <p:nvSpPr>
+          <p:cNvPr id="5" name="Rectangle 4">
+            <a:extLst>
+              <a:ext uri="{FF2B5EF4-FFF2-40B4-BE49-F238E27FC236}">
+                <a16:creationId xmlns:a16="http://schemas.microsoft.com/office/drawing/2014/main" id="{F98F5322-B54B-4298-A1FE-DCDF761166C3}"/>
+              </a:ext>
+            </a:extLst>
+          </p:cNvPr>
+          <p:cNvSpPr/>
+          <p:nvPr/>
+        </p:nvSpPr>
+        <p:spPr>
+          <a:xfrm>
+            <a:off x="1056535" y="3468088"/>
+            <a:ext cx="1482939" cy="971253"/>
+          </a:xfrm>
+          <a:prstGeom prst="rect">
+            <a:avLst/>
+          </a:prstGeom>
+        </p:spPr>
+        <p:style>
+          <a:lnRef idx="2">
+            <a:schemeClr val="accent1">
+              <a:shade val="50000"/>
+            </a:schemeClr>
+          </a:lnRef>
+          <a:fillRef idx="1">
+            <a:schemeClr val="accent1"/>
+          </a:fillRef>
+          <a:effectRef idx="0">
+            <a:schemeClr val="accent1"/>
+          </a:effectRef>
+          <a:fontRef idx="minor">
+            <a:schemeClr val="lt1"/>
+          </a:fontRef>
+        </p:style>
+        <p:txBody>
+          <a:bodyPr rtlCol="0" anchor="ctr"/>
+          <a:lstStyle/>
+          <a:p>
+            <a:pPr algn="ctr"/>
+            <a:r>
+              <a:rPr lang="en-US" dirty="0"/>
+              <a:t>Angular UI</a:t>
+            </a:r>
+          </a:p>
+        </p:txBody>
+      </p:sp>
+      <p:sp>
+        <p:nvSpPr>
+          <p:cNvPr id="7" name="Rectangle 6">
+            <a:extLst>
+              <a:ext uri="{FF2B5EF4-FFF2-40B4-BE49-F238E27FC236}">
+                <a16:creationId xmlns:a16="http://schemas.microsoft.com/office/drawing/2014/main" id="{B374E162-4F79-48AD-84DB-8A0D87FE4044}"/>
+              </a:ext>
+            </a:extLst>
+          </p:cNvPr>
+          <p:cNvSpPr/>
+          <p:nvPr/>
+        </p:nvSpPr>
+        <p:spPr>
+          <a:xfrm>
+            <a:off x="3987668" y="3468087"/>
+            <a:ext cx="1482939" cy="971253"/>
+          </a:xfrm>
+          <a:prstGeom prst="rect">
+            <a:avLst/>
+          </a:prstGeom>
+        </p:spPr>
+        <p:style>
+          <a:lnRef idx="2">
+            <a:schemeClr val="accent2">
+              <a:shade val="50000"/>
+            </a:schemeClr>
+          </a:lnRef>
+          <a:fillRef idx="1">
+            <a:schemeClr val="accent2"/>
+          </a:fillRef>
+          <a:effectRef idx="0">
+            <a:schemeClr val="accent2"/>
+          </a:effectRef>
+          <a:fontRef idx="minor">
+            <a:schemeClr val="lt1"/>
+          </a:fontRef>
+        </p:style>
+        <p:txBody>
+          <a:bodyPr rtlCol="0" anchor="ctr"/>
+          <a:lstStyle/>
+          <a:p>
+            <a:pPr algn="ctr"/>
+            <a:r>
+              <a:rPr lang="en-US" sz="1400" dirty="0"/>
+              <a:t>Composition Gateway (BFF)</a:t>
+            </a:r>
+          </a:p>
+        </p:txBody>
+      </p:sp>
+      <p:sp>
+        <p:nvSpPr>
+          <p:cNvPr id="9" name="Rectangle 8">
+            <a:extLst>
+              <a:ext uri="{FF2B5EF4-FFF2-40B4-BE49-F238E27FC236}">
+                <a16:creationId xmlns:a16="http://schemas.microsoft.com/office/drawing/2014/main" id="{EE5FF1A2-DD31-45F7-8289-0823C0C8B2AC}"/>
+              </a:ext>
+            </a:extLst>
+          </p:cNvPr>
+          <p:cNvSpPr/>
+          <p:nvPr/>
+        </p:nvSpPr>
+        <p:spPr>
+          <a:xfrm>
+            <a:off x="6918802" y="1777474"/>
+            <a:ext cx="1482939" cy="971253"/>
+          </a:xfrm>
+          <a:prstGeom prst="rect">
+            <a:avLst/>
+          </a:prstGeom>
+        </p:spPr>
+        <p:style>
+          <a:lnRef idx="2">
+            <a:schemeClr val="accent5">
+              <a:shade val="50000"/>
+            </a:schemeClr>
+          </a:lnRef>
+          <a:fillRef idx="1">
+            <a:schemeClr val="accent5"/>
+          </a:fillRef>
+          <a:effectRef idx="0">
+            <a:schemeClr val="accent5"/>
+          </a:effectRef>
+          <a:fontRef idx="minor">
+            <a:schemeClr val="lt1"/>
+          </a:fontRef>
+        </p:style>
+        <p:txBody>
+          <a:bodyPr rtlCol="0" anchor="ctr"/>
+          <a:lstStyle/>
+          <a:p>
+            <a:pPr algn="ctr"/>
+            <a:r>
+              <a:rPr lang="en-US" dirty="0"/>
+              <a:t>Sales API</a:t>
+            </a:r>
+          </a:p>
+        </p:txBody>
+      </p:sp>
+      <p:sp>
+        <p:nvSpPr>
+          <p:cNvPr id="11" name="Rectangle 10">
+            <a:extLst>
+              <a:ext uri="{FF2B5EF4-FFF2-40B4-BE49-F238E27FC236}">
+                <a16:creationId xmlns:a16="http://schemas.microsoft.com/office/drawing/2014/main" id="{A98CFDBF-E879-46AB-B2D3-34194F362D4B}"/>
+              </a:ext>
+            </a:extLst>
+          </p:cNvPr>
+          <p:cNvSpPr/>
+          <p:nvPr/>
+        </p:nvSpPr>
+        <p:spPr>
+          <a:xfrm>
+            <a:off x="6918801" y="3468087"/>
+            <a:ext cx="1482939" cy="971253"/>
+          </a:xfrm>
+          <a:prstGeom prst="rect">
+            <a:avLst/>
+          </a:prstGeom>
+        </p:spPr>
+        <p:style>
+          <a:lnRef idx="2">
+            <a:schemeClr val="accent6">
+              <a:shade val="50000"/>
+            </a:schemeClr>
+          </a:lnRef>
+          <a:fillRef idx="1">
+            <a:schemeClr val="accent6"/>
+          </a:fillRef>
+          <a:effectRef idx="0">
+            <a:schemeClr val="accent6"/>
+          </a:effectRef>
+          <a:fontRef idx="minor">
+            <a:schemeClr val="lt1"/>
+          </a:fontRef>
+        </p:style>
+        <p:txBody>
+          <a:bodyPr rtlCol="0" anchor="ctr"/>
+          <a:lstStyle/>
+          <a:p>
+            <a:pPr algn="ctr"/>
+            <a:r>
+              <a:rPr lang="en-US" dirty="0"/>
+              <a:t>Finance API</a:t>
+            </a:r>
+          </a:p>
+        </p:txBody>
+      </p:sp>
+      <p:sp>
+        <p:nvSpPr>
+          <p:cNvPr id="13" name="Rectangle 12">
+            <a:extLst>
+              <a:ext uri="{FF2B5EF4-FFF2-40B4-BE49-F238E27FC236}">
+                <a16:creationId xmlns:a16="http://schemas.microsoft.com/office/drawing/2014/main" id="{E25F84C4-2B9C-41D5-8A5A-A3F2EC5E028C}"/>
+              </a:ext>
+            </a:extLst>
+          </p:cNvPr>
+          <p:cNvSpPr/>
+          <p:nvPr/>
+        </p:nvSpPr>
+        <p:spPr>
+          <a:xfrm>
+            <a:off x="6918801" y="5158700"/>
+            <a:ext cx="1482939" cy="971253"/>
+          </a:xfrm>
+          <a:prstGeom prst="rect">
+            <a:avLst/>
+          </a:prstGeom>
+        </p:spPr>
+        <p:style>
+          <a:lnRef idx="2">
+            <a:schemeClr val="accent4">
+              <a:shade val="50000"/>
+            </a:schemeClr>
+          </a:lnRef>
+          <a:fillRef idx="1">
+            <a:schemeClr val="accent4"/>
+          </a:fillRef>
+          <a:effectRef idx="0">
+            <a:schemeClr val="accent4"/>
+          </a:effectRef>
+          <a:fontRef idx="minor">
+            <a:schemeClr val="lt1"/>
+          </a:fontRef>
+        </p:style>
+        <p:txBody>
+          <a:bodyPr rtlCol="0" anchor="ctr"/>
+          <a:lstStyle/>
+          <a:p>
+            <a:pPr algn="ctr"/>
+            <a:r>
+              <a:rPr lang="en-US" dirty="0"/>
+              <a:t>Customers API</a:t>
+            </a:r>
+          </a:p>
+        </p:txBody>
+      </p:sp>
+      <p:sp>
+        <p:nvSpPr>
+          <p:cNvPr id="14" name="Cylinder 13">
+            <a:extLst>
+              <a:ext uri="{FF2B5EF4-FFF2-40B4-BE49-F238E27FC236}">
+                <a16:creationId xmlns:a16="http://schemas.microsoft.com/office/drawing/2014/main" id="{B9650624-9686-4222-99F3-D085A365883B}"/>
+              </a:ext>
+            </a:extLst>
+          </p:cNvPr>
+          <p:cNvSpPr/>
+          <p:nvPr/>
+        </p:nvSpPr>
+        <p:spPr>
+          <a:xfrm>
+            <a:off x="9797820" y="1777474"/>
+            <a:ext cx="753314" cy="971253"/>
+          </a:xfrm>
+          <a:prstGeom prst="can">
+            <a:avLst/>
+          </a:prstGeom>
+        </p:spPr>
+        <p:style>
+          <a:lnRef idx="2">
+            <a:schemeClr val="accent5">
+              <a:shade val="50000"/>
+            </a:schemeClr>
+          </a:lnRef>
+          <a:fillRef idx="1">
+            <a:schemeClr val="accent5"/>
+          </a:fillRef>
+          <a:effectRef idx="0">
+            <a:schemeClr val="accent5"/>
+          </a:effectRef>
+          <a:fontRef idx="minor">
+            <a:schemeClr val="lt1"/>
+          </a:fontRef>
+        </p:style>
+        <p:txBody>
+          <a:bodyPr rtlCol="0" anchor="ctr"/>
+          <a:lstStyle/>
+          <a:p>
+            <a:pPr algn="ctr"/>
+            <a:r>
+              <a:rPr lang="en-US" dirty="0"/>
+              <a:t>SQL</a:t>
+            </a:r>
+          </a:p>
+        </p:txBody>
+      </p:sp>
+      <p:sp>
+        <p:nvSpPr>
+          <p:cNvPr id="16" name="Cylinder 15">
+            <a:extLst>
+              <a:ext uri="{FF2B5EF4-FFF2-40B4-BE49-F238E27FC236}">
+                <a16:creationId xmlns:a16="http://schemas.microsoft.com/office/drawing/2014/main" id="{2C46A68B-8CFA-471F-8AE7-186F390E1027}"/>
+              </a:ext>
+            </a:extLst>
+          </p:cNvPr>
+          <p:cNvSpPr/>
+          <p:nvPr/>
+        </p:nvSpPr>
+        <p:spPr>
+          <a:xfrm>
+            <a:off x="9797820" y="3468087"/>
+            <a:ext cx="753314" cy="971253"/>
+          </a:xfrm>
+          <a:prstGeom prst="can">
+            <a:avLst/>
+          </a:prstGeom>
+        </p:spPr>
+        <p:style>
+          <a:lnRef idx="2">
+            <a:schemeClr val="accent6">
+              <a:shade val="50000"/>
+            </a:schemeClr>
+          </a:lnRef>
+          <a:fillRef idx="1">
+            <a:schemeClr val="accent6"/>
+          </a:fillRef>
+          <a:effectRef idx="0">
+            <a:schemeClr val="accent6"/>
+          </a:effectRef>
+          <a:fontRef idx="minor">
+            <a:schemeClr val="lt1"/>
+          </a:fontRef>
+        </p:style>
+        <p:txBody>
+          <a:bodyPr rtlCol="0" anchor="ctr"/>
+          <a:lstStyle/>
+          <a:p>
+            <a:pPr algn="ctr"/>
+            <a:r>
+              <a:rPr lang="en-US" dirty="0"/>
+              <a:t>SQL</a:t>
+            </a:r>
+          </a:p>
+        </p:txBody>
+      </p:sp>
+      <p:sp>
+        <p:nvSpPr>
+          <p:cNvPr id="18" name="Cylinder 17">
+            <a:extLst>
+              <a:ext uri="{FF2B5EF4-FFF2-40B4-BE49-F238E27FC236}">
+                <a16:creationId xmlns:a16="http://schemas.microsoft.com/office/drawing/2014/main" id="{4213A5FE-58E7-4FCE-92B8-B7B4671912F0}"/>
+              </a:ext>
+            </a:extLst>
+          </p:cNvPr>
+          <p:cNvSpPr/>
+          <p:nvPr/>
+        </p:nvSpPr>
+        <p:spPr>
+          <a:xfrm>
+            <a:off x="9797820" y="5158700"/>
+            <a:ext cx="753314" cy="971253"/>
+          </a:xfrm>
+          <a:prstGeom prst="can">
+            <a:avLst/>
+          </a:prstGeom>
+        </p:spPr>
+        <p:style>
+          <a:lnRef idx="2">
+            <a:schemeClr val="accent4">
+              <a:shade val="50000"/>
+            </a:schemeClr>
+          </a:lnRef>
+          <a:fillRef idx="1">
+            <a:schemeClr val="accent4"/>
+          </a:fillRef>
+          <a:effectRef idx="0">
+            <a:schemeClr val="accent4"/>
+          </a:effectRef>
+          <a:fontRef idx="minor">
+            <a:schemeClr val="lt1"/>
+          </a:fontRef>
+        </p:style>
+        <p:txBody>
+          <a:bodyPr rtlCol="0" anchor="ctr"/>
+          <a:lstStyle/>
+          <a:p>
+            <a:pPr algn="ctr"/>
+            <a:r>
+              <a:rPr lang="en-US" dirty="0"/>
+              <a:t>SQL</a:t>
+            </a:r>
+          </a:p>
+        </p:txBody>
+      </p:sp>
+      <p:cxnSp>
+        <p:nvCxnSpPr>
+          <p:cNvPr id="20" name="Straight Arrow Connector 19">
+            <a:extLst>
+              <a:ext uri="{FF2B5EF4-FFF2-40B4-BE49-F238E27FC236}">
+                <a16:creationId xmlns:a16="http://schemas.microsoft.com/office/drawing/2014/main" id="{6D109ED0-B6BA-43E1-BF16-1B9F0DEE85C5}"/>
+              </a:ext>
+            </a:extLst>
+          </p:cNvPr>
+          <p:cNvCxnSpPr>
+            <a:stCxn id="5" idx="3"/>
+            <a:endCxn id="7" idx="1"/>
+          </p:cNvCxnSpPr>
+          <p:nvPr/>
+        </p:nvCxnSpPr>
+        <p:spPr>
+          <a:xfrm flipV="1">
+            <a:off x="2539474" y="3953714"/>
+            <a:ext cx="1448194" cy="1"/>
+          </a:xfrm>
+          <a:prstGeom prst="straightConnector1">
+            <a:avLst/>
+          </a:prstGeom>
+          <a:ln>
+            <a:tailEnd type="triangle"/>
+          </a:ln>
+        </p:spPr>
+        <p:style>
+          <a:lnRef idx="3">
+            <a:schemeClr val="dk1"/>
+          </a:lnRef>
+          <a:fillRef idx="0">
+            <a:schemeClr val="dk1"/>
+          </a:fillRef>
+          <a:effectRef idx="2">
+            <a:schemeClr val="dk1"/>
+          </a:effectRef>
+          <a:fontRef idx="minor">
+            <a:schemeClr val="tx1"/>
+          </a:fontRef>
+        </p:style>
+      </p:cxnSp>
+      <p:cxnSp>
+        <p:nvCxnSpPr>
+          <p:cNvPr id="21" name="Straight Arrow Connector 20">
+            <a:extLst>
+              <a:ext uri="{FF2B5EF4-FFF2-40B4-BE49-F238E27FC236}">
+                <a16:creationId xmlns:a16="http://schemas.microsoft.com/office/drawing/2014/main" id="{3084B5C6-727D-47AC-A4C9-1CC1E32D55C5}"/>
+              </a:ext>
+            </a:extLst>
+          </p:cNvPr>
+          <p:cNvCxnSpPr>
+            <a:cxnSpLocks/>
+            <a:stCxn id="7" idx="3"/>
+            <a:endCxn id="9" idx="1"/>
+          </p:cNvCxnSpPr>
+          <p:nvPr/>
+        </p:nvCxnSpPr>
+        <p:spPr>
+          <a:xfrm flipV="1">
+            <a:off x="5470607" y="2263101"/>
+            <a:ext cx="1448195" cy="1690613"/>
+          </a:xfrm>
+          <a:prstGeom prst="straightConnector1">
+            <a:avLst/>
+          </a:prstGeom>
+          <a:ln>
+            <a:tailEnd type="triangle"/>
+          </a:ln>
+        </p:spPr>
+        <p:style>
+          <a:lnRef idx="3">
+            <a:schemeClr val="dk1"/>
+          </a:lnRef>
+          <a:fillRef idx="0">
+            <a:schemeClr val="dk1"/>
+          </a:fillRef>
+          <a:effectRef idx="2">
+            <a:schemeClr val="dk1"/>
+          </a:effectRef>
+          <a:fontRef idx="minor">
+            <a:schemeClr val="tx1"/>
+          </a:fontRef>
+        </p:style>
+      </p:cxnSp>
+      <p:cxnSp>
+        <p:nvCxnSpPr>
+          <p:cNvPr id="24" name="Straight Arrow Connector 23">
+            <a:extLst>
+              <a:ext uri="{FF2B5EF4-FFF2-40B4-BE49-F238E27FC236}">
+                <a16:creationId xmlns:a16="http://schemas.microsoft.com/office/drawing/2014/main" id="{0FB32820-C71B-4143-9B2E-53AA3BF34CEA}"/>
+              </a:ext>
+            </a:extLst>
+          </p:cNvPr>
+          <p:cNvCxnSpPr>
+            <a:cxnSpLocks/>
+            <a:stCxn id="7" idx="3"/>
+            <a:endCxn id="11" idx="1"/>
+          </p:cNvCxnSpPr>
+          <p:nvPr/>
+        </p:nvCxnSpPr>
+        <p:spPr>
+          <a:xfrm>
+            <a:off x="5470607" y="3953714"/>
+            <a:ext cx="1448194" cy="0"/>
+          </a:xfrm>
+          <a:prstGeom prst="straightConnector1">
+            <a:avLst/>
+          </a:prstGeom>
+          <a:ln>
+            <a:tailEnd type="triangle"/>
+          </a:ln>
+        </p:spPr>
+        <p:style>
+          <a:lnRef idx="3">
+            <a:schemeClr val="dk1"/>
+          </a:lnRef>
+          <a:fillRef idx="0">
+            <a:schemeClr val="dk1"/>
+          </a:fillRef>
+          <a:effectRef idx="2">
+            <a:schemeClr val="dk1"/>
+          </a:effectRef>
+          <a:fontRef idx="minor">
+            <a:schemeClr val="tx1"/>
+          </a:fontRef>
+        </p:style>
+      </p:cxnSp>
+      <p:cxnSp>
+        <p:nvCxnSpPr>
+          <p:cNvPr id="27" name="Straight Arrow Connector 26">
+            <a:extLst>
+              <a:ext uri="{FF2B5EF4-FFF2-40B4-BE49-F238E27FC236}">
+                <a16:creationId xmlns:a16="http://schemas.microsoft.com/office/drawing/2014/main" id="{E641F182-90D5-4AD3-8B19-57E16ED84DE0}"/>
+              </a:ext>
+            </a:extLst>
+          </p:cNvPr>
+          <p:cNvCxnSpPr>
+            <a:cxnSpLocks/>
+            <a:stCxn id="7" idx="3"/>
+            <a:endCxn id="13" idx="1"/>
+          </p:cNvCxnSpPr>
+          <p:nvPr/>
+        </p:nvCxnSpPr>
+        <p:spPr>
+          <a:xfrm>
+            <a:off x="5470607" y="3953714"/>
+            <a:ext cx="1448194" cy="1690613"/>
+          </a:xfrm>
+          <a:prstGeom prst="straightConnector1">
+            <a:avLst/>
+          </a:prstGeom>
+          <a:ln>
+            <a:tailEnd type="triangle"/>
+          </a:ln>
+        </p:spPr>
+        <p:style>
+          <a:lnRef idx="3">
+            <a:schemeClr val="dk1"/>
+          </a:lnRef>
+          <a:fillRef idx="0">
+            <a:schemeClr val="dk1"/>
+          </a:fillRef>
+          <a:effectRef idx="2">
+            <a:schemeClr val="dk1"/>
+          </a:effectRef>
+          <a:fontRef idx="minor">
+            <a:schemeClr val="tx1"/>
+          </a:fontRef>
+        </p:style>
+      </p:cxnSp>
+      <p:cxnSp>
+        <p:nvCxnSpPr>
+          <p:cNvPr id="30" name="Straight Arrow Connector 29">
+            <a:extLst>
+              <a:ext uri="{FF2B5EF4-FFF2-40B4-BE49-F238E27FC236}">
+                <a16:creationId xmlns:a16="http://schemas.microsoft.com/office/drawing/2014/main" id="{0EE15FC7-7789-4E6C-A860-D4459F5E902C}"/>
+              </a:ext>
+            </a:extLst>
+          </p:cNvPr>
+          <p:cNvCxnSpPr>
+            <a:cxnSpLocks/>
+            <a:stCxn id="9" idx="3"/>
+            <a:endCxn id="14" idx="2"/>
+          </p:cNvCxnSpPr>
+          <p:nvPr/>
+        </p:nvCxnSpPr>
+        <p:spPr>
+          <a:xfrm>
+            <a:off x="8401741" y="2263101"/>
+            <a:ext cx="1396079" cy="0"/>
+          </a:xfrm>
+          <a:prstGeom prst="straightConnector1">
+            <a:avLst/>
+          </a:prstGeom>
+          <a:ln>
+            <a:tailEnd type="triangle"/>
+          </a:ln>
+        </p:spPr>
+        <p:style>
+          <a:lnRef idx="3">
+            <a:schemeClr val="dk1"/>
+          </a:lnRef>
+          <a:fillRef idx="0">
+            <a:schemeClr val="dk1"/>
+          </a:fillRef>
+          <a:effectRef idx="2">
+            <a:schemeClr val="dk1"/>
+          </a:effectRef>
+          <a:fontRef idx="minor">
+            <a:schemeClr val="tx1"/>
+          </a:fontRef>
+        </p:style>
+      </p:cxnSp>
+      <p:cxnSp>
+        <p:nvCxnSpPr>
+          <p:cNvPr id="33" name="Straight Arrow Connector 32">
+            <a:extLst>
+              <a:ext uri="{FF2B5EF4-FFF2-40B4-BE49-F238E27FC236}">
+                <a16:creationId xmlns:a16="http://schemas.microsoft.com/office/drawing/2014/main" id="{8E2AACC6-FCB3-425A-94B9-4DEDD6511702}"/>
+              </a:ext>
+            </a:extLst>
+          </p:cNvPr>
+          <p:cNvCxnSpPr>
+            <a:cxnSpLocks/>
+            <a:stCxn id="11" idx="3"/>
+            <a:endCxn id="16" idx="2"/>
+          </p:cNvCxnSpPr>
+          <p:nvPr/>
+        </p:nvCxnSpPr>
+        <p:spPr>
+          <a:xfrm>
+            <a:off x="8401740" y="3953714"/>
+            <a:ext cx="1396080" cy="0"/>
+          </a:xfrm>
+          <a:prstGeom prst="straightConnector1">
+            <a:avLst/>
+          </a:prstGeom>
+          <a:ln>
+            <a:tailEnd type="triangle"/>
+          </a:ln>
+        </p:spPr>
+        <p:style>
+          <a:lnRef idx="3">
+            <a:schemeClr val="dk1"/>
+          </a:lnRef>
+          <a:fillRef idx="0">
+            <a:schemeClr val="dk1"/>
+          </a:fillRef>
+          <a:effectRef idx="2">
+            <a:schemeClr val="dk1"/>
+          </a:effectRef>
+          <a:fontRef idx="minor">
+            <a:schemeClr val="tx1"/>
+          </a:fontRef>
+        </p:style>
+      </p:cxnSp>
+      <p:cxnSp>
+        <p:nvCxnSpPr>
+          <p:cNvPr id="36" name="Straight Arrow Connector 35">
+            <a:extLst>
+              <a:ext uri="{FF2B5EF4-FFF2-40B4-BE49-F238E27FC236}">
+                <a16:creationId xmlns:a16="http://schemas.microsoft.com/office/drawing/2014/main" id="{3830DED8-0834-4908-9CF6-F7E54E7DEC9B}"/>
+              </a:ext>
+            </a:extLst>
+          </p:cNvPr>
+          <p:cNvCxnSpPr>
+            <a:cxnSpLocks/>
+            <a:stCxn id="13" idx="3"/>
+            <a:endCxn id="18" idx="2"/>
+          </p:cNvCxnSpPr>
+          <p:nvPr/>
+        </p:nvCxnSpPr>
+        <p:spPr>
+          <a:xfrm>
+            <a:off x="8401740" y="5644327"/>
+            <a:ext cx="1396080" cy="0"/>
+          </a:xfrm>
+          <a:prstGeom prst="straightConnector1">
+            <a:avLst/>
+          </a:prstGeom>
+          <a:ln>
+            <a:tailEnd type="triangle"/>
+          </a:ln>
+        </p:spPr>
+        <p:style>
+          <a:lnRef idx="3">
+            <a:schemeClr val="dk1"/>
+          </a:lnRef>
+          <a:fillRef idx="0">
+            <a:schemeClr val="dk1"/>
+          </a:fillRef>
+          <a:effectRef idx="2">
+            <a:schemeClr val="dk1"/>
+          </a:effectRef>
+          <a:fontRef idx="minor">
+            <a:schemeClr val="tx1"/>
+          </a:fontRef>
+        </p:style>
+      </p:cxnSp>
+    </p:spTree>
+    <p:extLst>
+      <p:ext uri="{BB962C8B-B14F-4D97-AF65-F5344CB8AC3E}">
+        <p14:creationId xmlns:p14="http://schemas.microsoft.com/office/powerpoint/2010/main" val="2592888449"/>
+      </p:ext>
+    </p:extLst>
+  </p:cSld>
+  <p:clrMapOvr>
+    <a:masterClrMapping/>
+  </p:clrMapOvr>
+</p:sld>
+</file>
+
+<file path=ppt/slides/slide15.xml><?xml version="1.0" encoding="utf-8"?>
+<p:sld xmlns:a="http://schemas.openxmlformats.org/drawingml/2006/main" xmlns:r="http://schemas.openxmlformats.org/officeDocument/2006/relationships" xmlns:p="http://schemas.openxmlformats.org/presentationml/2006/main">
+  <p:cSld>
+    <p:spTree>
+      <p:nvGrpSpPr>
+        <p:cNvPr id="1" name=""/>
+        <p:cNvGrpSpPr/>
+        <p:nvPr/>
+      </p:nvGrpSpPr>
+      <p:grpSpPr>
+        <a:xfrm>
+          <a:off x="0" y="0"/>
+          <a:ext cx="0" cy="0"/>
+          <a:chOff x="0" y="0"/>
+          <a:chExt cx="0" cy="0"/>
+        </a:xfrm>
+      </p:grpSpPr>
+      <p:sp>
+        <p:nvSpPr>
+          <p:cNvPr id="2" name="Title 1">
+            <a:extLst>
+              <a:ext uri="{FF2B5EF4-FFF2-40B4-BE49-F238E27FC236}">
+                <a16:creationId xmlns:a16="http://schemas.microsoft.com/office/drawing/2014/main" id="{3B136FB7-4D94-4593-B628-197E47981AC9}"/>
+              </a:ext>
+            </a:extLst>
+          </p:cNvPr>
+          <p:cNvSpPr>
+            <a:spLocks noGrp="1"/>
+          </p:cNvSpPr>
+          <p:nvPr>
+            <p:ph type="title"/>
+          </p:nvPr>
+        </p:nvSpPr>
+        <p:spPr/>
+        <p:txBody>
+          <a:bodyPr/>
+          <a:lstStyle/>
+          <a:p>
+            <a:r>
+              <a:rPr lang="en-US" dirty="0"/>
+              <a:t>Microservices - POST</a:t>
+            </a:r>
+          </a:p>
+        </p:txBody>
+      </p:sp>
+      <p:sp>
+        <p:nvSpPr>
+          <p:cNvPr id="4" name="Date Placeholder 3">
+            <a:extLst>
+              <a:ext uri="{FF2B5EF4-FFF2-40B4-BE49-F238E27FC236}">
+                <a16:creationId xmlns:a16="http://schemas.microsoft.com/office/drawing/2014/main" id="{0601D433-0D40-4822-B15A-E4E98B68A8FB}"/>
+              </a:ext>
+            </a:extLst>
+          </p:cNvPr>
+          <p:cNvSpPr>
+            <a:spLocks noGrp="1"/>
+          </p:cNvSpPr>
+          <p:nvPr>
+            <p:ph type="dt" sz="half" idx="10"/>
+          </p:nvPr>
+        </p:nvSpPr>
+        <p:spPr/>
+        <p:txBody>
+          <a:bodyPr/>
+          <a:lstStyle/>
+          <a:p>
+            <a:r>
+              <a:rPr lang="en-US"/>
+              <a:t>@jbogard</a:t>
+            </a:r>
+            <a:endParaRPr lang="en-US" dirty="0"/>
+          </a:p>
+        </p:txBody>
+      </p:sp>
+      <p:sp>
+        <p:nvSpPr>
+          <p:cNvPr id="5" name="Rectangle 4">
+            <a:extLst>
+              <a:ext uri="{FF2B5EF4-FFF2-40B4-BE49-F238E27FC236}">
+                <a16:creationId xmlns:a16="http://schemas.microsoft.com/office/drawing/2014/main" id="{F98F5322-B54B-4298-A1FE-DCDF761166C3}"/>
+              </a:ext>
+            </a:extLst>
+          </p:cNvPr>
+          <p:cNvSpPr/>
+          <p:nvPr/>
+        </p:nvSpPr>
+        <p:spPr>
+          <a:xfrm>
+            <a:off x="2212560" y="1690688"/>
+            <a:ext cx="1482939" cy="971253"/>
+          </a:xfrm>
+          <a:prstGeom prst="rect">
+            <a:avLst/>
+          </a:prstGeom>
+        </p:spPr>
+        <p:style>
+          <a:lnRef idx="2">
+            <a:schemeClr val="accent1">
+              <a:shade val="50000"/>
+            </a:schemeClr>
+          </a:lnRef>
+          <a:fillRef idx="1">
+            <a:schemeClr val="accent1"/>
+          </a:fillRef>
+          <a:effectRef idx="0">
+            <a:schemeClr val="accent1"/>
+          </a:effectRef>
+          <a:fontRef idx="minor">
+            <a:schemeClr val="lt1"/>
+          </a:fontRef>
+        </p:style>
+        <p:txBody>
+          <a:bodyPr rtlCol="0" anchor="ctr"/>
+          <a:lstStyle/>
+          <a:p>
+            <a:pPr algn="ctr"/>
+            <a:r>
+              <a:rPr lang="en-US" dirty="0"/>
+              <a:t>Angular UI</a:t>
+            </a:r>
+          </a:p>
+        </p:txBody>
+      </p:sp>
+      <p:sp>
+        <p:nvSpPr>
+          <p:cNvPr id="9" name="Rectangle 8">
+            <a:extLst>
+              <a:ext uri="{FF2B5EF4-FFF2-40B4-BE49-F238E27FC236}">
+                <a16:creationId xmlns:a16="http://schemas.microsoft.com/office/drawing/2014/main" id="{EE5FF1A2-DD31-45F7-8289-0823C0C8B2AC}"/>
+              </a:ext>
+            </a:extLst>
+          </p:cNvPr>
+          <p:cNvSpPr/>
+          <p:nvPr/>
+        </p:nvSpPr>
+        <p:spPr>
+          <a:xfrm>
+            <a:off x="4217884" y="1690687"/>
+            <a:ext cx="1482939" cy="971253"/>
+          </a:xfrm>
+          <a:prstGeom prst="rect">
+            <a:avLst/>
+          </a:prstGeom>
+        </p:spPr>
+        <p:style>
+          <a:lnRef idx="2">
+            <a:schemeClr val="accent5">
+              <a:shade val="50000"/>
+            </a:schemeClr>
+          </a:lnRef>
+          <a:fillRef idx="1">
+            <a:schemeClr val="accent5"/>
+          </a:fillRef>
+          <a:effectRef idx="0">
+            <a:schemeClr val="accent5"/>
+          </a:effectRef>
+          <a:fontRef idx="minor">
+            <a:schemeClr val="lt1"/>
+          </a:fontRef>
+        </p:style>
+        <p:txBody>
+          <a:bodyPr rtlCol="0" anchor="ctr"/>
+          <a:lstStyle/>
+          <a:p>
+            <a:pPr algn="ctr"/>
+            <a:r>
+              <a:rPr lang="en-US" dirty="0"/>
+              <a:t>Sales API</a:t>
+            </a:r>
+          </a:p>
+        </p:txBody>
+      </p:sp>
+      <p:sp>
+        <p:nvSpPr>
+          <p:cNvPr id="11" name="Rectangle 10">
+            <a:extLst>
+              <a:ext uri="{FF2B5EF4-FFF2-40B4-BE49-F238E27FC236}">
+                <a16:creationId xmlns:a16="http://schemas.microsoft.com/office/drawing/2014/main" id="{A98CFDBF-E879-46AB-B2D3-34194F362D4B}"/>
+              </a:ext>
+            </a:extLst>
+          </p:cNvPr>
+          <p:cNvSpPr/>
+          <p:nvPr/>
+        </p:nvSpPr>
+        <p:spPr>
+          <a:xfrm>
+            <a:off x="2990452" y="3987503"/>
+            <a:ext cx="1482939" cy="971253"/>
+          </a:xfrm>
+          <a:prstGeom prst="rect">
+            <a:avLst/>
+          </a:prstGeom>
+        </p:spPr>
+        <p:style>
+          <a:lnRef idx="2">
+            <a:schemeClr val="accent6">
+              <a:shade val="50000"/>
+            </a:schemeClr>
+          </a:lnRef>
+          <a:fillRef idx="1">
+            <a:schemeClr val="accent6"/>
+          </a:fillRef>
+          <a:effectRef idx="0">
+            <a:schemeClr val="accent6"/>
+          </a:effectRef>
+          <a:fontRef idx="minor">
+            <a:schemeClr val="lt1"/>
+          </a:fontRef>
+        </p:style>
+        <p:txBody>
+          <a:bodyPr rtlCol="0" anchor="ctr"/>
+          <a:lstStyle/>
+          <a:p>
+            <a:pPr algn="ctr"/>
+            <a:r>
+              <a:rPr lang="en-US" dirty="0"/>
+              <a:t>Finance</a:t>
+            </a:r>
+          </a:p>
+        </p:txBody>
+      </p:sp>
+      <p:sp>
+        <p:nvSpPr>
+          <p:cNvPr id="13" name="Rectangle 12">
+            <a:extLst>
+              <a:ext uri="{FF2B5EF4-FFF2-40B4-BE49-F238E27FC236}">
+                <a16:creationId xmlns:a16="http://schemas.microsoft.com/office/drawing/2014/main" id="{E25F84C4-2B9C-41D5-8A5A-A3F2EC5E028C}"/>
+              </a:ext>
+            </a:extLst>
+          </p:cNvPr>
+          <p:cNvSpPr/>
+          <p:nvPr/>
+        </p:nvSpPr>
+        <p:spPr>
+          <a:xfrm>
+            <a:off x="9921797" y="3987503"/>
+            <a:ext cx="1482939" cy="971253"/>
+          </a:xfrm>
+          <a:prstGeom prst="rect">
+            <a:avLst/>
+          </a:prstGeom>
+        </p:spPr>
+        <p:style>
+          <a:lnRef idx="2">
+            <a:schemeClr val="accent4">
+              <a:shade val="50000"/>
+            </a:schemeClr>
+          </a:lnRef>
+          <a:fillRef idx="1">
+            <a:schemeClr val="accent4"/>
+          </a:fillRef>
+          <a:effectRef idx="0">
+            <a:schemeClr val="accent4"/>
+          </a:effectRef>
+          <a:fontRef idx="minor">
+            <a:schemeClr val="lt1"/>
+          </a:fontRef>
+        </p:style>
+        <p:txBody>
+          <a:bodyPr rtlCol="0" anchor="ctr"/>
+          <a:lstStyle/>
+          <a:p>
+            <a:pPr algn="ctr"/>
+            <a:r>
+              <a:rPr lang="en-US" dirty="0"/>
+              <a:t>Customers</a:t>
+            </a:r>
+          </a:p>
+        </p:txBody>
+      </p:sp>
+      <p:cxnSp>
+        <p:nvCxnSpPr>
+          <p:cNvPr id="20" name="Straight Arrow Connector 19">
+            <a:extLst>
+              <a:ext uri="{FF2B5EF4-FFF2-40B4-BE49-F238E27FC236}">
+                <a16:creationId xmlns:a16="http://schemas.microsoft.com/office/drawing/2014/main" id="{6D109ED0-B6BA-43E1-BF16-1B9F0DEE85C5}"/>
+              </a:ext>
+            </a:extLst>
+          </p:cNvPr>
+          <p:cNvCxnSpPr>
+            <a:cxnSpLocks/>
+            <a:stCxn id="5" idx="3"/>
+            <a:endCxn id="9" idx="1"/>
+          </p:cNvCxnSpPr>
+          <p:nvPr/>
+        </p:nvCxnSpPr>
+        <p:spPr>
+          <a:xfrm flipV="1">
+            <a:off x="3695499" y="2176314"/>
+            <a:ext cx="522385" cy="1"/>
+          </a:xfrm>
+          <a:prstGeom prst="straightConnector1">
+            <a:avLst/>
+          </a:prstGeom>
+          <a:ln>
+            <a:tailEnd type="triangle"/>
+          </a:ln>
+        </p:spPr>
+        <p:style>
+          <a:lnRef idx="3">
+            <a:schemeClr val="dk1"/>
+          </a:lnRef>
+          <a:fillRef idx="0">
+            <a:schemeClr val="dk1"/>
+          </a:fillRef>
+          <a:effectRef idx="2">
+            <a:schemeClr val="dk1"/>
+          </a:effectRef>
+          <a:fontRef idx="minor">
+            <a:schemeClr val="tx1"/>
+          </a:fontRef>
+        </p:style>
+      </p:cxnSp>
+      <p:sp>
+        <p:nvSpPr>
+          <p:cNvPr id="19" name="Rectangle 18">
+            <a:extLst>
+              <a:ext uri="{FF2B5EF4-FFF2-40B4-BE49-F238E27FC236}">
+                <a16:creationId xmlns:a16="http://schemas.microsoft.com/office/drawing/2014/main" id="{9BD532C7-822B-497F-B140-681FA1C0FB1B}"/>
+              </a:ext>
+            </a:extLst>
+          </p:cNvPr>
+          <p:cNvSpPr/>
+          <p:nvPr/>
+        </p:nvSpPr>
+        <p:spPr>
+          <a:xfrm>
+            <a:off x="6280772" y="1690686"/>
+            <a:ext cx="1482939" cy="971253"/>
+          </a:xfrm>
+          <a:prstGeom prst="rect">
+            <a:avLst/>
+          </a:prstGeom>
+        </p:spPr>
+        <p:style>
+          <a:lnRef idx="2">
+            <a:schemeClr val="accent5">
+              <a:shade val="50000"/>
+            </a:schemeClr>
+          </a:lnRef>
+          <a:fillRef idx="1">
+            <a:schemeClr val="accent5"/>
+          </a:fillRef>
+          <a:effectRef idx="0">
+            <a:schemeClr val="accent5"/>
+          </a:effectRef>
+          <a:fontRef idx="minor">
+            <a:schemeClr val="lt1"/>
+          </a:fontRef>
+        </p:style>
+        <p:txBody>
+          <a:bodyPr rtlCol="0" anchor="ctr"/>
+          <a:lstStyle/>
+          <a:p>
+            <a:pPr algn="ctr"/>
+            <a:r>
+              <a:rPr lang="en-US" dirty="0"/>
+              <a:t>Sales Endpoint</a:t>
+            </a:r>
+          </a:p>
+        </p:txBody>
+      </p:sp>
+      <p:grpSp>
+        <p:nvGrpSpPr>
+          <p:cNvPr id="31" name="Group 30">
+            <a:extLst>
+              <a:ext uri="{FF2B5EF4-FFF2-40B4-BE49-F238E27FC236}">
+                <a16:creationId xmlns:a16="http://schemas.microsoft.com/office/drawing/2014/main" id="{CFD7DA69-8749-40DA-85F3-D7E299C053C7}"/>
+              </a:ext>
+            </a:extLst>
+          </p:cNvPr>
+          <p:cNvGrpSpPr/>
+          <p:nvPr>
+            <p:custDataLst>
+              <p:tags r:id="rId1"/>
+            </p:custDataLst>
+          </p:nvPr>
+        </p:nvGrpSpPr>
+        <p:grpSpPr>
+          <a:xfrm>
+            <a:off x="10714526" y="3693312"/>
+            <a:ext cx="377738" cy="228600"/>
+            <a:chOff x="838200" y="3886200"/>
+            <a:chExt cx="914400" cy="609600"/>
+          </a:xfrm>
+        </p:grpSpPr>
+        <p:sp>
+          <p:nvSpPr>
+            <p:cNvPr id="32" name="Rectangle 31">
+              <a:extLst>
+                <a:ext uri="{FF2B5EF4-FFF2-40B4-BE49-F238E27FC236}">
+                  <a16:creationId xmlns:a16="http://schemas.microsoft.com/office/drawing/2014/main" id="{72DE3252-ACF0-4603-8CE4-3CC0831B7E80}"/>
+                </a:ext>
+              </a:extLst>
+            </p:cNvPr>
+            <p:cNvSpPr/>
+            <p:nvPr/>
+          </p:nvSpPr>
+          <p:spPr>
+            <a:xfrm>
+              <a:off x="838200" y="3886200"/>
+              <a:ext cx="914400" cy="609600"/>
+            </a:xfrm>
+            <a:prstGeom prst="rect">
+              <a:avLst/>
+            </a:prstGeom>
+            <a:gradFill>
+              <a:gsLst>
+                <a:gs pos="100000">
+                  <a:schemeClr val="tx1">
+                    <a:lumMod val="50000"/>
+                    <a:lumOff val="50000"/>
+                  </a:schemeClr>
+                </a:gs>
+                <a:gs pos="48000">
+                  <a:schemeClr val="accent1">
+                    <a:tint val="44500"/>
+                    <a:satMod val="160000"/>
+                  </a:schemeClr>
+                </a:gs>
+                <a:gs pos="0">
+                  <a:schemeClr val="accent1">
+                    <a:tint val="23500"/>
+                    <a:satMod val="160000"/>
+                  </a:schemeClr>
+                </a:gs>
+              </a:gsLst>
+              <a:path path="circle">
+                <a:fillToRect l="50000" t="50000" r="50000" b="50000"/>
+              </a:path>
+            </a:gradFill>
+            <a:ln w="12700">
+              <a:solidFill>
+                <a:schemeClr val="tx1"/>
+              </a:solidFill>
+            </a:ln>
+          </p:spPr>
+          <p:style>
+            <a:lnRef idx="2">
+              <a:schemeClr val="accent1">
+                <a:shade val="50000"/>
+              </a:schemeClr>
+            </a:lnRef>
+            <a:fillRef idx="1">
+              <a:schemeClr val="accent1"/>
+            </a:fillRef>
+            <a:effectRef idx="0">
+              <a:schemeClr val="accent1"/>
+            </a:effectRef>
+            <a:fontRef idx="minor">
+              <a:schemeClr val="lt1"/>
+            </a:fontRef>
+          </p:style>
+          <p:txBody>
+            <a:bodyPr rtlCol="0" anchor="ctr"/>
+            <a:lstStyle/>
+            <a:p>
+              <a:pPr algn="ctr"/>
+              <a:endParaRPr lang="en-US"/>
+            </a:p>
+          </p:txBody>
+        </p:sp>
+        <p:sp>
+          <p:nvSpPr>
+            <p:cNvPr id="34" name="Isosceles Triangle 33">
+              <a:extLst>
+                <a:ext uri="{FF2B5EF4-FFF2-40B4-BE49-F238E27FC236}">
+                  <a16:creationId xmlns:a16="http://schemas.microsoft.com/office/drawing/2014/main" id="{857079A7-8787-4B35-8F79-072447EC3D56}"/>
+                </a:ext>
+              </a:extLst>
+            </p:cNvPr>
+            <p:cNvSpPr/>
+            <p:nvPr/>
+          </p:nvSpPr>
+          <p:spPr>
+            <a:xfrm>
+              <a:off x="838200" y="4114800"/>
+              <a:ext cx="914400" cy="381000"/>
+            </a:xfrm>
+            <a:prstGeom prst="triangle">
+              <a:avLst/>
+            </a:prstGeom>
+            <a:noFill/>
+            <a:ln w="12700">
+              <a:solidFill>
+                <a:schemeClr val="tx1"/>
+              </a:solidFill>
+            </a:ln>
+          </p:spPr>
+          <p:style>
+            <a:lnRef idx="2">
+              <a:schemeClr val="accent1">
+                <a:shade val="50000"/>
+              </a:schemeClr>
+            </a:lnRef>
+            <a:fillRef idx="1">
+              <a:schemeClr val="accent1"/>
+            </a:fillRef>
+            <a:effectRef idx="0">
+              <a:schemeClr val="accent1"/>
+            </a:effectRef>
+            <a:fontRef idx="minor">
+              <a:schemeClr val="lt1"/>
+            </a:fontRef>
+          </p:style>
+          <p:txBody>
+            <a:bodyPr rtlCol="0" anchor="ctr"/>
+            <a:lstStyle/>
+            <a:p>
+              <a:pPr algn="ctr"/>
+              <a:endParaRPr lang="en-US"/>
+            </a:p>
+          </p:txBody>
+        </p:sp>
+        <p:sp>
+          <p:nvSpPr>
+            <p:cNvPr id="35" name="Isosceles Triangle 34">
+              <a:extLst>
+                <a:ext uri="{FF2B5EF4-FFF2-40B4-BE49-F238E27FC236}">
+                  <a16:creationId xmlns:a16="http://schemas.microsoft.com/office/drawing/2014/main" id="{C67AB140-ACD7-4936-A117-A4415294A5EC}"/>
+                </a:ext>
+              </a:extLst>
+            </p:cNvPr>
+            <p:cNvSpPr/>
+            <p:nvPr/>
+          </p:nvSpPr>
+          <p:spPr>
+            <a:xfrm rot="10800000">
+              <a:off x="838200" y="3886200"/>
+              <a:ext cx="914400" cy="381000"/>
+            </a:xfrm>
+            <a:prstGeom prst="triangle">
+              <a:avLst/>
+            </a:prstGeom>
+            <a:gradFill flip="none" rotWithShape="1">
+              <a:gsLst>
+                <a:gs pos="100000">
+                  <a:schemeClr val="bg1">
+                    <a:lumMod val="85000"/>
+                  </a:schemeClr>
+                </a:gs>
+                <a:gs pos="48000">
+                  <a:schemeClr val="accent1">
+                    <a:tint val="44500"/>
+                    <a:satMod val="160000"/>
+                  </a:schemeClr>
+                </a:gs>
+                <a:gs pos="0">
+                  <a:schemeClr val="accent1">
+                    <a:tint val="23500"/>
+                    <a:satMod val="160000"/>
+                  </a:schemeClr>
+                </a:gs>
+              </a:gsLst>
+              <a:lin ang="16200000" scaled="1"/>
+              <a:tileRect/>
+            </a:gradFill>
+            <a:ln w="12700">
+              <a:solidFill>
+                <a:schemeClr val="tx1"/>
+              </a:solidFill>
+            </a:ln>
+          </p:spPr>
+          <p:style>
+            <a:lnRef idx="2">
+              <a:schemeClr val="accent1">
+                <a:shade val="50000"/>
+              </a:schemeClr>
+            </a:lnRef>
+            <a:fillRef idx="1">
+              <a:schemeClr val="accent1"/>
+            </a:fillRef>
+            <a:effectRef idx="0">
+              <a:schemeClr val="accent1"/>
+            </a:effectRef>
+            <a:fontRef idx="minor">
+              <a:schemeClr val="lt1"/>
+            </a:fontRef>
+          </p:style>
+          <p:txBody>
+            <a:bodyPr rtlCol="0" anchor="ctr"/>
+            <a:lstStyle/>
+            <a:p>
+              <a:pPr algn="ctr"/>
+              <a:endParaRPr lang="en-US"/>
+            </a:p>
+          </p:txBody>
+        </p:sp>
+      </p:grpSp>
+      <p:cxnSp>
+        <p:nvCxnSpPr>
+          <p:cNvPr id="25" name="Connector: Elbow 24">
+            <a:extLst>
+              <a:ext uri="{FF2B5EF4-FFF2-40B4-BE49-F238E27FC236}">
+                <a16:creationId xmlns:a16="http://schemas.microsoft.com/office/drawing/2014/main" id="{02E7115D-85AB-499F-8ED4-B153043DACA2}"/>
+              </a:ext>
+            </a:extLst>
+          </p:cNvPr>
+          <p:cNvCxnSpPr>
+            <a:cxnSpLocks/>
+            <a:stCxn id="11" idx="1"/>
+            <a:endCxn id="11" idx="2"/>
+          </p:cNvCxnSpPr>
+          <p:nvPr/>
+        </p:nvCxnSpPr>
+        <p:spPr>
+          <a:xfrm rot="10800000" flipH="1" flipV="1">
+            <a:off x="2990452" y="4473130"/>
+            <a:ext cx="741470" cy="485626"/>
+          </a:xfrm>
+          <a:prstGeom prst="bentConnector4">
+            <a:avLst>
+              <a:gd name="adj1" fmla="val -30831"/>
+              <a:gd name="adj2" fmla="val 147073"/>
+            </a:avLst>
+          </a:prstGeom>
+          <a:ln>
+            <a:tailEnd type="triangle"/>
+          </a:ln>
+        </p:spPr>
+        <p:style>
+          <a:lnRef idx="3">
+            <a:schemeClr val="dk1"/>
+          </a:lnRef>
+          <a:fillRef idx="0">
+            <a:schemeClr val="dk1"/>
+          </a:fillRef>
+          <a:effectRef idx="2">
+            <a:schemeClr val="dk1"/>
+          </a:effectRef>
+          <a:fontRef idx="minor">
+            <a:schemeClr val="tx1"/>
+          </a:fontRef>
+        </p:style>
+      </p:cxnSp>
+      <p:cxnSp>
+        <p:nvCxnSpPr>
+          <p:cNvPr id="37" name="Straight Arrow Connector 36">
+            <a:extLst>
+              <a:ext uri="{FF2B5EF4-FFF2-40B4-BE49-F238E27FC236}">
+                <a16:creationId xmlns:a16="http://schemas.microsoft.com/office/drawing/2014/main" id="{16537E26-33E1-413C-8B28-BD16430206A6}"/>
+              </a:ext>
+            </a:extLst>
+          </p:cNvPr>
+          <p:cNvCxnSpPr>
+            <a:cxnSpLocks/>
+            <a:stCxn id="9" idx="3"/>
+            <a:endCxn id="19" idx="1"/>
+          </p:cNvCxnSpPr>
+          <p:nvPr/>
+        </p:nvCxnSpPr>
+        <p:spPr>
+          <a:xfrm flipV="1">
+            <a:off x="5700823" y="2176313"/>
+            <a:ext cx="579949" cy="1"/>
+          </a:xfrm>
+          <a:prstGeom prst="straightConnector1">
+            <a:avLst/>
+          </a:prstGeom>
+          <a:ln>
+            <a:tailEnd type="triangle"/>
+          </a:ln>
+        </p:spPr>
+        <p:style>
+          <a:lnRef idx="3">
+            <a:schemeClr val="dk1"/>
+          </a:lnRef>
+          <a:fillRef idx="0">
+            <a:schemeClr val="dk1"/>
+          </a:fillRef>
+          <a:effectRef idx="2">
+            <a:schemeClr val="dk1"/>
+          </a:effectRef>
+          <a:fontRef idx="minor">
+            <a:schemeClr val="tx1"/>
+          </a:fontRef>
+        </p:style>
+      </p:cxnSp>
+      <p:grpSp>
+        <p:nvGrpSpPr>
+          <p:cNvPr id="40" name="Group 39">
+            <a:extLst>
+              <a:ext uri="{FF2B5EF4-FFF2-40B4-BE49-F238E27FC236}">
+                <a16:creationId xmlns:a16="http://schemas.microsoft.com/office/drawing/2014/main" id="{E3CA7654-6CCE-4F57-836E-9766D1E78781}"/>
+              </a:ext>
+            </a:extLst>
+          </p:cNvPr>
+          <p:cNvGrpSpPr/>
+          <p:nvPr>
+            <p:custDataLst>
+              <p:tags r:id="rId2"/>
+            </p:custDataLst>
+          </p:nvPr>
+        </p:nvGrpSpPr>
+        <p:grpSpPr>
+          <a:xfrm>
+            <a:off x="6017741" y="2276061"/>
+            <a:ext cx="377738" cy="228600"/>
+            <a:chOff x="838200" y="3886200"/>
+            <a:chExt cx="914400" cy="609600"/>
+          </a:xfrm>
+        </p:grpSpPr>
+        <p:sp>
+          <p:nvSpPr>
+            <p:cNvPr id="41" name="Rectangle 40">
+              <a:extLst>
+                <a:ext uri="{FF2B5EF4-FFF2-40B4-BE49-F238E27FC236}">
+                  <a16:creationId xmlns:a16="http://schemas.microsoft.com/office/drawing/2014/main" id="{81238563-5B61-4460-BCFB-7E5FE613973C}"/>
+                </a:ext>
+              </a:extLst>
+            </p:cNvPr>
+            <p:cNvSpPr/>
+            <p:nvPr/>
+          </p:nvSpPr>
+          <p:spPr>
+            <a:xfrm>
+              <a:off x="838200" y="3886200"/>
+              <a:ext cx="914400" cy="609600"/>
+            </a:xfrm>
+            <a:prstGeom prst="rect">
+              <a:avLst/>
+            </a:prstGeom>
+            <a:gradFill>
+              <a:gsLst>
+                <a:gs pos="100000">
+                  <a:schemeClr val="tx1">
+                    <a:lumMod val="50000"/>
+                    <a:lumOff val="50000"/>
+                  </a:schemeClr>
+                </a:gs>
+                <a:gs pos="48000">
+                  <a:schemeClr val="accent1">
+                    <a:tint val="44500"/>
+                    <a:satMod val="160000"/>
+                  </a:schemeClr>
+                </a:gs>
+                <a:gs pos="0">
+                  <a:schemeClr val="accent1">
+                    <a:tint val="23500"/>
+                    <a:satMod val="160000"/>
+                  </a:schemeClr>
+                </a:gs>
+              </a:gsLst>
+              <a:path path="circle">
+                <a:fillToRect l="50000" t="50000" r="50000" b="50000"/>
+              </a:path>
+            </a:gradFill>
+            <a:ln w="12700">
+              <a:solidFill>
+                <a:schemeClr val="tx1"/>
+              </a:solidFill>
+            </a:ln>
+          </p:spPr>
+          <p:style>
+            <a:lnRef idx="2">
+              <a:schemeClr val="accent1">
+                <a:shade val="50000"/>
+              </a:schemeClr>
+            </a:lnRef>
+            <a:fillRef idx="1">
+              <a:schemeClr val="accent1"/>
+            </a:fillRef>
+            <a:effectRef idx="0">
+              <a:schemeClr val="accent1"/>
+            </a:effectRef>
+            <a:fontRef idx="minor">
+              <a:schemeClr val="lt1"/>
+            </a:fontRef>
+          </p:style>
+          <p:txBody>
+            <a:bodyPr rtlCol="0" anchor="ctr"/>
+            <a:lstStyle/>
+            <a:p>
+              <a:pPr algn="ctr"/>
+              <a:endParaRPr lang="en-US"/>
+            </a:p>
+          </p:txBody>
+        </p:sp>
+        <p:sp>
+          <p:nvSpPr>
+            <p:cNvPr id="42" name="Isosceles Triangle 41">
+              <a:extLst>
+                <a:ext uri="{FF2B5EF4-FFF2-40B4-BE49-F238E27FC236}">
+                  <a16:creationId xmlns:a16="http://schemas.microsoft.com/office/drawing/2014/main" id="{6EEF03FE-E695-4ED6-BCD0-45BA364933CE}"/>
+                </a:ext>
+              </a:extLst>
+            </p:cNvPr>
+            <p:cNvSpPr/>
+            <p:nvPr/>
+          </p:nvSpPr>
+          <p:spPr>
+            <a:xfrm>
+              <a:off x="838200" y="4114800"/>
+              <a:ext cx="914400" cy="381000"/>
+            </a:xfrm>
+            <a:prstGeom prst="triangle">
+              <a:avLst/>
+            </a:prstGeom>
+            <a:noFill/>
+            <a:ln w="12700">
+              <a:solidFill>
+                <a:schemeClr val="tx1"/>
+              </a:solidFill>
+            </a:ln>
+          </p:spPr>
+          <p:style>
+            <a:lnRef idx="2">
+              <a:schemeClr val="accent1">
+                <a:shade val="50000"/>
+              </a:schemeClr>
+            </a:lnRef>
+            <a:fillRef idx="1">
+              <a:schemeClr val="accent1"/>
+            </a:fillRef>
+            <a:effectRef idx="0">
+              <a:schemeClr val="accent1"/>
+            </a:effectRef>
+            <a:fontRef idx="minor">
+              <a:schemeClr val="lt1"/>
+            </a:fontRef>
+          </p:style>
+          <p:txBody>
+            <a:bodyPr rtlCol="0" anchor="ctr"/>
+            <a:lstStyle/>
+            <a:p>
+              <a:pPr algn="ctr"/>
+              <a:endParaRPr lang="en-US"/>
+            </a:p>
+          </p:txBody>
+        </p:sp>
+        <p:sp>
+          <p:nvSpPr>
+            <p:cNvPr id="43" name="Isosceles Triangle 42">
+              <a:extLst>
+                <a:ext uri="{FF2B5EF4-FFF2-40B4-BE49-F238E27FC236}">
+                  <a16:creationId xmlns:a16="http://schemas.microsoft.com/office/drawing/2014/main" id="{767BE19A-9D96-4895-BE21-443471E26DE6}"/>
+                </a:ext>
+              </a:extLst>
+            </p:cNvPr>
+            <p:cNvSpPr/>
+            <p:nvPr/>
+          </p:nvSpPr>
+          <p:spPr>
+            <a:xfrm rot="10800000">
+              <a:off x="838200" y="3886200"/>
+              <a:ext cx="914400" cy="381000"/>
+            </a:xfrm>
+            <a:prstGeom prst="triangle">
+              <a:avLst/>
+            </a:prstGeom>
+            <a:gradFill flip="none" rotWithShape="1">
+              <a:gsLst>
+                <a:gs pos="100000">
+                  <a:schemeClr val="bg1">
+                    <a:lumMod val="85000"/>
+                  </a:schemeClr>
+                </a:gs>
+                <a:gs pos="48000">
+                  <a:schemeClr val="accent1">
+                    <a:tint val="44500"/>
+                    <a:satMod val="160000"/>
+                  </a:schemeClr>
+                </a:gs>
+                <a:gs pos="0">
+                  <a:schemeClr val="accent1">
+                    <a:tint val="23500"/>
+                    <a:satMod val="160000"/>
+                  </a:schemeClr>
+                </a:gs>
+              </a:gsLst>
+              <a:lin ang="16200000" scaled="1"/>
+              <a:tileRect/>
+            </a:gradFill>
+            <a:ln w="12700">
+              <a:solidFill>
+                <a:schemeClr val="tx1"/>
+              </a:solidFill>
+            </a:ln>
+          </p:spPr>
+          <p:style>
+            <a:lnRef idx="2">
+              <a:schemeClr val="accent1">
+                <a:shade val="50000"/>
+              </a:schemeClr>
+            </a:lnRef>
+            <a:fillRef idx="1">
+              <a:schemeClr val="accent1"/>
+            </a:fillRef>
+            <a:effectRef idx="0">
+              <a:schemeClr val="accent1"/>
+            </a:effectRef>
+            <a:fontRef idx="minor">
+              <a:schemeClr val="lt1"/>
+            </a:fontRef>
+          </p:style>
+          <p:txBody>
+            <a:bodyPr rtlCol="0" anchor="ctr"/>
+            <a:lstStyle/>
+            <a:p>
+              <a:pPr algn="ctr"/>
+              <a:endParaRPr lang="en-US"/>
+            </a:p>
+          </p:txBody>
+        </p:sp>
+      </p:grpSp>
+      <p:sp>
+        <p:nvSpPr>
+          <p:cNvPr id="44" name="Cylinder 43">
+            <a:extLst>
+              <a:ext uri="{FF2B5EF4-FFF2-40B4-BE49-F238E27FC236}">
+                <a16:creationId xmlns:a16="http://schemas.microsoft.com/office/drawing/2014/main" id="{3ABFAEE6-60A7-49E7-AE7D-49F790763D15}"/>
+              </a:ext>
+            </a:extLst>
+          </p:cNvPr>
+          <p:cNvSpPr/>
+          <p:nvPr/>
+        </p:nvSpPr>
+        <p:spPr>
+          <a:xfrm>
+            <a:off x="8524143" y="1690685"/>
+            <a:ext cx="736337" cy="971253"/>
+          </a:xfrm>
+          <a:prstGeom prst="can">
+            <a:avLst/>
+          </a:prstGeom>
+        </p:spPr>
+        <p:style>
+          <a:lnRef idx="2">
+            <a:schemeClr val="accent5">
+              <a:shade val="50000"/>
+            </a:schemeClr>
+          </a:lnRef>
+          <a:fillRef idx="1">
+            <a:schemeClr val="accent5"/>
+          </a:fillRef>
+          <a:effectRef idx="0">
+            <a:schemeClr val="accent5"/>
+          </a:effectRef>
+          <a:fontRef idx="minor">
+            <a:schemeClr val="lt1"/>
+          </a:fontRef>
+        </p:style>
+        <p:txBody>
+          <a:bodyPr rtlCol="0" anchor="ctr"/>
+          <a:lstStyle/>
+          <a:p>
+            <a:pPr algn="ctr"/>
+            <a:r>
+              <a:rPr lang="en-US" dirty="0"/>
+              <a:t>SQL</a:t>
+            </a:r>
+          </a:p>
+        </p:txBody>
+      </p:sp>
+      <p:cxnSp>
+        <p:nvCxnSpPr>
+          <p:cNvPr id="45" name="Straight Arrow Connector 44">
+            <a:extLst>
+              <a:ext uri="{FF2B5EF4-FFF2-40B4-BE49-F238E27FC236}">
+                <a16:creationId xmlns:a16="http://schemas.microsoft.com/office/drawing/2014/main" id="{1A6DF0ED-E4BE-446A-B621-1C7289B86AB8}"/>
+              </a:ext>
+            </a:extLst>
+          </p:cNvPr>
+          <p:cNvCxnSpPr>
+            <a:cxnSpLocks/>
+            <a:stCxn id="19" idx="3"/>
+            <a:endCxn id="44" idx="2"/>
+          </p:cNvCxnSpPr>
+          <p:nvPr/>
+        </p:nvCxnSpPr>
+        <p:spPr>
+          <a:xfrm flipV="1">
+            <a:off x="7763711" y="2176312"/>
+            <a:ext cx="760432" cy="1"/>
+          </a:xfrm>
+          <a:prstGeom prst="straightConnector1">
+            <a:avLst/>
+          </a:prstGeom>
+          <a:ln>
+            <a:tailEnd type="triangle"/>
+          </a:ln>
+        </p:spPr>
+        <p:style>
+          <a:lnRef idx="3">
+            <a:schemeClr val="dk1"/>
+          </a:lnRef>
+          <a:fillRef idx="0">
+            <a:schemeClr val="dk1"/>
+          </a:fillRef>
+          <a:effectRef idx="2">
+            <a:schemeClr val="dk1"/>
+          </a:effectRef>
+          <a:fontRef idx="minor">
+            <a:schemeClr val="tx1"/>
+          </a:fontRef>
+        </p:style>
+      </p:cxnSp>
+      <p:cxnSp>
+        <p:nvCxnSpPr>
+          <p:cNvPr id="48" name="Straight Arrow Connector 47">
+            <a:extLst>
+              <a:ext uri="{FF2B5EF4-FFF2-40B4-BE49-F238E27FC236}">
+                <a16:creationId xmlns:a16="http://schemas.microsoft.com/office/drawing/2014/main" id="{EA6E7EA4-49FE-4AB3-9162-CD9D75E9A17D}"/>
+              </a:ext>
+            </a:extLst>
+          </p:cNvPr>
+          <p:cNvCxnSpPr>
+            <a:cxnSpLocks/>
+            <a:stCxn id="19" idx="2"/>
+            <a:endCxn id="11" idx="0"/>
+          </p:cNvCxnSpPr>
+          <p:nvPr/>
+        </p:nvCxnSpPr>
+        <p:spPr>
+          <a:xfrm flipH="1">
+            <a:off x="3731922" y="2661939"/>
+            <a:ext cx="3290320" cy="1325564"/>
+          </a:xfrm>
+          <a:prstGeom prst="straightConnector1">
+            <a:avLst/>
+          </a:prstGeom>
+          <a:ln>
+            <a:tailEnd type="triangle"/>
+          </a:ln>
+        </p:spPr>
+        <p:style>
+          <a:lnRef idx="3">
+            <a:schemeClr val="dk1"/>
+          </a:lnRef>
+          <a:fillRef idx="0">
+            <a:schemeClr val="dk1"/>
+          </a:fillRef>
+          <a:effectRef idx="2">
+            <a:schemeClr val="dk1"/>
+          </a:effectRef>
+          <a:fontRef idx="minor">
+            <a:schemeClr val="tx1"/>
+          </a:fontRef>
+        </p:style>
+      </p:cxnSp>
+      <p:cxnSp>
+        <p:nvCxnSpPr>
+          <p:cNvPr id="51" name="Straight Arrow Connector 50">
+            <a:extLst>
+              <a:ext uri="{FF2B5EF4-FFF2-40B4-BE49-F238E27FC236}">
+                <a16:creationId xmlns:a16="http://schemas.microsoft.com/office/drawing/2014/main" id="{2C1CCAAD-195C-4706-B2D6-3104973AA6FA}"/>
+              </a:ext>
+            </a:extLst>
+          </p:cNvPr>
+          <p:cNvCxnSpPr>
+            <a:cxnSpLocks/>
+            <a:stCxn id="19" idx="2"/>
+            <a:endCxn id="13" idx="0"/>
+          </p:cNvCxnSpPr>
+          <p:nvPr/>
+        </p:nvCxnSpPr>
+        <p:spPr>
+          <a:xfrm>
+            <a:off x="7022242" y="2661939"/>
+            <a:ext cx="3641025" cy="1325564"/>
+          </a:xfrm>
+          <a:prstGeom prst="straightConnector1">
+            <a:avLst/>
+          </a:prstGeom>
+          <a:ln>
+            <a:tailEnd type="triangle"/>
+          </a:ln>
+        </p:spPr>
+        <p:style>
+          <a:lnRef idx="3">
+            <a:schemeClr val="dk1"/>
+          </a:lnRef>
+          <a:fillRef idx="0">
+            <a:schemeClr val="dk1"/>
+          </a:fillRef>
+          <a:effectRef idx="2">
+            <a:schemeClr val="dk1"/>
+          </a:effectRef>
+          <a:fontRef idx="minor">
+            <a:schemeClr val="tx1"/>
+          </a:fontRef>
+        </p:style>
+      </p:cxnSp>
+      <p:grpSp>
+        <p:nvGrpSpPr>
+          <p:cNvPr id="54" name="Group 53">
+            <a:extLst>
+              <a:ext uri="{FF2B5EF4-FFF2-40B4-BE49-F238E27FC236}">
+                <a16:creationId xmlns:a16="http://schemas.microsoft.com/office/drawing/2014/main" id="{09EA498A-0C7F-4B08-9221-853DFA48EE73}"/>
+              </a:ext>
+            </a:extLst>
+          </p:cNvPr>
+          <p:cNvGrpSpPr/>
+          <p:nvPr>
+            <p:custDataLst>
+              <p:tags r:id="rId3"/>
+            </p:custDataLst>
+          </p:nvPr>
+        </p:nvGrpSpPr>
+        <p:grpSpPr>
+          <a:xfrm>
+            <a:off x="3543052" y="3601624"/>
+            <a:ext cx="377738" cy="228600"/>
+            <a:chOff x="838200" y="3886200"/>
+            <a:chExt cx="914400" cy="609600"/>
+          </a:xfrm>
+        </p:grpSpPr>
+        <p:sp>
+          <p:nvSpPr>
+            <p:cNvPr id="55" name="Rectangle 54">
+              <a:extLst>
+                <a:ext uri="{FF2B5EF4-FFF2-40B4-BE49-F238E27FC236}">
+                  <a16:creationId xmlns:a16="http://schemas.microsoft.com/office/drawing/2014/main" id="{FB87D8F6-E07E-44DB-9877-110C4D0BA3C6}"/>
+                </a:ext>
+              </a:extLst>
+            </p:cNvPr>
+            <p:cNvSpPr/>
+            <p:nvPr/>
+          </p:nvSpPr>
+          <p:spPr>
+            <a:xfrm>
+              <a:off x="838200" y="3886200"/>
+              <a:ext cx="914400" cy="609600"/>
+            </a:xfrm>
+            <a:prstGeom prst="rect">
+              <a:avLst/>
+            </a:prstGeom>
+            <a:gradFill>
+              <a:gsLst>
+                <a:gs pos="100000">
+                  <a:schemeClr val="tx1">
+                    <a:lumMod val="50000"/>
+                    <a:lumOff val="50000"/>
+                  </a:schemeClr>
+                </a:gs>
+                <a:gs pos="48000">
+                  <a:schemeClr val="accent1">
+                    <a:tint val="44500"/>
+                    <a:satMod val="160000"/>
+                  </a:schemeClr>
+                </a:gs>
+                <a:gs pos="0">
+                  <a:schemeClr val="accent1">
+                    <a:tint val="23500"/>
+                    <a:satMod val="160000"/>
+                  </a:schemeClr>
+                </a:gs>
+              </a:gsLst>
+              <a:path path="circle">
+                <a:fillToRect l="50000" t="50000" r="50000" b="50000"/>
+              </a:path>
+            </a:gradFill>
+            <a:ln w="12700">
+              <a:solidFill>
+                <a:schemeClr val="tx1"/>
+              </a:solidFill>
+            </a:ln>
+          </p:spPr>
+          <p:style>
+            <a:lnRef idx="2">
+              <a:schemeClr val="accent1">
+                <a:shade val="50000"/>
+              </a:schemeClr>
+            </a:lnRef>
+            <a:fillRef idx="1">
+              <a:schemeClr val="accent1"/>
+            </a:fillRef>
+            <a:effectRef idx="0">
+              <a:schemeClr val="accent1"/>
+            </a:effectRef>
+            <a:fontRef idx="minor">
+              <a:schemeClr val="lt1"/>
+            </a:fontRef>
+          </p:style>
+          <p:txBody>
+            <a:bodyPr rtlCol="0" anchor="ctr"/>
+            <a:lstStyle/>
+            <a:p>
+              <a:pPr algn="ctr"/>
+              <a:endParaRPr lang="en-US"/>
+            </a:p>
+          </p:txBody>
+        </p:sp>
+        <p:sp>
+          <p:nvSpPr>
+            <p:cNvPr id="56" name="Isosceles Triangle 55">
+              <a:extLst>
+                <a:ext uri="{FF2B5EF4-FFF2-40B4-BE49-F238E27FC236}">
+                  <a16:creationId xmlns:a16="http://schemas.microsoft.com/office/drawing/2014/main" id="{49D6EDA7-0D80-40A5-8628-D85EB9339ADA}"/>
+                </a:ext>
+              </a:extLst>
+            </p:cNvPr>
+            <p:cNvSpPr/>
+            <p:nvPr/>
+          </p:nvSpPr>
+          <p:spPr>
+            <a:xfrm>
+              <a:off x="838200" y="4114800"/>
+              <a:ext cx="914400" cy="381000"/>
+            </a:xfrm>
+            <a:prstGeom prst="triangle">
+              <a:avLst/>
+            </a:prstGeom>
+            <a:noFill/>
+            <a:ln w="12700">
+              <a:solidFill>
+                <a:schemeClr val="tx1"/>
+              </a:solidFill>
+            </a:ln>
+          </p:spPr>
+          <p:style>
+            <a:lnRef idx="2">
+              <a:schemeClr val="accent1">
+                <a:shade val="50000"/>
+              </a:schemeClr>
+            </a:lnRef>
+            <a:fillRef idx="1">
+              <a:schemeClr val="accent1"/>
+            </a:fillRef>
+            <a:effectRef idx="0">
+              <a:schemeClr val="accent1"/>
+            </a:effectRef>
+            <a:fontRef idx="minor">
+              <a:schemeClr val="lt1"/>
+            </a:fontRef>
+          </p:style>
+          <p:txBody>
+            <a:bodyPr rtlCol="0" anchor="ctr"/>
+            <a:lstStyle/>
+            <a:p>
+              <a:pPr algn="ctr"/>
+              <a:endParaRPr lang="en-US"/>
+            </a:p>
+          </p:txBody>
+        </p:sp>
+        <p:sp>
+          <p:nvSpPr>
+            <p:cNvPr id="57" name="Isosceles Triangle 56">
+              <a:extLst>
+                <a:ext uri="{FF2B5EF4-FFF2-40B4-BE49-F238E27FC236}">
+                  <a16:creationId xmlns:a16="http://schemas.microsoft.com/office/drawing/2014/main" id="{A59B5C93-4AED-45F0-8AD2-7412E8283E5C}"/>
+                </a:ext>
+              </a:extLst>
+            </p:cNvPr>
+            <p:cNvSpPr/>
+            <p:nvPr/>
+          </p:nvSpPr>
+          <p:spPr>
+            <a:xfrm rot="10800000">
+              <a:off x="838200" y="3886200"/>
+              <a:ext cx="914400" cy="381000"/>
+            </a:xfrm>
+            <a:prstGeom prst="triangle">
+              <a:avLst/>
+            </a:prstGeom>
+            <a:gradFill flip="none" rotWithShape="1">
+              <a:gsLst>
+                <a:gs pos="100000">
+                  <a:schemeClr val="bg1">
+                    <a:lumMod val="85000"/>
+                  </a:schemeClr>
+                </a:gs>
+                <a:gs pos="48000">
+                  <a:schemeClr val="accent1">
+                    <a:tint val="44500"/>
+                    <a:satMod val="160000"/>
+                  </a:schemeClr>
+                </a:gs>
+                <a:gs pos="0">
+                  <a:schemeClr val="accent1">
+                    <a:tint val="23500"/>
+                    <a:satMod val="160000"/>
+                  </a:schemeClr>
+                </a:gs>
+              </a:gsLst>
+              <a:lin ang="16200000" scaled="1"/>
+              <a:tileRect/>
+            </a:gradFill>
+            <a:ln w="12700">
+              <a:solidFill>
+                <a:schemeClr val="tx1"/>
+              </a:solidFill>
+            </a:ln>
+          </p:spPr>
+          <p:style>
+            <a:lnRef idx="2">
+              <a:schemeClr val="accent1">
+                <a:shade val="50000"/>
+              </a:schemeClr>
+            </a:lnRef>
+            <a:fillRef idx="1">
+              <a:schemeClr val="accent1"/>
+            </a:fillRef>
+            <a:effectRef idx="0">
+              <a:schemeClr val="accent1"/>
+            </a:effectRef>
+            <a:fontRef idx="minor">
+              <a:schemeClr val="lt1"/>
+            </a:fontRef>
+          </p:style>
+          <p:txBody>
+            <a:bodyPr rtlCol="0" anchor="ctr"/>
+            <a:lstStyle/>
+            <a:p>
+              <a:pPr algn="ctr"/>
+              <a:endParaRPr lang="en-US"/>
+            </a:p>
+          </p:txBody>
+        </p:sp>
+      </p:grpSp>
+      <p:sp>
+        <p:nvSpPr>
+          <p:cNvPr id="58" name="TextBox 57">
+            <a:extLst>
+              <a:ext uri="{FF2B5EF4-FFF2-40B4-BE49-F238E27FC236}">
+                <a16:creationId xmlns:a16="http://schemas.microsoft.com/office/drawing/2014/main" id="{E21470EC-6134-408E-962D-7C755159FC6D}"/>
+              </a:ext>
+            </a:extLst>
+          </p:cNvPr>
+          <p:cNvSpPr txBox="1"/>
+          <p:nvPr/>
+        </p:nvSpPr>
+        <p:spPr>
+          <a:xfrm>
+            <a:off x="5105874" y="2662815"/>
+            <a:ext cx="1577498" cy="307777"/>
+          </a:xfrm>
+          <a:prstGeom prst="rect">
+            <a:avLst/>
+          </a:prstGeom>
+          <a:noFill/>
+        </p:spPr>
+        <p:txBody>
+          <a:bodyPr wrap="square" rtlCol="0">
+            <a:spAutoFit/>
+          </a:bodyPr>
+          <a:lstStyle/>
+          <a:p>
+            <a:r>
+              <a:rPr lang="en-US" sz="1400" dirty="0" err="1"/>
+              <a:t>SubmitOrder</a:t>
+            </a:r>
+            <a:endParaRPr lang="en-US" sz="1400" dirty="0"/>
+          </a:p>
+        </p:txBody>
+      </p:sp>
+      <p:sp>
+        <p:nvSpPr>
+          <p:cNvPr id="60" name="TextBox 59">
+            <a:extLst>
+              <a:ext uri="{FF2B5EF4-FFF2-40B4-BE49-F238E27FC236}">
+                <a16:creationId xmlns:a16="http://schemas.microsoft.com/office/drawing/2014/main" id="{BAED063D-A77E-45B9-8C04-79534E53A477}"/>
+              </a:ext>
+            </a:extLst>
+          </p:cNvPr>
+          <p:cNvSpPr txBox="1"/>
+          <p:nvPr/>
+        </p:nvSpPr>
+        <p:spPr>
+          <a:xfrm>
+            <a:off x="9474951" y="3080046"/>
+            <a:ext cx="1749544" cy="307777"/>
+          </a:xfrm>
+          <a:prstGeom prst="rect">
+            <a:avLst/>
+          </a:prstGeom>
+          <a:noFill/>
+        </p:spPr>
+        <p:txBody>
+          <a:bodyPr wrap="square" rtlCol="0">
+            <a:spAutoFit/>
+          </a:bodyPr>
+          <a:lstStyle/>
+          <a:p>
+            <a:r>
+              <a:rPr lang="en-US" sz="1400" dirty="0" err="1"/>
+              <a:t>OrderSubmitted</a:t>
+            </a:r>
+            <a:endParaRPr lang="en-US" sz="1400" dirty="0"/>
+          </a:p>
+        </p:txBody>
+      </p:sp>
+      <p:sp>
+        <p:nvSpPr>
+          <p:cNvPr id="62" name="Rectangle 61">
+            <a:extLst>
+              <a:ext uri="{FF2B5EF4-FFF2-40B4-BE49-F238E27FC236}">
+                <a16:creationId xmlns:a16="http://schemas.microsoft.com/office/drawing/2014/main" id="{C4A3CE03-D30B-4CFC-9527-EFB23E96C0F7}"/>
+              </a:ext>
+            </a:extLst>
+          </p:cNvPr>
+          <p:cNvSpPr/>
+          <p:nvPr/>
+        </p:nvSpPr>
+        <p:spPr>
+          <a:xfrm>
+            <a:off x="6280772" y="3987500"/>
+            <a:ext cx="1482939" cy="971253"/>
+          </a:xfrm>
+          <a:prstGeom prst="rect">
+            <a:avLst/>
+          </a:prstGeom>
+        </p:spPr>
+        <p:style>
+          <a:lnRef idx="2">
+            <a:schemeClr val="accent1">
+              <a:shade val="50000"/>
+            </a:schemeClr>
+          </a:lnRef>
+          <a:fillRef idx="1">
+            <a:schemeClr val="accent1"/>
+          </a:fillRef>
+          <a:effectRef idx="0">
+            <a:schemeClr val="accent1"/>
+          </a:effectRef>
+          <a:fontRef idx="minor">
+            <a:schemeClr val="lt1"/>
+          </a:fontRef>
+        </p:style>
+        <p:txBody>
+          <a:bodyPr rtlCol="0" anchor="ctr"/>
+          <a:lstStyle/>
+          <a:p>
+            <a:pPr algn="ctr"/>
+            <a:r>
+              <a:rPr lang="en-US" dirty="0"/>
+              <a:t>Shipping</a:t>
+            </a:r>
+          </a:p>
+        </p:txBody>
+      </p:sp>
+      <p:cxnSp>
+        <p:nvCxnSpPr>
+          <p:cNvPr id="63" name="Straight Arrow Connector 62">
+            <a:extLst>
+              <a:ext uri="{FF2B5EF4-FFF2-40B4-BE49-F238E27FC236}">
+                <a16:creationId xmlns:a16="http://schemas.microsoft.com/office/drawing/2014/main" id="{BEDA37CE-1103-4BB9-8D88-47ED632D6C6F}"/>
+              </a:ext>
+            </a:extLst>
+          </p:cNvPr>
+          <p:cNvCxnSpPr>
+            <a:cxnSpLocks/>
+            <a:stCxn id="19" idx="2"/>
+            <a:endCxn id="62" idx="0"/>
+          </p:cNvCxnSpPr>
+          <p:nvPr/>
+        </p:nvCxnSpPr>
+        <p:spPr>
+          <a:xfrm>
+            <a:off x="7022242" y="2661939"/>
+            <a:ext cx="0" cy="1325561"/>
+          </a:xfrm>
+          <a:prstGeom prst="straightConnector1">
+            <a:avLst/>
+          </a:prstGeom>
+          <a:ln>
+            <a:tailEnd type="triangle"/>
+          </a:ln>
+        </p:spPr>
+        <p:style>
+          <a:lnRef idx="3">
+            <a:schemeClr val="dk1"/>
+          </a:lnRef>
+          <a:fillRef idx="0">
+            <a:schemeClr val="dk1"/>
+          </a:fillRef>
+          <a:effectRef idx="2">
+            <a:schemeClr val="dk1"/>
+          </a:effectRef>
+          <a:fontRef idx="minor">
+            <a:schemeClr val="tx1"/>
+          </a:fontRef>
+        </p:style>
+      </p:cxnSp>
+      <p:grpSp>
+        <p:nvGrpSpPr>
+          <p:cNvPr id="67" name="Group 66">
+            <a:extLst>
+              <a:ext uri="{FF2B5EF4-FFF2-40B4-BE49-F238E27FC236}">
+                <a16:creationId xmlns:a16="http://schemas.microsoft.com/office/drawing/2014/main" id="{7223646B-5045-4C2F-A700-BA113F454114}"/>
+              </a:ext>
+            </a:extLst>
+          </p:cNvPr>
+          <p:cNvGrpSpPr/>
+          <p:nvPr>
+            <p:custDataLst>
+              <p:tags r:id="rId4"/>
+            </p:custDataLst>
+          </p:nvPr>
+        </p:nvGrpSpPr>
+        <p:grpSpPr>
+          <a:xfrm>
+            <a:off x="7174785" y="3630200"/>
+            <a:ext cx="377738" cy="228600"/>
+            <a:chOff x="838200" y="3886200"/>
+            <a:chExt cx="914400" cy="609600"/>
+          </a:xfrm>
+        </p:grpSpPr>
+        <p:sp>
+          <p:nvSpPr>
+            <p:cNvPr id="68" name="Rectangle 67">
+              <a:extLst>
+                <a:ext uri="{FF2B5EF4-FFF2-40B4-BE49-F238E27FC236}">
+                  <a16:creationId xmlns:a16="http://schemas.microsoft.com/office/drawing/2014/main" id="{9BCC093E-50D4-4773-9788-A1B1A69F6BD4}"/>
+                </a:ext>
+              </a:extLst>
+            </p:cNvPr>
+            <p:cNvSpPr/>
+            <p:nvPr/>
+          </p:nvSpPr>
+          <p:spPr>
+            <a:xfrm>
+              <a:off x="838200" y="3886200"/>
+              <a:ext cx="914400" cy="609600"/>
+            </a:xfrm>
+            <a:prstGeom prst="rect">
+              <a:avLst/>
+            </a:prstGeom>
+            <a:gradFill>
+              <a:gsLst>
+                <a:gs pos="100000">
+                  <a:schemeClr val="tx1">
+                    <a:lumMod val="50000"/>
+                    <a:lumOff val="50000"/>
+                  </a:schemeClr>
+                </a:gs>
+                <a:gs pos="48000">
+                  <a:schemeClr val="accent1">
+                    <a:tint val="44500"/>
+                    <a:satMod val="160000"/>
+                  </a:schemeClr>
+                </a:gs>
+                <a:gs pos="0">
+                  <a:schemeClr val="accent1">
+                    <a:tint val="23500"/>
+                    <a:satMod val="160000"/>
+                  </a:schemeClr>
+                </a:gs>
+              </a:gsLst>
+              <a:path path="circle">
+                <a:fillToRect l="50000" t="50000" r="50000" b="50000"/>
+              </a:path>
+            </a:gradFill>
+            <a:ln w="12700">
+              <a:solidFill>
+                <a:schemeClr val="tx1"/>
+              </a:solidFill>
+            </a:ln>
+          </p:spPr>
+          <p:style>
+            <a:lnRef idx="2">
+              <a:schemeClr val="accent1">
+                <a:shade val="50000"/>
+              </a:schemeClr>
+            </a:lnRef>
+            <a:fillRef idx="1">
+              <a:schemeClr val="accent1"/>
+            </a:fillRef>
+            <a:effectRef idx="0">
+              <a:schemeClr val="accent1"/>
+            </a:effectRef>
+            <a:fontRef idx="minor">
+              <a:schemeClr val="lt1"/>
+            </a:fontRef>
+          </p:style>
+          <p:txBody>
+            <a:bodyPr rtlCol="0" anchor="ctr"/>
+            <a:lstStyle/>
+            <a:p>
+              <a:pPr algn="ctr"/>
+              <a:endParaRPr lang="en-US"/>
+            </a:p>
+          </p:txBody>
+        </p:sp>
+        <p:sp>
+          <p:nvSpPr>
+            <p:cNvPr id="69" name="Isosceles Triangle 68">
+              <a:extLst>
+                <a:ext uri="{FF2B5EF4-FFF2-40B4-BE49-F238E27FC236}">
+                  <a16:creationId xmlns:a16="http://schemas.microsoft.com/office/drawing/2014/main" id="{F4048969-DDDE-4350-BDD5-147A1E7CC107}"/>
+                </a:ext>
+              </a:extLst>
+            </p:cNvPr>
+            <p:cNvSpPr/>
+            <p:nvPr/>
+          </p:nvSpPr>
+          <p:spPr>
+            <a:xfrm>
+              <a:off x="838200" y="4114800"/>
+              <a:ext cx="914400" cy="381000"/>
+            </a:xfrm>
+            <a:prstGeom prst="triangle">
+              <a:avLst/>
+            </a:prstGeom>
+            <a:noFill/>
+            <a:ln w="12700">
+              <a:solidFill>
+                <a:schemeClr val="tx1"/>
+              </a:solidFill>
+            </a:ln>
+          </p:spPr>
+          <p:style>
+            <a:lnRef idx="2">
+              <a:schemeClr val="accent1">
+                <a:shade val="50000"/>
+              </a:schemeClr>
+            </a:lnRef>
+            <a:fillRef idx="1">
+              <a:schemeClr val="accent1"/>
+            </a:fillRef>
+            <a:effectRef idx="0">
+              <a:schemeClr val="accent1"/>
+            </a:effectRef>
+            <a:fontRef idx="minor">
+              <a:schemeClr val="lt1"/>
+            </a:fontRef>
+          </p:style>
+          <p:txBody>
+            <a:bodyPr rtlCol="0" anchor="ctr"/>
+            <a:lstStyle/>
+            <a:p>
+              <a:pPr algn="ctr"/>
+              <a:endParaRPr lang="en-US"/>
+            </a:p>
+          </p:txBody>
+        </p:sp>
+        <p:sp>
+          <p:nvSpPr>
+            <p:cNvPr id="70" name="Isosceles Triangle 69">
+              <a:extLst>
+                <a:ext uri="{FF2B5EF4-FFF2-40B4-BE49-F238E27FC236}">
+                  <a16:creationId xmlns:a16="http://schemas.microsoft.com/office/drawing/2014/main" id="{A0D262F9-3B44-4D88-AA8B-6E85C046BC70}"/>
+                </a:ext>
+              </a:extLst>
+            </p:cNvPr>
+            <p:cNvSpPr/>
+            <p:nvPr/>
+          </p:nvSpPr>
+          <p:spPr>
+            <a:xfrm rot="10800000">
+              <a:off x="838200" y="3886200"/>
+              <a:ext cx="914400" cy="381000"/>
+            </a:xfrm>
+            <a:prstGeom prst="triangle">
+              <a:avLst/>
+            </a:prstGeom>
+            <a:gradFill flip="none" rotWithShape="1">
+              <a:gsLst>
+                <a:gs pos="100000">
+                  <a:schemeClr val="bg1">
+                    <a:lumMod val="85000"/>
+                  </a:schemeClr>
+                </a:gs>
+                <a:gs pos="48000">
+                  <a:schemeClr val="accent1">
+                    <a:tint val="44500"/>
+                    <a:satMod val="160000"/>
+                  </a:schemeClr>
+                </a:gs>
+                <a:gs pos="0">
+                  <a:schemeClr val="accent1">
+                    <a:tint val="23500"/>
+                    <a:satMod val="160000"/>
+                  </a:schemeClr>
+                </a:gs>
+              </a:gsLst>
+              <a:lin ang="16200000" scaled="1"/>
+              <a:tileRect/>
+            </a:gradFill>
+            <a:ln w="12700">
+              <a:solidFill>
+                <a:schemeClr val="tx1"/>
+              </a:solidFill>
+            </a:ln>
+          </p:spPr>
+          <p:style>
+            <a:lnRef idx="2">
+              <a:schemeClr val="accent1">
+                <a:shade val="50000"/>
+              </a:schemeClr>
+            </a:lnRef>
+            <a:fillRef idx="1">
+              <a:schemeClr val="accent1"/>
+            </a:fillRef>
+            <a:effectRef idx="0">
+              <a:schemeClr val="accent1"/>
+            </a:effectRef>
+            <a:fontRef idx="minor">
+              <a:schemeClr val="lt1"/>
+            </a:fontRef>
+          </p:style>
+          <p:txBody>
+            <a:bodyPr rtlCol="0" anchor="ctr"/>
+            <a:lstStyle/>
+            <a:p>
+              <a:pPr algn="ctr"/>
+              <a:endParaRPr lang="en-US"/>
+            </a:p>
+          </p:txBody>
+        </p:sp>
+      </p:grpSp>
+      <p:grpSp>
+        <p:nvGrpSpPr>
+          <p:cNvPr id="73" name="Group 72">
+            <a:extLst>
+              <a:ext uri="{FF2B5EF4-FFF2-40B4-BE49-F238E27FC236}">
+                <a16:creationId xmlns:a16="http://schemas.microsoft.com/office/drawing/2014/main" id="{CF5C8D3A-C400-4FA2-B556-C1324A7E1DF6}"/>
+              </a:ext>
+            </a:extLst>
+          </p:cNvPr>
+          <p:cNvGrpSpPr/>
+          <p:nvPr>
+            <p:custDataLst>
+              <p:tags r:id="rId5"/>
+            </p:custDataLst>
+          </p:nvPr>
+        </p:nvGrpSpPr>
+        <p:grpSpPr>
+          <a:xfrm>
+            <a:off x="2414454" y="4201552"/>
+            <a:ext cx="377738" cy="228600"/>
+            <a:chOff x="838200" y="3886200"/>
+            <a:chExt cx="914400" cy="609600"/>
+          </a:xfrm>
+        </p:grpSpPr>
+        <p:sp>
+          <p:nvSpPr>
+            <p:cNvPr id="74" name="Rectangle 73">
+              <a:extLst>
+                <a:ext uri="{FF2B5EF4-FFF2-40B4-BE49-F238E27FC236}">
+                  <a16:creationId xmlns:a16="http://schemas.microsoft.com/office/drawing/2014/main" id="{A5459590-FF33-4432-A6B9-4FBF6EA2D0ED}"/>
+                </a:ext>
+              </a:extLst>
+            </p:cNvPr>
+            <p:cNvSpPr/>
+            <p:nvPr/>
+          </p:nvSpPr>
+          <p:spPr>
+            <a:xfrm>
+              <a:off x="838200" y="3886200"/>
+              <a:ext cx="914400" cy="609600"/>
+            </a:xfrm>
+            <a:prstGeom prst="rect">
+              <a:avLst/>
+            </a:prstGeom>
+            <a:gradFill>
+              <a:gsLst>
+                <a:gs pos="100000">
+                  <a:schemeClr val="tx1">
+                    <a:lumMod val="50000"/>
+                    <a:lumOff val="50000"/>
+                  </a:schemeClr>
+                </a:gs>
+                <a:gs pos="48000">
+                  <a:schemeClr val="accent1">
+                    <a:tint val="44500"/>
+                    <a:satMod val="160000"/>
+                  </a:schemeClr>
+                </a:gs>
+                <a:gs pos="0">
+                  <a:schemeClr val="accent1">
+                    <a:tint val="23500"/>
+                    <a:satMod val="160000"/>
+                  </a:schemeClr>
+                </a:gs>
+              </a:gsLst>
+              <a:path path="circle">
+                <a:fillToRect l="50000" t="50000" r="50000" b="50000"/>
+              </a:path>
+            </a:gradFill>
+            <a:ln w="12700">
+              <a:solidFill>
+                <a:schemeClr val="tx1"/>
+              </a:solidFill>
+            </a:ln>
+          </p:spPr>
+          <p:style>
+            <a:lnRef idx="2">
+              <a:schemeClr val="accent1">
+                <a:shade val="50000"/>
+              </a:schemeClr>
+            </a:lnRef>
+            <a:fillRef idx="1">
+              <a:schemeClr val="accent1"/>
+            </a:fillRef>
+            <a:effectRef idx="0">
+              <a:schemeClr val="accent1"/>
+            </a:effectRef>
+            <a:fontRef idx="minor">
+              <a:schemeClr val="lt1"/>
+            </a:fontRef>
+          </p:style>
+          <p:txBody>
+            <a:bodyPr rtlCol="0" anchor="ctr"/>
+            <a:lstStyle/>
+            <a:p>
+              <a:pPr algn="ctr"/>
+              <a:endParaRPr lang="en-US"/>
+            </a:p>
+          </p:txBody>
+        </p:sp>
+        <p:sp>
+          <p:nvSpPr>
+            <p:cNvPr id="75" name="Isosceles Triangle 74">
+              <a:extLst>
+                <a:ext uri="{FF2B5EF4-FFF2-40B4-BE49-F238E27FC236}">
+                  <a16:creationId xmlns:a16="http://schemas.microsoft.com/office/drawing/2014/main" id="{E80F7E6D-C804-4930-9086-8C122395B75A}"/>
+                </a:ext>
+              </a:extLst>
+            </p:cNvPr>
+            <p:cNvSpPr/>
+            <p:nvPr/>
+          </p:nvSpPr>
+          <p:spPr>
+            <a:xfrm>
+              <a:off x="838200" y="4114800"/>
+              <a:ext cx="914400" cy="381000"/>
+            </a:xfrm>
+            <a:prstGeom prst="triangle">
+              <a:avLst/>
+            </a:prstGeom>
+            <a:noFill/>
+            <a:ln w="12700">
+              <a:solidFill>
+                <a:schemeClr val="tx1"/>
+              </a:solidFill>
+            </a:ln>
+          </p:spPr>
+          <p:style>
+            <a:lnRef idx="2">
+              <a:schemeClr val="accent1">
+                <a:shade val="50000"/>
+              </a:schemeClr>
+            </a:lnRef>
+            <a:fillRef idx="1">
+              <a:schemeClr val="accent1"/>
+            </a:fillRef>
+            <a:effectRef idx="0">
+              <a:schemeClr val="accent1"/>
+            </a:effectRef>
+            <a:fontRef idx="minor">
+              <a:schemeClr val="lt1"/>
+            </a:fontRef>
+          </p:style>
+          <p:txBody>
+            <a:bodyPr rtlCol="0" anchor="ctr"/>
+            <a:lstStyle/>
+            <a:p>
+              <a:pPr algn="ctr"/>
+              <a:endParaRPr lang="en-US"/>
+            </a:p>
+          </p:txBody>
+        </p:sp>
+        <p:sp>
+          <p:nvSpPr>
+            <p:cNvPr id="76" name="Isosceles Triangle 75">
+              <a:extLst>
+                <a:ext uri="{FF2B5EF4-FFF2-40B4-BE49-F238E27FC236}">
+                  <a16:creationId xmlns:a16="http://schemas.microsoft.com/office/drawing/2014/main" id="{41316736-5571-4529-ACFC-DE96AE3985C8}"/>
+                </a:ext>
+              </a:extLst>
+            </p:cNvPr>
+            <p:cNvSpPr/>
+            <p:nvPr/>
+          </p:nvSpPr>
+          <p:spPr>
+            <a:xfrm rot="10800000">
+              <a:off x="838200" y="3886200"/>
+              <a:ext cx="914400" cy="381000"/>
+            </a:xfrm>
+            <a:prstGeom prst="triangle">
+              <a:avLst/>
+            </a:prstGeom>
+            <a:gradFill flip="none" rotWithShape="1">
+              <a:gsLst>
+                <a:gs pos="100000">
+                  <a:schemeClr val="bg1">
+                    <a:lumMod val="85000"/>
+                  </a:schemeClr>
+                </a:gs>
+                <a:gs pos="48000">
+                  <a:schemeClr val="accent1">
+                    <a:tint val="44500"/>
+                    <a:satMod val="160000"/>
+                  </a:schemeClr>
+                </a:gs>
+                <a:gs pos="0">
+                  <a:schemeClr val="accent1">
+                    <a:tint val="23500"/>
+                    <a:satMod val="160000"/>
+                  </a:schemeClr>
+                </a:gs>
+              </a:gsLst>
+              <a:lin ang="16200000" scaled="1"/>
+              <a:tileRect/>
+            </a:gradFill>
+            <a:ln w="12700">
+              <a:solidFill>
+                <a:schemeClr val="tx1"/>
+              </a:solidFill>
+            </a:ln>
+          </p:spPr>
+          <p:style>
+            <a:lnRef idx="2">
+              <a:schemeClr val="accent1">
+                <a:shade val="50000"/>
+              </a:schemeClr>
+            </a:lnRef>
+            <a:fillRef idx="1">
+              <a:schemeClr val="accent1"/>
+            </a:fillRef>
+            <a:effectRef idx="0">
+              <a:schemeClr val="accent1"/>
+            </a:effectRef>
+            <a:fontRef idx="minor">
+              <a:schemeClr val="lt1"/>
+            </a:fontRef>
+          </p:style>
+          <p:txBody>
+            <a:bodyPr rtlCol="0" anchor="ctr"/>
+            <a:lstStyle/>
+            <a:p>
+              <a:pPr algn="ctr"/>
+              <a:endParaRPr lang="en-US"/>
+            </a:p>
+          </p:txBody>
+        </p:sp>
+      </p:grpSp>
+      <p:sp>
+        <p:nvSpPr>
+          <p:cNvPr id="90" name="TextBox 89">
+            <a:extLst>
+              <a:ext uri="{FF2B5EF4-FFF2-40B4-BE49-F238E27FC236}">
+                <a16:creationId xmlns:a16="http://schemas.microsoft.com/office/drawing/2014/main" id="{53BF16B0-634F-4855-A8BB-97E74905FB4C}"/>
+              </a:ext>
+            </a:extLst>
+          </p:cNvPr>
+          <p:cNvSpPr txBox="1"/>
+          <p:nvPr/>
+        </p:nvSpPr>
+        <p:spPr>
+          <a:xfrm>
+            <a:off x="878171" y="5227818"/>
+            <a:ext cx="2698881" cy="307777"/>
+          </a:xfrm>
+          <a:prstGeom prst="rect">
+            <a:avLst/>
+          </a:prstGeom>
+          <a:noFill/>
+        </p:spPr>
+        <p:txBody>
+          <a:bodyPr wrap="square" rtlCol="0">
+            <a:spAutoFit/>
+          </a:bodyPr>
+          <a:lstStyle/>
+          <a:p>
+            <a:r>
+              <a:rPr lang="en-US" sz="1400" dirty="0" err="1"/>
+              <a:t>InitiatePaymentProcess</a:t>
+            </a:r>
+            <a:endParaRPr lang="en-US" sz="1400" dirty="0"/>
+          </a:p>
+        </p:txBody>
+      </p:sp>
+      <p:sp>
+        <p:nvSpPr>
+          <p:cNvPr id="92" name="Rectangle 91">
+            <a:extLst>
+              <a:ext uri="{FF2B5EF4-FFF2-40B4-BE49-F238E27FC236}">
+                <a16:creationId xmlns:a16="http://schemas.microsoft.com/office/drawing/2014/main" id="{E8BD7245-B793-48DD-93D6-3BA10B61EDD0}"/>
+              </a:ext>
+            </a:extLst>
+          </p:cNvPr>
+          <p:cNvSpPr/>
+          <p:nvPr/>
+        </p:nvSpPr>
+        <p:spPr>
+          <a:xfrm>
+            <a:off x="4507858" y="5641412"/>
+            <a:ext cx="1482939" cy="971253"/>
+          </a:xfrm>
+          <a:prstGeom prst="rect">
+            <a:avLst/>
+          </a:prstGeom>
+        </p:spPr>
+        <p:style>
+          <a:lnRef idx="2">
+            <a:schemeClr val="accent2">
+              <a:shade val="50000"/>
+            </a:schemeClr>
+          </a:lnRef>
+          <a:fillRef idx="1">
+            <a:schemeClr val="accent2"/>
+          </a:fillRef>
+          <a:effectRef idx="0">
+            <a:schemeClr val="accent2"/>
+          </a:effectRef>
+          <a:fontRef idx="minor">
+            <a:schemeClr val="lt1"/>
+          </a:fontRef>
+        </p:style>
+        <p:txBody>
+          <a:bodyPr rtlCol="0" anchor="ctr"/>
+          <a:lstStyle/>
+          <a:p>
+            <a:pPr algn="ctr"/>
+            <a:r>
+              <a:rPr lang="en-US" dirty="0"/>
+              <a:t>Payment Gateway</a:t>
+            </a:r>
+          </a:p>
+        </p:txBody>
+      </p:sp>
+      <p:cxnSp>
+        <p:nvCxnSpPr>
+          <p:cNvPr id="93" name="Straight Arrow Connector 92">
+            <a:extLst>
+              <a:ext uri="{FF2B5EF4-FFF2-40B4-BE49-F238E27FC236}">
+                <a16:creationId xmlns:a16="http://schemas.microsoft.com/office/drawing/2014/main" id="{D1334626-BD39-4942-84EF-9BBEC87BEB4A}"/>
+              </a:ext>
+            </a:extLst>
+          </p:cNvPr>
+          <p:cNvCxnSpPr>
+            <a:cxnSpLocks/>
+            <a:stCxn id="11" idx="2"/>
+            <a:endCxn id="92" idx="0"/>
+          </p:cNvCxnSpPr>
+          <p:nvPr/>
+        </p:nvCxnSpPr>
+        <p:spPr>
+          <a:xfrm>
+            <a:off x="3731922" y="4958756"/>
+            <a:ext cx="1517406" cy="682656"/>
+          </a:xfrm>
+          <a:prstGeom prst="straightConnector1">
+            <a:avLst/>
+          </a:prstGeom>
+          <a:ln>
+            <a:tailEnd type="triangle"/>
+          </a:ln>
+        </p:spPr>
+        <p:style>
+          <a:lnRef idx="3">
+            <a:schemeClr val="dk1"/>
+          </a:lnRef>
+          <a:fillRef idx="0">
+            <a:schemeClr val="dk1"/>
+          </a:fillRef>
+          <a:effectRef idx="2">
+            <a:schemeClr val="dk1"/>
+          </a:effectRef>
+          <a:fontRef idx="minor">
+            <a:schemeClr val="tx1"/>
+          </a:fontRef>
+        </p:style>
+      </p:cxnSp>
+      <p:cxnSp>
+        <p:nvCxnSpPr>
+          <p:cNvPr id="97" name="Connector: Elbow 96">
+            <a:extLst>
+              <a:ext uri="{FF2B5EF4-FFF2-40B4-BE49-F238E27FC236}">
+                <a16:creationId xmlns:a16="http://schemas.microsoft.com/office/drawing/2014/main" id="{B3467922-8ECD-47DD-BAC8-F15E0BB5724C}"/>
+              </a:ext>
+            </a:extLst>
+          </p:cNvPr>
+          <p:cNvCxnSpPr>
+            <a:cxnSpLocks/>
+            <a:stCxn id="11" idx="3"/>
+            <a:endCxn id="62" idx="2"/>
+          </p:cNvCxnSpPr>
+          <p:nvPr/>
+        </p:nvCxnSpPr>
+        <p:spPr>
+          <a:xfrm>
+            <a:off x="4473391" y="4473130"/>
+            <a:ext cx="2548851" cy="485623"/>
+          </a:xfrm>
+          <a:prstGeom prst="bentConnector4">
+            <a:avLst>
+              <a:gd name="adj1" fmla="val 35455"/>
+              <a:gd name="adj2" fmla="val 147074"/>
+            </a:avLst>
+          </a:prstGeom>
+          <a:ln>
+            <a:tailEnd type="triangle"/>
+          </a:ln>
+        </p:spPr>
+        <p:style>
+          <a:lnRef idx="3">
+            <a:schemeClr val="dk1"/>
+          </a:lnRef>
+          <a:fillRef idx="0">
+            <a:schemeClr val="dk1"/>
+          </a:fillRef>
+          <a:effectRef idx="2">
+            <a:schemeClr val="dk1"/>
+          </a:effectRef>
+          <a:fontRef idx="minor">
+            <a:schemeClr val="tx1"/>
+          </a:fontRef>
+        </p:style>
+      </p:cxnSp>
+      <p:grpSp>
+        <p:nvGrpSpPr>
+          <p:cNvPr id="100" name="Group 99">
+            <a:extLst>
+              <a:ext uri="{FF2B5EF4-FFF2-40B4-BE49-F238E27FC236}">
+                <a16:creationId xmlns:a16="http://schemas.microsoft.com/office/drawing/2014/main" id="{9EBBEF81-1D69-4033-A1A7-81D10A6F1AE0}"/>
+              </a:ext>
+            </a:extLst>
+          </p:cNvPr>
+          <p:cNvGrpSpPr/>
+          <p:nvPr>
+            <p:custDataLst>
+              <p:tags r:id="rId6"/>
+            </p:custDataLst>
+          </p:nvPr>
+        </p:nvGrpSpPr>
+        <p:grpSpPr>
+          <a:xfrm>
+            <a:off x="6314405" y="5267406"/>
+            <a:ext cx="377738" cy="228600"/>
+            <a:chOff x="838200" y="3886200"/>
+            <a:chExt cx="914400" cy="609600"/>
+          </a:xfrm>
+        </p:grpSpPr>
+        <p:sp>
+          <p:nvSpPr>
+            <p:cNvPr id="101" name="Rectangle 100">
+              <a:extLst>
+                <a:ext uri="{FF2B5EF4-FFF2-40B4-BE49-F238E27FC236}">
+                  <a16:creationId xmlns:a16="http://schemas.microsoft.com/office/drawing/2014/main" id="{C7205710-28F2-4E39-A121-9CA476CD62CF}"/>
+                </a:ext>
+              </a:extLst>
+            </p:cNvPr>
+            <p:cNvSpPr/>
+            <p:nvPr/>
+          </p:nvSpPr>
+          <p:spPr>
+            <a:xfrm>
+              <a:off x="838200" y="3886200"/>
+              <a:ext cx="914400" cy="609600"/>
+            </a:xfrm>
+            <a:prstGeom prst="rect">
+              <a:avLst/>
+            </a:prstGeom>
+            <a:gradFill>
+              <a:gsLst>
+                <a:gs pos="100000">
+                  <a:schemeClr val="tx1">
+                    <a:lumMod val="50000"/>
+                    <a:lumOff val="50000"/>
+                  </a:schemeClr>
+                </a:gs>
+                <a:gs pos="48000">
+                  <a:schemeClr val="accent1">
+                    <a:tint val="44500"/>
+                    <a:satMod val="160000"/>
+                  </a:schemeClr>
+                </a:gs>
+                <a:gs pos="0">
+                  <a:schemeClr val="accent1">
+                    <a:tint val="23500"/>
+                    <a:satMod val="160000"/>
+                  </a:schemeClr>
+                </a:gs>
+              </a:gsLst>
+              <a:path path="circle">
+                <a:fillToRect l="50000" t="50000" r="50000" b="50000"/>
+              </a:path>
+            </a:gradFill>
+            <a:ln w="12700">
+              <a:solidFill>
+                <a:schemeClr val="tx1"/>
+              </a:solidFill>
+            </a:ln>
+          </p:spPr>
+          <p:style>
+            <a:lnRef idx="2">
+              <a:schemeClr val="accent1">
+                <a:shade val="50000"/>
+              </a:schemeClr>
+            </a:lnRef>
+            <a:fillRef idx="1">
+              <a:schemeClr val="accent1"/>
+            </a:fillRef>
+            <a:effectRef idx="0">
+              <a:schemeClr val="accent1"/>
+            </a:effectRef>
+            <a:fontRef idx="minor">
+              <a:schemeClr val="lt1"/>
+            </a:fontRef>
+          </p:style>
+          <p:txBody>
+            <a:bodyPr rtlCol="0" anchor="ctr"/>
+            <a:lstStyle/>
+            <a:p>
+              <a:pPr algn="ctr"/>
+              <a:endParaRPr lang="en-US"/>
+            </a:p>
+          </p:txBody>
+        </p:sp>
+        <p:sp>
+          <p:nvSpPr>
+            <p:cNvPr id="102" name="Isosceles Triangle 101">
+              <a:extLst>
+                <a:ext uri="{FF2B5EF4-FFF2-40B4-BE49-F238E27FC236}">
+                  <a16:creationId xmlns:a16="http://schemas.microsoft.com/office/drawing/2014/main" id="{660CB25E-B01B-4CBF-8D87-69DE41BBE3D7}"/>
+                </a:ext>
+              </a:extLst>
+            </p:cNvPr>
+            <p:cNvSpPr/>
+            <p:nvPr/>
+          </p:nvSpPr>
+          <p:spPr>
+            <a:xfrm>
+              <a:off x="838200" y="4114800"/>
+              <a:ext cx="914400" cy="381000"/>
+            </a:xfrm>
+            <a:prstGeom prst="triangle">
+              <a:avLst/>
+            </a:prstGeom>
+            <a:noFill/>
+            <a:ln w="12700">
+              <a:solidFill>
+                <a:schemeClr val="tx1"/>
+              </a:solidFill>
+            </a:ln>
+          </p:spPr>
+          <p:style>
+            <a:lnRef idx="2">
+              <a:schemeClr val="accent1">
+                <a:shade val="50000"/>
+              </a:schemeClr>
+            </a:lnRef>
+            <a:fillRef idx="1">
+              <a:schemeClr val="accent1"/>
+            </a:fillRef>
+            <a:effectRef idx="0">
+              <a:schemeClr val="accent1"/>
+            </a:effectRef>
+            <a:fontRef idx="minor">
+              <a:schemeClr val="lt1"/>
+            </a:fontRef>
+          </p:style>
+          <p:txBody>
+            <a:bodyPr rtlCol="0" anchor="ctr"/>
+            <a:lstStyle/>
+            <a:p>
+              <a:pPr algn="ctr"/>
+              <a:endParaRPr lang="en-US"/>
+            </a:p>
+          </p:txBody>
+        </p:sp>
+        <p:sp>
+          <p:nvSpPr>
+            <p:cNvPr id="103" name="Isosceles Triangle 102">
+              <a:extLst>
+                <a:ext uri="{FF2B5EF4-FFF2-40B4-BE49-F238E27FC236}">
+                  <a16:creationId xmlns:a16="http://schemas.microsoft.com/office/drawing/2014/main" id="{5C7155D0-80EC-4069-BAD0-EC164C3FBE5E}"/>
+                </a:ext>
+              </a:extLst>
+            </p:cNvPr>
+            <p:cNvSpPr/>
+            <p:nvPr/>
+          </p:nvSpPr>
+          <p:spPr>
+            <a:xfrm rot="10800000">
+              <a:off x="838200" y="3886200"/>
+              <a:ext cx="914400" cy="381000"/>
+            </a:xfrm>
+            <a:prstGeom prst="triangle">
+              <a:avLst/>
+            </a:prstGeom>
+            <a:gradFill flip="none" rotWithShape="1">
+              <a:gsLst>
+                <a:gs pos="100000">
+                  <a:schemeClr val="bg1">
+                    <a:lumMod val="85000"/>
+                  </a:schemeClr>
+                </a:gs>
+                <a:gs pos="48000">
+                  <a:schemeClr val="accent1">
+                    <a:tint val="44500"/>
+                    <a:satMod val="160000"/>
+                  </a:schemeClr>
+                </a:gs>
+                <a:gs pos="0">
+                  <a:schemeClr val="accent1">
+                    <a:tint val="23500"/>
+                    <a:satMod val="160000"/>
+                  </a:schemeClr>
+                </a:gs>
+              </a:gsLst>
+              <a:lin ang="16200000" scaled="1"/>
+              <a:tileRect/>
+            </a:gradFill>
+            <a:ln w="12700">
+              <a:solidFill>
+                <a:schemeClr val="tx1"/>
+              </a:solidFill>
+            </a:ln>
+          </p:spPr>
+          <p:style>
+            <a:lnRef idx="2">
+              <a:schemeClr val="accent1">
+                <a:shade val="50000"/>
+              </a:schemeClr>
+            </a:lnRef>
+            <a:fillRef idx="1">
+              <a:schemeClr val="accent1"/>
+            </a:fillRef>
+            <a:effectRef idx="0">
+              <a:schemeClr val="accent1"/>
+            </a:effectRef>
+            <a:fontRef idx="minor">
+              <a:schemeClr val="lt1"/>
+            </a:fontRef>
+          </p:style>
+          <p:txBody>
+            <a:bodyPr rtlCol="0" anchor="ctr"/>
+            <a:lstStyle/>
+            <a:p>
+              <a:pPr algn="ctr"/>
+              <a:endParaRPr lang="en-US"/>
+            </a:p>
+          </p:txBody>
+        </p:sp>
+      </p:grpSp>
+      <p:sp>
+        <p:nvSpPr>
+          <p:cNvPr id="105" name="TextBox 104">
+            <a:extLst>
+              <a:ext uri="{FF2B5EF4-FFF2-40B4-BE49-F238E27FC236}">
+                <a16:creationId xmlns:a16="http://schemas.microsoft.com/office/drawing/2014/main" id="{DCA0E8FC-3CE7-4BA0-9F1D-888532E8CD3B}"/>
+              </a:ext>
+            </a:extLst>
+          </p:cNvPr>
+          <p:cNvSpPr txBox="1"/>
+          <p:nvPr/>
+        </p:nvSpPr>
+        <p:spPr>
+          <a:xfrm>
+            <a:off x="6145667" y="5535595"/>
+            <a:ext cx="2698881" cy="307777"/>
+          </a:xfrm>
+          <a:prstGeom prst="rect">
+            <a:avLst/>
+          </a:prstGeom>
+          <a:noFill/>
+        </p:spPr>
+        <p:txBody>
+          <a:bodyPr wrap="square" rtlCol="0">
+            <a:spAutoFit/>
+          </a:bodyPr>
+          <a:lstStyle/>
+          <a:p>
+            <a:r>
+              <a:rPr lang="en-US" sz="1400" dirty="0" err="1"/>
+              <a:t>PaymentSucceeded</a:t>
+            </a:r>
+            <a:endParaRPr lang="en-US" sz="1400" dirty="0"/>
+          </a:p>
+        </p:txBody>
+      </p:sp>
+      <p:sp>
+        <p:nvSpPr>
+          <p:cNvPr id="107" name="Rectangle 106">
+            <a:extLst>
+              <a:ext uri="{FF2B5EF4-FFF2-40B4-BE49-F238E27FC236}">
+                <a16:creationId xmlns:a16="http://schemas.microsoft.com/office/drawing/2014/main" id="{94C6BD4F-D52E-4B8D-B348-FACDC036339D}"/>
+              </a:ext>
+            </a:extLst>
+          </p:cNvPr>
+          <p:cNvSpPr/>
+          <p:nvPr/>
+        </p:nvSpPr>
+        <p:spPr>
+          <a:xfrm>
+            <a:off x="8464730" y="5641411"/>
+            <a:ext cx="1482939" cy="971253"/>
+          </a:xfrm>
+          <a:prstGeom prst="rect">
+            <a:avLst/>
+          </a:prstGeom>
+        </p:spPr>
+        <p:style>
+          <a:lnRef idx="2">
+            <a:schemeClr val="accent2">
+              <a:shade val="50000"/>
+            </a:schemeClr>
+          </a:lnRef>
+          <a:fillRef idx="1">
+            <a:schemeClr val="accent2"/>
+          </a:fillRef>
+          <a:effectRef idx="0">
+            <a:schemeClr val="accent2"/>
+          </a:effectRef>
+          <a:fontRef idx="minor">
+            <a:schemeClr val="lt1"/>
+          </a:fontRef>
+        </p:style>
+        <p:txBody>
+          <a:bodyPr rtlCol="0" anchor="ctr"/>
+          <a:lstStyle/>
+          <a:p>
+            <a:pPr algn="ctr"/>
+            <a:r>
+              <a:rPr lang="en-US" dirty="0"/>
+              <a:t>IT/Ops</a:t>
+            </a:r>
+          </a:p>
+        </p:txBody>
+      </p:sp>
+      <p:cxnSp>
+        <p:nvCxnSpPr>
+          <p:cNvPr id="108" name="Connector: Elbow 107">
+            <a:extLst>
+              <a:ext uri="{FF2B5EF4-FFF2-40B4-BE49-F238E27FC236}">
+                <a16:creationId xmlns:a16="http://schemas.microsoft.com/office/drawing/2014/main" id="{8C0A560C-B48D-499B-B971-9299E6A84ED2}"/>
+              </a:ext>
+            </a:extLst>
+          </p:cNvPr>
+          <p:cNvCxnSpPr>
+            <a:cxnSpLocks/>
+            <a:stCxn id="62" idx="3"/>
+            <a:endCxn id="107" idx="1"/>
+          </p:cNvCxnSpPr>
+          <p:nvPr/>
+        </p:nvCxnSpPr>
+        <p:spPr>
+          <a:xfrm>
+            <a:off x="7763711" y="4473127"/>
+            <a:ext cx="701019" cy="1653911"/>
+          </a:xfrm>
+          <a:prstGeom prst="bentConnector3">
+            <a:avLst>
+              <a:gd name="adj1" fmla="val 50000"/>
+            </a:avLst>
+          </a:prstGeom>
+          <a:ln>
+            <a:tailEnd type="triangle"/>
+          </a:ln>
+        </p:spPr>
+        <p:style>
+          <a:lnRef idx="3">
+            <a:schemeClr val="dk1"/>
+          </a:lnRef>
+          <a:fillRef idx="0">
+            <a:schemeClr val="dk1"/>
+          </a:fillRef>
+          <a:effectRef idx="2">
+            <a:schemeClr val="dk1"/>
+          </a:effectRef>
+          <a:fontRef idx="minor">
+            <a:schemeClr val="tx1"/>
+          </a:fontRef>
+        </p:style>
+      </p:cxnSp>
+      <p:grpSp>
+        <p:nvGrpSpPr>
+          <p:cNvPr id="111" name="Group 110">
+            <a:extLst>
+              <a:ext uri="{FF2B5EF4-FFF2-40B4-BE49-F238E27FC236}">
+                <a16:creationId xmlns:a16="http://schemas.microsoft.com/office/drawing/2014/main" id="{F284D565-EF5F-4C4A-882F-F7130154D06B}"/>
+              </a:ext>
+            </a:extLst>
+          </p:cNvPr>
+          <p:cNvGrpSpPr/>
+          <p:nvPr>
+            <p:custDataLst>
+              <p:tags r:id="rId7"/>
+            </p:custDataLst>
+          </p:nvPr>
+        </p:nvGrpSpPr>
+        <p:grpSpPr>
+          <a:xfrm>
+            <a:off x="8175082" y="5079968"/>
+            <a:ext cx="377738" cy="228600"/>
+            <a:chOff x="838200" y="3886200"/>
+            <a:chExt cx="914400" cy="609600"/>
+          </a:xfrm>
+        </p:grpSpPr>
+        <p:sp>
+          <p:nvSpPr>
+            <p:cNvPr id="112" name="Rectangle 111">
+              <a:extLst>
+                <a:ext uri="{FF2B5EF4-FFF2-40B4-BE49-F238E27FC236}">
+                  <a16:creationId xmlns:a16="http://schemas.microsoft.com/office/drawing/2014/main" id="{71D3B53E-97DA-4A74-BD4C-C1A190F89115}"/>
+                </a:ext>
+              </a:extLst>
+            </p:cNvPr>
+            <p:cNvSpPr/>
+            <p:nvPr/>
+          </p:nvSpPr>
+          <p:spPr>
+            <a:xfrm>
+              <a:off x="838200" y="3886200"/>
+              <a:ext cx="914400" cy="609600"/>
+            </a:xfrm>
+            <a:prstGeom prst="rect">
+              <a:avLst/>
+            </a:prstGeom>
+            <a:gradFill>
+              <a:gsLst>
+                <a:gs pos="100000">
+                  <a:schemeClr val="tx1">
+                    <a:lumMod val="50000"/>
+                    <a:lumOff val="50000"/>
+                  </a:schemeClr>
+                </a:gs>
+                <a:gs pos="48000">
+                  <a:schemeClr val="accent1">
+                    <a:tint val="44500"/>
+                    <a:satMod val="160000"/>
+                  </a:schemeClr>
+                </a:gs>
+                <a:gs pos="0">
+                  <a:schemeClr val="accent1">
+                    <a:tint val="23500"/>
+                    <a:satMod val="160000"/>
+                  </a:schemeClr>
+                </a:gs>
+              </a:gsLst>
+              <a:path path="circle">
+                <a:fillToRect l="50000" t="50000" r="50000" b="50000"/>
+              </a:path>
+            </a:gradFill>
+            <a:ln w="12700">
+              <a:solidFill>
+                <a:schemeClr val="tx1"/>
+              </a:solidFill>
+            </a:ln>
+          </p:spPr>
+          <p:style>
+            <a:lnRef idx="2">
+              <a:schemeClr val="accent1">
+                <a:shade val="50000"/>
+              </a:schemeClr>
+            </a:lnRef>
+            <a:fillRef idx="1">
+              <a:schemeClr val="accent1"/>
+            </a:fillRef>
+            <a:effectRef idx="0">
+              <a:schemeClr val="accent1"/>
+            </a:effectRef>
+            <a:fontRef idx="minor">
+              <a:schemeClr val="lt1"/>
+            </a:fontRef>
+          </p:style>
+          <p:txBody>
+            <a:bodyPr rtlCol="0" anchor="ctr"/>
+            <a:lstStyle/>
+            <a:p>
+              <a:pPr algn="ctr"/>
+              <a:endParaRPr lang="en-US"/>
+            </a:p>
+          </p:txBody>
+        </p:sp>
+        <p:sp>
+          <p:nvSpPr>
+            <p:cNvPr id="113" name="Isosceles Triangle 112">
+              <a:extLst>
+                <a:ext uri="{FF2B5EF4-FFF2-40B4-BE49-F238E27FC236}">
+                  <a16:creationId xmlns:a16="http://schemas.microsoft.com/office/drawing/2014/main" id="{32B0488D-48AD-4264-8E2A-4A5EA9E45FC8}"/>
+                </a:ext>
+              </a:extLst>
+            </p:cNvPr>
+            <p:cNvSpPr/>
+            <p:nvPr/>
+          </p:nvSpPr>
+          <p:spPr>
+            <a:xfrm>
+              <a:off x="838200" y="4114800"/>
+              <a:ext cx="914400" cy="381000"/>
+            </a:xfrm>
+            <a:prstGeom prst="triangle">
+              <a:avLst/>
+            </a:prstGeom>
+            <a:noFill/>
+            <a:ln w="12700">
+              <a:solidFill>
+                <a:schemeClr val="tx1"/>
+              </a:solidFill>
+            </a:ln>
+          </p:spPr>
+          <p:style>
+            <a:lnRef idx="2">
+              <a:schemeClr val="accent1">
+                <a:shade val="50000"/>
+              </a:schemeClr>
+            </a:lnRef>
+            <a:fillRef idx="1">
+              <a:schemeClr val="accent1"/>
+            </a:fillRef>
+            <a:effectRef idx="0">
+              <a:schemeClr val="accent1"/>
+            </a:effectRef>
+            <a:fontRef idx="minor">
+              <a:schemeClr val="lt1"/>
+            </a:fontRef>
+          </p:style>
+          <p:txBody>
+            <a:bodyPr rtlCol="0" anchor="ctr"/>
+            <a:lstStyle/>
+            <a:p>
+              <a:pPr algn="ctr"/>
+              <a:endParaRPr lang="en-US"/>
+            </a:p>
+          </p:txBody>
+        </p:sp>
+        <p:sp>
+          <p:nvSpPr>
+            <p:cNvPr id="114" name="Isosceles Triangle 113">
+              <a:extLst>
+                <a:ext uri="{FF2B5EF4-FFF2-40B4-BE49-F238E27FC236}">
+                  <a16:creationId xmlns:a16="http://schemas.microsoft.com/office/drawing/2014/main" id="{A6D047CA-66CA-4478-AE2C-FFB27ACD26EE}"/>
+                </a:ext>
+              </a:extLst>
+            </p:cNvPr>
+            <p:cNvSpPr/>
+            <p:nvPr/>
+          </p:nvSpPr>
+          <p:spPr>
+            <a:xfrm rot="10800000">
+              <a:off x="838200" y="3886200"/>
+              <a:ext cx="914400" cy="381000"/>
+            </a:xfrm>
+            <a:prstGeom prst="triangle">
+              <a:avLst/>
+            </a:prstGeom>
+            <a:gradFill flip="none" rotWithShape="1">
+              <a:gsLst>
+                <a:gs pos="100000">
+                  <a:schemeClr val="bg1">
+                    <a:lumMod val="85000"/>
+                  </a:schemeClr>
+                </a:gs>
+                <a:gs pos="48000">
+                  <a:schemeClr val="accent1">
+                    <a:tint val="44500"/>
+                    <a:satMod val="160000"/>
+                  </a:schemeClr>
+                </a:gs>
+                <a:gs pos="0">
+                  <a:schemeClr val="accent1">
+                    <a:tint val="23500"/>
+                    <a:satMod val="160000"/>
+                  </a:schemeClr>
+                </a:gs>
+              </a:gsLst>
+              <a:lin ang="16200000" scaled="1"/>
+              <a:tileRect/>
+            </a:gradFill>
+            <a:ln w="12700">
+              <a:solidFill>
+                <a:schemeClr val="tx1"/>
+              </a:solidFill>
+            </a:ln>
+          </p:spPr>
+          <p:style>
+            <a:lnRef idx="2">
+              <a:schemeClr val="accent1">
+                <a:shade val="50000"/>
+              </a:schemeClr>
+            </a:lnRef>
+            <a:fillRef idx="1">
+              <a:schemeClr val="accent1"/>
+            </a:fillRef>
+            <a:effectRef idx="0">
+              <a:schemeClr val="accent1"/>
+            </a:effectRef>
+            <a:fontRef idx="minor">
+              <a:schemeClr val="lt1"/>
+            </a:fontRef>
+          </p:style>
+          <p:txBody>
+            <a:bodyPr rtlCol="0" anchor="ctr"/>
+            <a:lstStyle/>
+            <a:p>
+              <a:pPr algn="ctr"/>
+              <a:endParaRPr lang="en-US"/>
+            </a:p>
+          </p:txBody>
+        </p:sp>
+      </p:grpSp>
+      <p:sp>
+        <p:nvSpPr>
+          <p:cNvPr id="116" name="TextBox 115">
+            <a:extLst>
+              <a:ext uri="{FF2B5EF4-FFF2-40B4-BE49-F238E27FC236}">
+                <a16:creationId xmlns:a16="http://schemas.microsoft.com/office/drawing/2014/main" id="{0A113022-8CE2-4A03-AD54-76DE6A168396}"/>
+              </a:ext>
+            </a:extLst>
+          </p:cNvPr>
+          <p:cNvSpPr txBox="1"/>
+          <p:nvPr/>
+        </p:nvSpPr>
+        <p:spPr>
+          <a:xfrm>
+            <a:off x="8145774" y="5319050"/>
+            <a:ext cx="2698881" cy="307777"/>
+          </a:xfrm>
+          <a:prstGeom prst="rect">
+            <a:avLst/>
+          </a:prstGeom>
+          <a:noFill/>
+        </p:spPr>
+        <p:txBody>
+          <a:bodyPr wrap="square" rtlCol="0">
+            <a:spAutoFit/>
+          </a:bodyPr>
+          <a:lstStyle/>
+          <a:p>
+            <a:r>
+              <a:rPr lang="en-US" sz="1400" dirty="0" err="1"/>
+              <a:t>ShipViaFedEx</a:t>
+            </a:r>
+            <a:endParaRPr lang="en-US" sz="1400" dirty="0"/>
+          </a:p>
+        </p:txBody>
+      </p:sp>
+    </p:spTree>
+    <p:extLst>
+      <p:ext uri="{BB962C8B-B14F-4D97-AF65-F5344CB8AC3E}">
+        <p14:creationId xmlns:p14="http://schemas.microsoft.com/office/powerpoint/2010/main" val="2073945093"/>
+      </p:ext>
+    </p:extLst>
+  </p:cSld>
+  <p:clrMapOvr>
+    <a:masterClrMapping/>
+  </p:clrMapOvr>
+  <p:timing>
+    <p:tnLst>
+      <p:par>
+        <p:cTn id="1" dur="indefinite" restart="never" nodeType="tmRoot">
+          <p:childTnLst>
+            <p:seq concurrent="1" nextAc="seek">
+              <p:cTn id="2" dur="indefinite" nodeType="mainSeq">
+                <p:childTnLst>
+                  <p:par>
+                    <p:cTn id="3" fill="hold">
+                      <p:stCondLst>
+                        <p:cond delay="indefinite"/>
+                      </p:stCondLst>
+                      <p:childTnLst>
+                        <p:par>
+                          <p:cTn id="4" fill="hold">
+                            <p:stCondLst>
+                              <p:cond delay="0"/>
+                            </p:stCondLst>
+                            <p:childTnLst>
+                              <p:par>
+                                <p:cTn id="5" presetID="1" presetClass="entr" presetSubtype="0" fill="hold" nodeType="clickEffect">
+                                  <p:stCondLst>
+                                    <p:cond delay="0"/>
+                                  </p:stCondLst>
+                                  <p:childTnLst>
+                                    <p:set>
+                                      <p:cBhvr>
+                                        <p:cTn id="6" dur="1" fill="hold">
+                                          <p:stCondLst>
+                                            <p:cond delay="0"/>
+                                          </p:stCondLst>
+                                        </p:cTn>
+                                        <p:tgtEl>
+                                          <p:spTgt spid="20"/>
+                                        </p:tgtEl>
+                                        <p:attrNameLst>
+                                          <p:attrName>style.visibility</p:attrName>
+                                        </p:attrNameLst>
+                                      </p:cBhvr>
+                                      <p:to>
+                                        <p:strVal val="visible"/>
+                                      </p:to>
+                                    </p:set>
+                                  </p:childTnLst>
+                                </p:cTn>
+                              </p:par>
+                              <p:par>
+                                <p:cTn id="7" presetID="1" presetClass="entr" presetSubtype="0" fill="hold" grpId="0" nodeType="withEffect">
+                                  <p:stCondLst>
+                                    <p:cond delay="0"/>
+                                  </p:stCondLst>
+                                  <p:childTnLst>
+                                    <p:set>
+                                      <p:cBhvr>
+                                        <p:cTn id="8" dur="1" fill="hold">
+                                          <p:stCondLst>
+                                            <p:cond delay="0"/>
+                                          </p:stCondLst>
+                                        </p:cTn>
+                                        <p:tgtEl>
+                                          <p:spTgt spid="9"/>
+                                        </p:tgtEl>
+                                        <p:attrNameLst>
+                                          <p:attrName>style.visibility</p:attrName>
+                                        </p:attrNameLst>
+                                      </p:cBhvr>
+                                      <p:to>
+                                        <p:strVal val="visible"/>
+                                      </p:to>
+                                    </p:set>
+                                  </p:childTnLst>
+                                </p:cTn>
+                              </p:par>
+                            </p:childTnLst>
+                          </p:cTn>
+                        </p:par>
+                      </p:childTnLst>
+                    </p:cTn>
+                  </p:par>
+                  <p:par>
+                    <p:cTn id="9" fill="hold">
+                      <p:stCondLst>
+                        <p:cond delay="indefinite"/>
+                      </p:stCondLst>
+                      <p:childTnLst>
+                        <p:par>
+                          <p:cTn id="10" fill="hold">
+                            <p:stCondLst>
+                              <p:cond delay="0"/>
+                            </p:stCondLst>
+                            <p:childTnLst>
+                              <p:par>
+                                <p:cTn id="11" presetID="1" presetClass="entr" presetSubtype="0" fill="hold" grpId="0" nodeType="clickEffect">
+                                  <p:stCondLst>
+                                    <p:cond delay="0"/>
+                                  </p:stCondLst>
+                                  <p:childTnLst>
+                                    <p:set>
+                                      <p:cBhvr>
+                                        <p:cTn id="12" dur="1" fill="hold">
+                                          <p:stCondLst>
+                                            <p:cond delay="0"/>
+                                          </p:stCondLst>
+                                        </p:cTn>
+                                        <p:tgtEl>
+                                          <p:spTgt spid="19"/>
+                                        </p:tgtEl>
+                                        <p:attrNameLst>
+                                          <p:attrName>style.visibility</p:attrName>
+                                        </p:attrNameLst>
+                                      </p:cBhvr>
+                                      <p:to>
+                                        <p:strVal val="visible"/>
+                                      </p:to>
+                                    </p:set>
+                                  </p:childTnLst>
+                                </p:cTn>
+                              </p:par>
+                              <p:par>
+                                <p:cTn id="13" presetID="1" presetClass="entr" presetSubtype="0" fill="hold" nodeType="withEffect">
+                                  <p:stCondLst>
+                                    <p:cond delay="0"/>
+                                  </p:stCondLst>
+                                  <p:childTnLst>
+                                    <p:set>
+                                      <p:cBhvr>
+                                        <p:cTn id="14" dur="1" fill="hold">
+                                          <p:stCondLst>
+                                            <p:cond delay="0"/>
+                                          </p:stCondLst>
+                                        </p:cTn>
+                                        <p:tgtEl>
+                                          <p:spTgt spid="37"/>
+                                        </p:tgtEl>
+                                        <p:attrNameLst>
+                                          <p:attrName>style.visibility</p:attrName>
+                                        </p:attrNameLst>
+                                      </p:cBhvr>
+                                      <p:to>
+                                        <p:strVal val="visible"/>
+                                      </p:to>
+                                    </p:set>
+                                  </p:childTnLst>
+                                </p:cTn>
+                              </p:par>
+                              <p:par>
+                                <p:cTn id="15" presetID="1" presetClass="entr" presetSubtype="0" fill="hold" nodeType="withEffect">
+                                  <p:stCondLst>
+                                    <p:cond delay="0"/>
+                                  </p:stCondLst>
+                                  <p:childTnLst>
+                                    <p:set>
+                                      <p:cBhvr>
+                                        <p:cTn id="16" dur="1" fill="hold">
+                                          <p:stCondLst>
+                                            <p:cond delay="0"/>
+                                          </p:stCondLst>
+                                        </p:cTn>
+                                        <p:tgtEl>
+                                          <p:spTgt spid="40"/>
+                                        </p:tgtEl>
+                                        <p:attrNameLst>
+                                          <p:attrName>style.visibility</p:attrName>
+                                        </p:attrNameLst>
+                                      </p:cBhvr>
+                                      <p:to>
+                                        <p:strVal val="visible"/>
+                                      </p:to>
+                                    </p:set>
+                                  </p:childTnLst>
+                                </p:cTn>
+                              </p:par>
+                              <p:par>
+                                <p:cTn id="17" presetID="1" presetClass="entr" presetSubtype="0" fill="hold" grpId="0" nodeType="withEffect">
+                                  <p:stCondLst>
+                                    <p:cond delay="0"/>
+                                  </p:stCondLst>
+                                  <p:childTnLst>
+                                    <p:set>
+                                      <p:cBhvr>
+                                        <p:cTn id="18" dur="1" fill="hold">
+                                          <p:stCondLst>
+                                            <p:cond delay="0"/>
+                                          </p:stCondLst>
+                                        </p:cTn>
+                                        <p:tgtEl>
+                                          <p:spTgt spid="58"/>
+                                        </p:tgtEl>
+                                        <p:attrNameLst>
+                                          <p:attrName>style.visibility</p:attrName>
+                                        </p:attrNameLst>
+                                      </p:cBhvr>
+                                      <p:to>
+                                        <p:strVal val="visible"/>
+                                      </p:to>
+                                    </p:set>
+                                  </p:childTnLst>
+                                </p:cTn>
+                              </p:par>
+                            </p:childTnLst>
+                          </p:cTn>
+                        </p:par>
+                      </p:childTnLst>
+                    </p:cTn>
+                  </p:par>
+                  <p:par>
+                    <p:cTn id="19" fill="hold">
+                      <p:stCondLst>
+                        <p:cond delay="indefinite"/>
+                      </p:stCondLst>
+                      <p:childTnLst>
+                        <p:par>
+                          <p:cTn id="20" fill="hold">
+                            <p:stCondLst>
+                              <p:cond delay="0"/>
+                            </p:stCondLst>
+                            <p:childTnLst>
+                              <p:par>
+                                <p:cTn id="21" presetID="1" presetClass="entr" presetSubtype="0" fill="hold" grpId="0" nodeType="clickEffect">
+                                  <p:stCondLst>
+                                    <p:cond delay="0"/>
+                                  </p:stCondLst>
+                                  <p:childTnLst>
+                                    <p:set>
+                                      <p:cBhvr>
+                                        <p:cTn id="22" dur="1" fill="hold">
+                                          <p:stCondLst>
+                                            <p:cond delay="0"/>
+                                          </p:stCondLst>
+                                        </p:cTn>
+                                        <p:tgtEl>
+                                          <p:spTgt spid="44"/>
+                                        </p:tgtEl>
+                                        <p:attrNameLst>
+                                          <p:attrName>style.visibility</p:attrName>
+                                        </p:attrNameLst>
+                                      </p:cBhvr>
+                                      <p:to>
+                                        <p:strVal val="visible"/>
+                                      </p:to>
+                                    </p:set>
+                                  </p:childTnLst>
+                                </p:cTn>
+                              </p:par>
+                              <p:par>
+                                <p:cTn id="23" presetID="1" presetClass="entr" presetSubtype="0" fill="hold" nodeType="withEffect">
+                                  <p:stCondLst>
+                                    <p:cond delay="0"/>
+                                  </p:stCondLst>
+                                  <p:childTnLst>
+                                    <p:set>
+                                      <p:cBhvr>
+                                        <p:cTn id="24" dur="1" fill="hold">
+                                          <p:stCondLst>
+                                            <p:cond delay="0"/>
+                                          </p:stCondLst>
+                                        </p:cTn>
+                                        <p:tgtEl>
+                                          <p:spTgt spid="45"/>
+                                        </p:tgtEl>
+                                        <p:attrNameLst>
+                                          <p:attrName>style.visibility</p:attrName>
+                                        </p:attrNameLst>
+                                      </p:cBhvr>
+                                      <p:to>
+                                        <p:strVal val="visible"/>
+                                      </p:to>
+                                    </p:set>
+                                  </p:childTnLst>
+                                </p:cTn>
+                              </p:par>
+                            </p:childTnLst>
+                          </p:cTn>
+                        </p:par>
+                      </p:childTnLst>
+                    </p:cTn>
+                  </p:par>
+                  <p:par>
+                    <p:cTn id="25" fill="hold">
+                      <p:stCondLst>
+                        <p:cond delay="indefinite"/>
+                      </p:stCondLst>
+                      <p:childTnLst>
+                        <p:par>
+                          <p:cTn id="26" fill="hold">
+                            <p:stCondLst>
+                              <p:cond delay="0"/>
+                            </p:stCondLst>
+                            <p:childTnLst>
+                              <p:par>
+                                <p:cTn id="27" presetID="1" presetClass="entr" presetSubtype="0" fill="hold" nodeType="clickEffect">
+                                  <p:stCondLst>
+                                    <p:cond delay="0"/>
+                                  </p:stCondLst>
+                                  <p:childTnLst>
+                                    <p:set>
+                                      <p:cBhvr>
+                                        <p:cTn id="28" dur="1" fill="hold">
+                                          <p:stCondLst>
+                                            <p:cond delay="0"/>
+                                          </p:stCondLst>
+                                        </p:cTn>
+                                        <p:tgtEl>
+                                          <p:spTgt spid="48"/>
+                                        </p:tgtEl>
+                                        <p:attrNameLst>
+                                          <p:attrName>style.visibility</p:attrName>
+                                        </p:attrNameLst>
+                                      </p:cBhvr>
+                                      <p:to>
+                                        <p:strVal val="visible"/>
+                                      </p:to>
+                                    </p:set>
+                                  </p:childTnLst>
+                                </p:cTn>
+                              </p:par>
+                              <p:par>
+                                <p:cTn id="29" presetID="1" presetClass="entr" presetSubtype="0" fill="hold" nodeType="withEffect">
+                                  <p:stCondLst>
+                                    <p:cond delay="0"/>
+                                  </p:stCondLst>
+                                  <p:childTnLst>
+                                    <p:set>
+                                      <p:cBhvr>
+                                        <p:cTn id="30" dur="1" fill="hold">
+                                          <p:stCondLst>
+                                            <p:cond delay="0"/>
+                                          </p:stCondLst>
+                                        </p:cTn>
+                                        <p:tgtEl>
+                                          <p:spTgt spid="54"/>
+                                        </p:tgtEl>
+                                        <p:attrNameLst>
+                                          <p:attrName>style.visibility</p:attrName>
+                                        </p:attrNameLst>
+                                      </p:cBhvr>
+                                      <p:to>
+                                        <p:strVal val="visible"/>
+                                      </p:to>
+                                    </p:set>
+                                  </p:childTnLst>
+                                </p:cTn>
+                              </p:par>
+                              <p:par>
+                                <p:cTn id="31" presetID="1" presetClass="entr" presetSubtype="0" fill="hold" grpId="0" nodeType="withEffect">
+                                  <p:stCondLst>
+                                    <p:cond delay="0"/>
+                                  </p:stCondLst>
+                                  <p:childTnLst>
+                                    <p:set>
+                                      <p:cBhvr>
+                                        <p:cTn id="32" dur="1" fill="hold">
+                                          <p:stCondLst>
+                                            <p:cond delay="0"/>
+                                          </p:stCondLst>
+                                        </p:cTn>
+                                        <p:tgtEl>
+                                          <p:spTgt spid="11"/>
+                                        </p:tgtEl>
+                                        <p:attrNameLst>
+                                          <p:attrName>style.visibility</p:attrName>
+                                        </p:attrNameLst>
+                                      </p:cBhvr>
+                                      <p:to>
+                                        <p:strVal val="visible"/>
+                                      </p:to>
+                                    </p:set>
+                                  </p:childTnLst>
+                                </p:cTn>
+                              </p:par>
+                              <p:par>
+                                <p:cTn id="33" presetID="1" presetClass="entr" presetSubtype="0" fill="hold" grpId="0" nodeType="withEffect">
+                                  <p:stCondLst>
+                                    <p:cond delay="0"/>
+                                  </p:stCondLst>
+                                  <p:childTnLst>
+                                    <p:set>
+                                      <p:cBhvr>
+                                        <p:cTn id="34" dur="1" fill="hold">
+                                          <p:stCondLst>
+                                            <p:cond delay="0"/>
+                                          </p:stCondLst>
+                                        </p:cTn>
+                                        <p:tgtEl>
+                                          <p:spTgt spid="62"/>
+                                        </p:tgtEl>
+                                        <p:attrNameLst>
+                                          <p:attrName>style.visibility</p:attrName>
+                                        </p:attrNameLst>
+                                      </p:cBhvr>
+                                      <p:to>
+                                        <p:strVal val="visible"/>
+                                      </p:to>
+                                    </p:set>
+                                  </p:childTnLst>
+                                </p:cTn>
+                              </p:par>
+                              <p:par>
+                                <p:cTn id="35" presetID="1" presetClass="entr" presetSubtype="0" fill="hold" nodeType="withEffect">
+                                  <p:stCondLst>
+                                    <p:cond delay="0"/>
+                                  </p:stCondLst>
+                                  <p:childTnLst>
+                                    <p:set>
+                                      <p:cBhvr>
+                                        <p:cTn id="36" dur="1" fill="hold">
+                                          <p:stCondLst>
+                                            <p:cond delay="0"/>
+                                          </p:stCondLst>
+                                        </p:cTn>
+                                        <p:tgtEl>
+                                          <p:spTgt spid="67"/>
+                                        </p:tgtEl>
+                                        <p:attrNameLst>
+                                          <p:attrName>style.visibility</p:attrName>
+                                        </p:attrNameLst>
+                                      </p:cBhvr>
+                                      <p:to>
+                                        <p:strVal val="visible"/>
+                                      </p:to>
+                                    </p:set>
+                                  </p:childTnLst>
+                                </p:cTn>
+                              </p:par>
+                              <p:par>
+                                <p:cTn id="37" presetID="1" presetClass="entr" presetSubtype="0" fill="hold" nodeType="withEffect">
+                                  <p:stCondLst>
+                                    <p:cond delay="0"/>
+                                  </p:stCondLst>
+                                  <p:childTnLst>
+                                    <p:set>
+                                      <p:cBhvr>
+                                        <p:cTn id="38" dur="1" fill="hold">
+                                          <p:stCondLst>
+                                            <p:cond delay="0"/>
+                                          </p:stCondLst>
+                                        </p:cTn>
+                                        <p:tgtEl>
+                                          <p:spTgt spid="63"/>
+                                        </p:tgtEl>
+                                        <p:attrNameLst>
+                                          <p:attrName>style.visibility</p:attrName>
+                                        </p:attrNameLst>
+                                      </p:cBhvr>
+                                      <p:to>
+                                        <p:strVal val="visible"/>
+                                      </p:to>
+                                    </p:set>
+                                  </p:childTnLst>
+                                </p:cTn>
+                              </p:par>
+                              <p:par>
+                                <p:cTn id="39" presetID="1" presetClass="entr" presetSubtype="0" fill="hold" nodeType="withEffect">
+                                  <p:stCondLst>
+                                    <p:cond delay="0"/>
+                                  </p:stCondLst>
+                                  <p:childTnLst>
+                                    <p:set>
+                                      <p:cBhvr>
+                                        <p:cTn id="40" dur="1" fill="hold">
+                                          <p:stCondLst>
+                                            <p:cond delay="0"/>
+                                          </p:stCondLst>
+                                        </p:cTn>
+                                        <p:tgtEl>
+                                          <p:spTgt spid="51"/>
+                                        </p:tgtEl>
+                                        <p:attrNameLst>
+                                          <p:attrName>style.visibility</p:attrName>
+                                        </p:attrNameLst>
+                                      </p:cBhvr>
+                                      <p:to>
+                                        <p:strVal val="visible"/>
+                                      </p:to>
+                                    </p:set>
+                                  </p:childTnLst>
+                                </p:cTn>
+                              </p:par>
+                              <p:par>
+                                <p:cTn id="41" presetID="1" presetClass="entr" presetSubtype="0" fill="hold" grpId="0" nodeType="withEffect">
+                                  <p:stCondLst>
+                                    <p:cond delay="0"/>
+                                  </p:stCondLst>
+                                  <p:childTnLst>
+                                    <p:set>
+                                      <p:cBhvr>
+                                        <p:cTn id="42" dur="1" fill="hold">
+                                          <p:stCondLst>
+                                            <p:cond delay="0"/>
+                                          </p:stCondLst>
+                                        </p:cTn>
+                                        <p:tgtEl>
+                                          <p:spTgt spid="13"/>
+                                        </p:tgtEl>
+                                        <p:attrNameLst>
+                                          <p:attrName>style.visibility</p:attrName>
+                                        </p:attrNameLst>
+                                      </p:cBhvr>
+                                      <p:to>
+                                        <p:strVal val="visible"/>
+                                      </p:to>
+                                    </p:set>
+                                  </p:childTnLst>
+                                </p:cTn>
+                              </p:par>
+                              <p:par>
+                                <p:cTn id="43" presetID="1" presetClass="entr" presetSubtype="0" fill="hold" nodeType="withEffect">
+                                  <p:stCondLst>
+                                    <p:cond delay="0"/>
+                                  </p:stCondLst>
+                                  <p:childTnLst>
+                                    <p:set>
+                                      <p:cBhvr>
+                                        <p:cTn id="44" dur="1" fill="hold">
+                                          <p:stCondLst>
+                                            <p:cond delay="0"/>
+                                          </p:stCondLst>
+                                        </p:cTn>
+                                        <p:tgtEl>
+                                          <p:spTgt spid="31"/>
+                                        </p:tgtEl>
+                                        <p:attrNameLst>
+                                          <p:attrName>style.visibility</p:attrName>
+                                        </p:attrNameLst>
+                                      </p:cBhvr>
+                                      <p:to>
+                                        <p:strVal val="visible"/>
+                                      </p:to>
+                                    </p:set>
+                                  </p:childTnLst>
+                                </p:cTn>
+                              </p:par>
+                              <p:par>
+                                <p:cTn id="45" presetID="1" presetClass="entr" presetSubtype="0" fill="hold" grpId="0" nodeType="withEffect">
+                                  <p:stCondLst>
+                                    <p:cond delay="0"/>
+                                  </p:stCondLst>
+                                  <p:childTnLst>
+                                    <p:set>
+                                      <p:cBhvr>
+                                        <p:cTn id="46" dur="1" fill="hold">
+                                          <p:stCondLst>
+                                            <p:cond delay="0"/>
+                                          </p:stCondLst>
+                                        </p:cTn>
+                                        <p:tgtEl>
+                                          <p:spTgt spid="60"/>
+                                        </p:tgtEl>
+                                        <p:attrNameLst>
+                                          <p:attrName>style.visibility</p:attrName>
+                                        </p:attrNameLst>
+                                      </p:cBhvr>
+                                      <p:to>
+                                        <p:strVal val="visible"/>
+                                      </p:to>
+                                    </p:set>
+                                  </p:childTnLst>
+                                </p:cTn>
+                              </p:par>
+                            </p:childTnLst>
+                          </p:cTn>
+                        </p:par>
+                      </p:childTnLst>
+                    </p:cTn>
+                  </p:par>
+                  <p:par>
+                    <p:cTn id="47" fill="hold">
+                      <p:stCondLst>
+                        <p:cond delay="indefinite"/>
+                      </p:stCondLst>
+                      <p:childTnLst>
+                        <p:par>
+                          <p:cTn id="48" fill="hold">
+                            <p:stCondLst>
+                              <p:cond delay="0"/>
+                            </p:stCondLst>
+                            <p:childTnLst>
+                              <p:par>
+                                <p:cTn id="49" presetID="1" presetClass="entr" presetSubtype="0" fill="hold" nodeType="clickEffect">
+                                  <p:stCondLst>
+                                    <p:cond delay="0"/>
+                                  </p:stCondLst>
+                                  <p:childTnLst>
+                                    <p:set>
+                                      <p:cBhvr>
+                                        <p:cTn id="50" dur="1" fill="hold">
+                                          <p:stCondLst>
+                                            <p:cond delay="0"/>
+                                          </p:stCondLst>
+                                        </p:cTn>
+                                        <p:tgtEl>
+                                          <p:spTgt spid="73"/>
+                                        </p:tgtEl>
+                                        <p:attrNameLst>
+                                          <p:attrName>style.visibility</p:attrName>
+                                        </p:attrNameLst>
+                                      </p:cBhvr>
+                                      <p:to>
+                                        <p:strVal val="visible"/>
+                                      </p:to>
+                                    </p:set>
+                                  </p:childTnLst>
+                                </p:cTn>
+                              </p:par>
+                              <p:par>
+                                <p:cTn id="51" presetID="1" presetClass="entr" presetSubtype="0" fill="hold" nodeType="withEffect">
+                                  <p:stCondLst>
+                                    <p:cond delay="0"/>
+                                  </p:stCondLst>
+                                  <p:childTnLst>
+                                    <p:set>
+                                      <p:cBhvr>
+                                        <p:cTn id="52" dur="1" fill="hold">
+                                          <p:stCondLst>
+                                            <p:cond delay="0"/>
+                                          </p:stCondLst>
+                                        </p:cTn>
+                                        <p:tgtEl>
+                                          <p:spTgt spid="25"/>
+                                        </p:tgtEl>
+                                        <p:attrNameLst>
+                                          <p:attrName>style.visibility</p:attrName>
+                                        </p:attrNameLst>
+                                      </p:cBhvr>
+                                      <p:to>
+                                        <p:strVal val="visible"/>
+                                      </p:to>
+                                    </p:set>
+                                  </p:childTnLst>
+                                </p:cTn>
+                              </p:par>
+                              <p:par>
+                                <p:cTn id="53" presetID="1" presetClass="entr" presetSubtype="0" fill="hold" grpId="0" nodeType="withEffect">
+                                  <p:stCondLst>
+                                    <p:cond delay="0"/>
+                                  </p:stCondLst>
+                                  <p:childTnLst>
+                                    <p:set>
+                                      <p:cBhvr>
+                                        <p:cTn id="54" dur="1" fill="hold">
+                                          <p:stCondLst>
+                                            <p:cond delay="0"/>
+                                          </p:stCondLst>
+                                        </p:cTn>
+                                        <p:tgtEl>
+                                          <p:spTgt spid="90"/>
+                                        </p:tgtEl>
+                                        <p:attrNameLst>
+                                          <p:attrName>style.visibility</p:attrName>
+                                        </p:attrNameLst>
+                                      </p:cBhvr>
+                                      <p:to>
+                                        <p:strVal val="visible"/>
+                                      </p:to>
+                                    </p:set>
+                                  </p:childTnLst>
+                                </p:cTn>
+                              </p:par>
+                            </p:childTnLst>
+                          </p:cTn>
+                        </p:par>
+                      </p:childTnLst>
+                    </p:cTn>
+                  </p:par>
+                  <p:par>
+                    <p:cTn id="55" fill="hold">
+                      <p:stCondLst>
+                        <p:cond delay="indefinite"/>
+                      </p:stCondLst>
+                      <p:childTnLst>
+                        <p:par>
+                          <p:cTn id="56" fill="hold">
+                            <p:stCondLst>
+                              <p:cond delay="0"/>
+                            </p:stCondLst>
+                            <p:childTnLst>
+                              <p:par>
+                                <p:cTn id="57" presetID="1" presetClass="entr" presetSubtype="0" fill="hold" nodeType="clickEffect">
+                                  <p:stCondLst>
+                                    <p:cond delay="0"/>
+                                  </p:stCondLst>
+                                  <p:childTnLst>
+                                    <p:set>
+                                      <p:cBhvr>
+                                        <p:cTn id="58" dur="1" fill="hold">
+                                          <p:stCondLst>
+                                            <p:cond delay="0"/>
+                                          </p:stCondLst>
+                                        </p:cTn>
+                                        <p:tgtEl>
+                                          <p:spTgt spid="93"/>
+                                        </p:tgtEl>
+                                        <p:attrNameLst>
+                                          <p:attrName>style.visibility</p:attrName>
+                                        </p:attrNameLst>
+                                      </p:cBhvr>
+                                      <p:to>
+                                        <p:strVal val="visible"/>
+                                      </p:to>
+                                    </p:set>
+                                  </p:childTnLst>
+                                </p:cTn>
+                              </p:par>
+                              <p:par>
+                                <p:cTn id="59" presetID="1" presetClass="entr" presetSubtype="0" fill="hold" grpId="0" nodeType="withEffect">
+                                  <p:stCondLst>
+                                    <p:cond delay="0"/>
+                                  </p:stCondLst>
+                                  <p:childTnLst>
+                                    <p:set>
+                                      <p:cBhvr>
+                                        <p:cTn id="60" dur="1" fill="hold">
+                                          <p:stCondLst>
+                                            <p:cond delay="0"/>
+                                          </p:stCondLst>
+                                        </p:cTn>
+                                        <p:tgtEl>
+                                          <p:spTgt spid="92"/>
+                                        </p:tgtEl>
+                                        <p:attrNameLst>
+                                          <p:attrName>style.visibility</p:attrName>
+                                        </p:attrNameLst>
+                                      </p:cBhvr>
+                                      <p:to>
+                                        <p:strVal val="visible"/>
+                                      </p:to>
+                                    </p:set>
+                                  </p:childTnLst>
+                                </p:cTn>
+                              </p:par>
+                            </p:childTnLst>
+                          </p:cTn>
+                        </p:par>
+                      </p:childTnLst>
+                    </p:cTn>
+                  </p:par>
+                  <p:par>
+                    <p:cTn id="61" fill="hold">
+                      <p:stCondLst>
+                        <p:cond delay="indefinite"/>
+                      </p:stCondLst>
+                      <p:childTnLst>
+                        <p:par>
+                          <p:cTn id="62" fill="hold">
+                            <p:stCondLst>
+                              <p:cond delay="0"/>
+                            </p:stCondLst>
+                            <p:childTnLst>
+                              <p:par>
+                                <p:cTn id="63" presetID="1" presetClass="entr" presetSubtype="0" fill="hold" nodeType="clickEffect">
+                                  <p:stCondLst>
+                                    <p:cond delay="0"/>
+                                  </p:stCondLst>
+                                  <p:childTnLst>
+                                    <p:set>
+                                      <p:cBhvr>
+                                        <p:cTn id="64" dur="1" fill="hold">
+                                          <p:stCondLst>
+                                            <p:cond delay="0"/>
+                                          </p:stCondLst>
+                                        </p:cTn>
+                                        <p:tgtEl>
+                                          <p:spTgt spid="97"/>
+                                        </p:tgtEl>
+                                        <p:attrNameLst>
+                                          <p:attrName>style.visibility</p:attrName>
+                                        </p:attrNameLst>
+                                      </p:cBhvr>
+                                      <p:to>
+                                        <p:strVal val="visible"/>
+                                      </p:to>
+                                    </p:set>
+                                  </p:childTnLst>
+                                </p:cTn>
+                              </p:par>
+                              <p:par>
+                                <p:cTn id="65" presetID="1" presetClass="entr" presetSubtype="0" fill="hold" nodeType="withEffect">
+                                  <p:stCondLst>
+                                    <p:cond delay="0"/>
+                                  </p:stCondLst>
+                                  <p:childTnLst>
+                                    <p:set>
+                                      <p:cBhvr>
+                                        <p:cTn id="66" dur="1" fill="hold">
+                                          <p:stCondLst>
+                                            <p:cond delay="0"/>
+                                          </p:stCondLst>
+                                        </p:cTn>
+                                        <p:tgtEl>
+                                          <p:spTgt spid="100"/>
+                                        </p:tgtEl>
+                                        <p:attrNameLst>
+                                          <p:attrName>style.visibility</p:attrName>
+                                        </p:attrNameLst>
+                                      </p:cBhvr>
+                                      <p:to>
+                                        <p:strVal val="visible"/>
+                                      </p:to>
+                                    </p:set>
+                                  </p:childTnLst>
+                                </p:cTn>
+                              </p:par>
+                              <p:par>
+                                <p:cTn id="67" presetID="1" presetClass="entr" presetSubtype="0" fill="hold" grpId="0" nodeType="withEffect">
+                                  <p:stCondLst>
+                                    <p:cond delay="0"/>
+                                  </p:stCondLst>
+                                  <p:childTnLst>
+                                    <p:set>
+                                      <p:cBhvr>
+                                        <p:cTn id="68" dur="1" fill="hold">
+                                          <p:stCondLst>
+                                            <p:cond delay="0"/>
+                                          </p:stCondLst>
+                                        </p:cTn>
+                                        <p:tgtEl>
+                                          <p:spTgt spid="105"/>
+                                        </p:tgtEl>
+                                        <p:attrNameLst>
+                                          <p:attrName>style.visibility</p:attrName>
+                                        </p:attrNameLst>
+                                      </p:cBhvr>
+                                      <p:to>
+                                        <p:strVal val="visible"/>
+                                      </p:to>
+                                    </p:set>
+                                  </p:childTnLst>
+                                </p:cTn>
+                              </p:par>
+                            </p:childTnLst>
+                          </p:cTn>
+                        </p:par>
+                      </p:childTnLst>
+                    </p:cTn>
+                  </p:par>
+                  <p:par>
+                    <p:cTn id="69" fill="hold">
+                      <p:stCondLst>
+                        <p:cond delay="indefinite"/>
+                      </p:stCondLst>
+                      <p:childTnLst>
+                        <p:par>
+                          <p:cTn id="70" fill="hold">
+                            <p:stCondLst>
+                              <p:cond delay="0"/>
+                            </p:stCondLst>
+                            <p:childTnLst>
+                              <p:par>
+                                <p:cTn id="71" presetID="1" presetClass="entr" presetSubtype="0" fill="hold" nodeType="clickEffect">
+                                  <p:stCondLst>
+                                    <p:cond delay="0"/>
+                                  </p:stCondLst>
+                                  <p:childTnLst>
+                                    <p:set>
+                                      <p:cBhvr>
+                                        <p:cTn id="72" dur="1" fill="hold">
+                                          <p:stCondLst>
+                                            <p:cond delay="0"/>
+                                          </p:stCondLst>
+                                        </p:cTn>
+                                        <p:tgtEl>
+                                          <p:spTgt spid="108"/>
+                                        </p:tgtEl>
+                                        <p:attrNameLst>
+                                          <p:attrName>style.visibility</p:attrName>
+                                        </p:attrNameLst>
+                                      </p:cBhvr>
+                                      <p:to>
+                                        <p:strVal val="visible"/>
+                                      </p:to>
+                                    </p:set>
+                                  </p:childTnLst>
+                                </p:cTn>
+                              </p:par>
+                              <p:par>
+                                <p:cTn id="73" presetID="1" presetClass="entr" presetSubtype="0" fill="hold" nodeType="withEffect">
+                                  <p:stCondLst>
+                                    <p:cond delay="0"/>
+                                  </p:stCondLst>
+                                  <p:childTnLst>
+                                    <p:set>
+                                      <p:cBhvr>
+                                        <p:cTn id="74" dur="1" fill="hold">
+                                          <p:stCondLst>
+                                            <p:cond delay="0"/>
+                                          </p:stCondLst>
+                                        </p:cTn>
+                                        <p:tgtEl>
+                                          <p:spTgt spid="111"/>
+                                        </p:tgtEl>
+                                        <p:attrNameLst>
+                                          <p:attrName>style.visibility</p:attrName>
+                                        </p:attrNameLst>
+                                      </p:cBhvr>
+                                      <p:to>
+                                        <p:strVal val="visible"/>
+                                      </p:to>
+                                    </p:set>
+                                  </p:childTnLst>
+                                </p:cTn>
+                              </p:par>
+                              <p:par>
+                                <p:cTn id="75" presetID="1" presetClass="entr" presetSubtype="0" fill="hold" grpId="0" nodeType="withEffect">
+                                  <p:stCondLst>
+                                    <p:cond delay="0"/>
+                                  </p:stCondLst>
+                                  <p:childTnLst>
+                                    <p:set>
+                                      <p:cBhvr>
+                                        <p:cTn id="76" dur="1" fill="hold">
+                                          <p:stCondLst>
+                                            <p:cond delay="0"/>
+                                          </p:stCondLst>
+                                        </p:cTn>
+                                        <p:tgtEl>
+                                          <p:spTgt spid="116"/>
+                                        </p:tgtEl>
+                                        <p:attrNameLst>
+                                          <p:attrName>style.visibility</p:attrName>
+                                        </p:attrNameLst>
+                                      </p:cBhvr>
+                                      <p:to>
+                                        <p:strVal val="visible"/>
+                                      </p:to>
+                                    </p:set>
+                                  </p:childTnLst>
+                                </p:cTn>
+                              </p:par>
+                              <p:par>
+                                <p:cTn id="77" presetID="1" presetClass="entr" presetSubtype="0" fill="hold" grpId="0" nodeType="withEffect">
+                                  <p:stCondLst>
+                                    <p:cond delay="0"/>
+                                  </p:stCondLst>
+                                  <p:childTnLst>
+                                    <p:set>
+                                      <p:cBhvr>
+                                        <p:cTn id="78" dur="1" fill="hold">
+                                          <p:stCondLst>
+                                            <p:cond delay="0"/>
+                                          </p:stCondLst>
+                                        </p:cTn>
+                                        <p:tgtEl>
+                                          <p:spTgt spid="107"/>
+                                        </p:tgtEl>
+                                        <p:attrNameLst>
+                                          <p:attrName>style.visibility</p:attrName>
+                                        </p:attrNameLst>
+                                      </p:cBhvr>
+                                      <p:to>
+                                        <p:strVal val="visible"/>
+                                      </p:to>
+                                    </p:set>
+                                  </p:childTnLst>
+                                </p:cTn>
+                              </p:par>
+                            </p:childTnLst>
+                          </p:cTn>
+                        </p:par>
+                      </p:childTnLst>
+                    </p:cTn>
+                  </p:par>
+                </p:childTnLst>
+              </p:cTn>
+              <p:prevCondLst>
+                <p:cond evt="onPrev" delay="0">
+                  <p:tgtEl>
+                    <p:sldTgt/>
+                  </p:tgtEl>
+                </p:cond>
+              </p:prevCondLst>
+              <p:nextCondLst>
+                <p:cond evt="onNext" delay="0">
+                  <p:tgtEl>
+                    <p:sldTgt/>
+                  </p:tgtEl>
+                </p:cond>
+              </p:nextCondLst>
+            </p:seq>
+          </p:childTnLst>
+        </p:cTn>
+      </p:par>
+    </p:tnLst>
+    <p:bldLst>
+      <p:bldP spid="9" grpId="0" animBg="1"/>
+      <p:bldP spid="11" grpId="0" animBg="1"/>
+      <p:bldP spid="13" grpId="0" animBg="1"/>
+      <p:bldP spid="19" grpId="0" animBg="1"/>
+      <p:bldP spid="44" grpId="0" animBg="1"/>
+      <p:bldP spid="58" grpId="0"/>
+      <p:bldP spid="60" grpId="0"/>
+      <p:bldP spid="62" grpId="0" animBg="1"/>
+      <p:bldP spid="90" grpId="0"/>
+      <p:bldP spid="92" grpId="0" animBg="1"/>
+      <p:bldP spid="105" grpId="0"/>
+      <p:bldP spid="107" grpId="0" animBg="1"/>
+      <p:bldP spid="116" grpId="0"/>
+    </p:bldLst>
+  </p:timing>
+</p:sld>
+</file>
+
+<file path=ppt/slides/slide16.xml><?xml version="1.0" encoding="utf-8"?>
+<p:sld xmlns:a="http://schemas.openxmlformats.org/drawingml/2006/main" xmlns:r="http://schemas.openxmlformats.org/officeDocument/2006/relationships" xmlns:p="http://schemas.openxmlformats.org/presentationml/2006/main">
+  <p:cSld>
+    <p:spTree>
+      <p:nvGrpSpPr>
+        <p:cNvPr id="1" name=""/>
+        <p:cNvGrpSpPr/>
+        <p:nvPr/>
+      </p:nvGrpSpPr>
+      <p:grpSpPr>
+        <a:xfrm>
+          <a:off x="0" y="0"/>
+          <a:ext cx="0" cy="0"/>
+          <a:chOff x="0" y="0"/>
+          <a:chExt cx="0" cy="0"/>
+        </a:xfrm>
+      </p:grpSpPr>
+      <p:sp>
+        <p:nvSpPr>
           <p:cNvPr id="2" name="Title 1"/>
           <p:cNvSpPr>
             <a:spLocks noGrp="1"/>
@@ -4971,7 +9717,7 @@
                   <a:prstClr val="black"/>
                 </a:solidFill>
               </a:rPr>
-              <a:t>Distributed Tracing Made Easy</a:t>
+              <a:t>End-To-End Distributed Tracing</a:t>
             </a:r>
             <a:endParaRPr lang="en-US" sz="4800" dirty="0"/>
           </a:p>
@@ -5046,21 +9792,8 @@
           <a:p>
             <a:r>
               <a:rPr lang="en-US" sz="3200" dirty="0"/>
-              <a:t>github.com/jbogard/</a:t>
-            </a:r>
-            <a:r>
-              <a:rPr lang="en-US" sz="3200" dirty="0" err="1"/>
-              <a:t>nsb</a:t>
-            </a:r>
-            <a:r>
-              <a:rPr lang="en-US" sz="3200" dirty="0"/>
-              <a:t>-diagnostics-</a:t>
-            </a:r>
-            <a:r>
-              <a:rPr lang="en-US" sz="3200" dirty="0" err="1"/>
-              <a:t>poc</a:t>
-            </a:r>
-            <a:endParaRPr lang="en-US" sz="3200" dirty="0"/>
+              <a:t>github.com/jbogard/presentations</a:t>
+            </a:r>
           </a:p>
         </p:txBody>
       </p:sp>
@@ -10284,25 +15017,67 @@
 
 <file path=ppt/tags/tag12.xml><?xml version="1.0" encoding="utf-8"?>
 <p:tagLst xmlns:a="http://schemas.openxmlformats.org/drawingml/2006/main" xmlns:r="http://schemas.openxmlformats.org/officeDocument/2006/relationships" xmlns:p="http://schemas.openxmlformats.org/presentationml/2006/main">
-  <p:tag name="DVSECTIONID" val="ULJKTtTuA1JYcmiIHNUWnZ"/>
+  <p:tag name="DVSHAPEID" val="o2g6hiBlR8M1kYgL5BzrFd"/>
 </p:tagLst>
 </file>
 
 <file path=ppt/tags/tag13.xml><?xml version="1.0" encoding="utf-8"?>
 <p:tagLst xmlns:a="http://schemas.openxmlformats.org/drawingml/2006/main" xmlns:r="http://schemas.openxmlformats.org/officeDocument/2006/relationships" xmlns:p="http://schemas.openxmlformats.org/presentationml/2006/main">
-  <p:tag name="DVSHAPEID" val="0el361ATYxVn7CIhxUw3rP"/>
+  <p:tag name="DVSHAPEID" val="o2g6hiBlR8M1kYgL5BzrFd"/>
 </p:tagLst>
 </file>
 
 <file path=ppt/tags/tag14.xml><?xml version="1.0" encoding="utf-8"?>
 <p:tagLst xmlns:a="http://schemas.openxmlformats.org/drawingml/2006/main" xmlns:r="http://schemas.openxmlformats.org/officeDocument/2006/relationships" xmlns:p="http://schemas.openxmlformats.org/presentationml/2006/main">
-  <p:tag name="DVSHAPEID" val="9GXR3BK6E2EUKvoPmRUH3b"/>
+  <p:tag name="DVSHAPEID" val="o2g6hiBlR8M1kYgL5BzrFd"/>
+</p:tagLst>
+</file>
+
+<file path=ppt/tags/tag15.xml><?xml version="1.0" encoding="utf-8"?>
+<p:tagLst xmlns:a="http://schemas.openxmlformats.org/drawingml/2006/main" xmlns:r="http://schemas.openxmlformats.org/officeDocument/2006/relationships" xmlns:p="http://schemas.openxmlformats.org/presentationml/2006/main">
+  <p:tag name="DVSHAPEID" val="o2g6hiBlR8M1kYgL5BzrFd"/>
+</p:tagLst>
+</file>
+
+<file path=ppt/tags/tag16.xml><?xml version="1.0" encoding="utf-8"?>
+<p:tagLst xmlns:a="http://schemas.openxmlformats.org/drawingml/2006/main" xmlns:r="http://schemas.openxmlformats.org/officeDocument/2006/relationships" xmlns:p="http://schemas.openxmlformats.org/presentationml/2006/main">
+  <p:tag name="DVSHAPEID" val="o2g6hiBlR8M1kYgL5BzrFd"/>
+</p:tagLst>
+</file>
+
+<file path=ppt/tags/tag17.xml><?xml version="1.0" encoding="utf-8"?>
+<p:tagLst xmlns:a="http://schemas.openxmlformats.org/drawingml/2006/main" xmlns:r="http://schemas.openxmlformats.org/officeDocument/2006/relationships" xmlns:p="http://schemas.openxmlformats.org/presentationml/2006/main">
+  <p:tag name="DVSHAPEID" val="o2g6hiBlR8M1kYgL5BzrFd"/>
+</p:tagLst>
+</file>
+
+<file path=ppt/tags/tag18.xml><?xml version="1.0" encoding="utf-8"?>
+<p:tagLst xmlns:a="http://schemas.openxmlformats.org/drawingml/2006/main" xmlns:r="http://schemas.openxmlformats.org/officeDocument/2006/relationships" xmlns:p="http://schemas.openxmlformats.org/presentationml/2006/main">
+  <p:tag name="DVSHAPEID" val="o2g6hiBlR8M1kYgL5BzrFd"/>
+</p:tagLst>
+</file>
+
+<file path=ppt/tags/tag19.xml><?xml version="1.0" encoding="utf-8"?>
+<p:tagLst xmlns:a="http://schemas.openxmlformats.org/drawingml/2006/main" xmlns:r="http://schemas.openxmlformats.org/officeDocument/2006/relationships" xmlns:p="http://schemas.openxmlformats.org/presentationml/2006/main">
+  <p:tag name="DVSECTIONID" val="ULJKTtTuA1JYcmiIHNUWnZ"/>
 </p:tagLst>
 </file>
 
 <file path=ppt/tags/tag2.xml><?xml version="1.0" encoding="utf-8"?>
 <p:tagLst xmlns:a="http://schemas.openxmlformats.org/drawingml/2006/main" xmlns:r="http://schemas.openxmlformats.org/officeDocument/2006/relationships" xmlns:p="http://schemas.openxmlformats.org/presentationml/2006/main">
   <p:tag name="DVSHAPEID" val="0el361ATYxVn7CIhxUw3rP"/>
+</p:tagLst>
+</file>
+
+<file path=ppt/tags/tag20.xml><?xml version="1.0" encoding="utf-8"?>
+<p:tagLst xmlns:a="http://schemas.openxmlformats.org/drawingml/2006/main" xmlns:r="http://schemas.openxmlformats.org/officeDocument/2006/relationships" xmlns:p="http://schemas.openxmlformats.org/presentationml/2006/main">
+  <p:tag name="DVSHAPEID" val="0el361ATYxVn7CIhxUw3rP"/>
+</p:tagLst>
+</file>
+
+<file path=ppt/tags/tag21.xml><?xml version="1.0" encoding="utf-8"?>
+<p:tagLst xmlns:a="http://schemas.openxmlformats.org/drawingml/2006/main" xmlns:r="http://schemas.openxmlformats.org/officeDocument/2006/relationships" xmlns:p="http://schemas.openxmlformats.org/presentationml/2006/main">
+  <p:tag name="DVSHAPEID" val="9GXR3BK6E2EUKvoPmRUH3b"/>
 </p:tagLst>
 </file>
 

--- a/DistributedTracing/DistributedTracing.pptx
+++ b/DistributedTracing/DistributedTracing.pptx
@@ -212,7 +212,7 @@
           <a:p>
             <a:fld id="{BA11CBBD-FCCC-4341-9A07-9341F6C54581}" type="datetimeFigureOut">
               <a:rPr lang="en-US" smtClean="0"/>
-              <a:t>10/2/2020</a:t>
+              <a:t>12/15/2020</a:t>
             </a:fld>
             <a:endParaRPr lang="en-US"/>
           </a:p>
@@ -4834,16 +4834,13 @@
           <a:p>
             <a:r>
               <a:rPr lang="en-US" dirty="0"/>
-              <a:t>Activities for W3C </a:t>
-            </a:r>
-            <a:r>
-              <a:rPr lang="en-US" dirty="0" err="1"/>
-              <a:t>TraceContext</a:t>
-            </a:r>
-            <a:r>
-              <a:rPr lang="en-US" dirty="0"/>
-              <a:t> propagation</a:t>
-            </a:r>
+              <a:t>Activities for </a:t>
+            </a:r>
+            <a:r>
+              <a:rPr lang="en-US"/>
+              <a:t>W3C propagation</a:t>
+            </a:r>
+            <a:endParaRPr lang="en-US" dirty="0"/>
           </a:p>
           <a:p>
             <a:endParaRPr lang="en-US" dirty="0"/>
@@ -4855,8 +4852,13 @@
             </a:r>
             <a:r>
               <a:rPr lang="en-US" dirty="0"/>
-              <a:t> for Activity adapter</a:t>
-            </a:r>
+              <a:t> for </a:t>
+            </a:r>
+            <a:r>
+              <a:rPr lang="en-US" dirty="0" err="1"/>
+              <a:t>ActivityListener</a:t>
+            </a:r>
+            <a:endParaRPr lang="en-US" dirty="0"/>
           </a:p>
           <a:p>
             <a:endParaRPr lang="en-US" dirty="0"/>

--- a/DistributedTracing/DistributedTracing.pptx
+++ b/DistributedTracing/DistributedTracing.pptx
@@ -3546,7 +3546,7 @@
         </p:nvSpPr>
         <p:spPr>
           <a:xfrm>
-            <a:off x="1202957" y="70969"/>
+            <a:off x="1202957" y="338479"/>
             <a:ext cx="9786086" cy="2387600"/>
           </a:xfrm>
         </p:spPr>
@@ -3562,7 +3562,22 @@
                   <a:prstClr val="black"/>
                 </a:solidFill>
               </a:rPr>
-              <a:t>End-To-End Distributed Tracing</a:t>
+              <a:t>Distributed Tracing Made Easy </a:t>
+            </a:r>
+            <a:br>
+              <a:rPr lang="en-US" sz="6600" dirty="0">
+                <a:solidFill>
+                  <a:prstClr val="black"/>
+                </a:solidFill>
+              </a:rPr>
+            </a:br>
+            <a:r>
+              <a:rPr lang="en-US" sz="6600" dirty="0">
+                <a:solidFill>
+                  <a:prstClr val="black"/>
+                </a:solidFill>
+              </a:rPr>
+              <a:t>with .NET 5</a:t>
             </a:r>
             <a:endParaRPr lang="en-US" sz="4800" dirty="0"/>
           </a:p>
@@ -3583,7 +3598,7 @@
         </p:nvSpPr>
         <p:spPr>
           <a:xfrm>
-            <a:off x="2676052" y="2693397"/>
+            <a:off x="2667000" y="2858988"/>
             <a:ext cx="6858000" cy="1655763"/>
           </a:xfrm>
         </p:spPr>
@@ -4834,13 +4849,8 @@
           <a:p>
             <a:r>
               <a:rPr lang="en-US" dirty="0"/>
-              <a:t>Activities for </a:t>
-            </a:r>
-            <a:r>
-              <a:rPr lang="en-US"/>
-              <a:t>W3C propagation</a:t>
-            </a:r>
-            <a:endParaRPr lang="en-US" dirty="0"/>
+              <a:t>Activities for W3C propagation</a:t>
+            </a:r>
           </a:p>
           <a:p>
             <a:endParaRPr lang="en-US" dirty="0"/>
@@ -9703,7 +9713,7 @@
         </p:nvSpPr>
         <p:spPr>
           <a:xfrm>
-            <a:off x="1202957" y="70969"/>
+            <a:off x="1202957" y="450347"/>
             <a:ext cx="9786086" cy="2387600"/>
           </a:xfrm>
         </p:spPr>
@@ -9719,7 +9729,22 @@
                   <a:prstClr val="black"/>
                 </a:solidFill>
               </a:rPr>
-              <a:t>End-To-End Distributed Tracing</a:t>
+              <a:t>Distributed Tracing Made Easy </a:t>
+            </a:r>
+            <a:br>
+              <a:rPr lang="en-US" sz="6600" dirty="0">
+                <a:solidFill>
+                  <a:prstClr val="black"/>
+                </a:solidFill>
+              </a:rPr>
+            </a:br>
+            <a:r>
+              <a:rPr lang="en-US" sz="6600" dirty="0">
+                <a:solidFill>
+                  <a:prstClr val="black"/>
+                </a:solidFill>
+              </a:rPr>
+              <a:t>with .NET 5</a:t>
             </a:r>
             <a:endParaRPr lang="en-US" sz="4800" dirty="0"/>
           </a:p>
@@ -9740,7 +9765,7 @@
         </p:nvSpPr>
         <p:spPr>
           <a:xfrm>
-            <a:off x="582753" y="2693397"/>
+            <a:off x="582753" y="3296510"/>
             <a:ext cx="10901732" cy="3674238"/>
           </a:xfrm>
         </p:spPr>

--- a/DistributedTracing/DistributedTracing.pptx
+++ b/DistributedTracing/DistributedTracing.pptx
@@ -5169,7 +5169,7 @@
 </file>
 
 <file path=ppt/slides/slide14.xml><?xml version="1.0" encoding="utf-8"?>
-<p:sld xmlns:a="http://schemas.openxmlformats.org/drawingml/2006/main" xmlns:r="http://schemas.openxmlformats.org/officeDocument/2006/relationships" xmlns:p="http://schemas.openxmlformats.org/presentationml/2006/main">
+<p:sld xmlns:a="http://schemas.openxmlformats.org/drawingml/2006/main" xmlns:r="http://schemas.openxmlformats.org/officeDocument/2006/relationships" xmlns:p="http://schemas.openxmlformats.org/presentationml/2006/main" show="0">
   <p:cSld>
     <p:spTree>
       <p:nvGrpSpPr>
@@ -5948,7 +5948,7 @@
 </file>
 
 <file path=ppt/slides/slide15.xml><?xml version="1.0" encoding="utf-8"?>
-<p:sld xmlns:a="http://schemas.openxmlformats.org/drawingml/2006/main" xmlns:r="http://schemas.openxmlformats.org/officeDocument/2006/relationships" xmlns:p="http://schemas.openxmlformats.org/presentationml/2006/main">
+<p:sld xmlns:a="http://schemas.openxmlformats.org/drawingml/2006/main" xmlns:r="http://schemas.openxmlformats.org/officeDocument/2006/relationships" xmlns:p="http://schemas.openxmlformats.org/presentationml/2006/main" show="0">
   <p:cSld>
     <p:spTree>
       <p:nvGrpSpPr>

--- a/DistributedTracing/DistributedTracing.pptx
+++ b/DistributedTracing/DistributedTracing.pptx
@@ -212,7 +212,7 @@
           <a:p>
             <a:fld id="{BA11CBBD-FCCC-4341-9A07-9341F6C54581}" type="datetimeFigureOut">
               <a:rPr lang="en-US" smtClean="0"/>
-              <a:t>12/15/2020</a:t>
+              <a:t>4/1/2021</a:t>
             </a:fld>
             <a:endParaRPr lang="en-US"/>
           </a:p>
@@ -5169,7 +5169,7 @@
 </file>
 
 <file path=ppt/slides/slide14.xml><?xml version="1.0" encoding="utf-8"?>
-<p:sld xmlns:a="http://schemas.openxmlformats.org/drawingml/2006/main" xmlns:r="http://schemas.openxmlformats.org/officeDocument/2006/relationships" xmlns:p="http://schemas.openxmlformats.org/presentationml/2006/main" show="0">
+<p:sld xmlns:a="http://schemas.openxmlformats.org/drawingml/2006/main" xmlns:r="http://schemas.openxmlformats.org/officeDocument/2006/relationships" xmlns:p="http://schemas.openxmlformats.org/presentationml/2006/main">
   <p:cSld>
     <p:spTree>
       <p:nvGrpSpPr>
@@ -5948,7 +5948,7 @@
 </file>
 
 <file path=ppt/slides/slide15.xml><?xml version="1.0" encoding="utf-8"?>
-<p:sld xmlns:a="http://schemas.openxmlformats.org/drawingml/2006/main" xmlns:r="http://schemas.openxmlformats.org/officeDocument/2006/relationships" xmlns:p="http://schemas.openxmlformats.org/presentationml/2006/main" show="0">
+<p:sld xmlns:a="http://schemas.openxmlformats.org/drawingml/2006/main" xmlns:r="http://schemas.openxmlformats.org/officeDocument/2006/relationships" xmlns:p="http://schemas.openxmlformats.org/presentationml/2006/main">
   <p:cSld>
     <p:spTree>
       <p:nvGrpSpPr>

--- a/DistributedTracing/DistributedTracing.pptx
+++ b/DistributedTracing/DistributedTracing.pptx
@@ -5,10 +5,10 @@
     <p:sldMasterId id="2147483648" r:id="rId1"/>
   </p:sldMasterIdLst>
   <p:notesMasterIdLst>
-    <p:notesMasterId r:id="rId18"/>
+    <p:notesMasterId r:id="rId17"/>
   </p:notesMasterIdLst>
   <p:sldIdLst>
-    <p:sldId id="274" r:id="rId2"/>
+    <p:sldId id="292" r:id="rId2"/>
     <p:sldId id="275" r:id="rId3"/>
     <p:sldId id="276" r:id="rId4"/>
     <p:sldId id="278" r:id="rId5"/>
@@ -18,12 +18,11 @@
     <p:sldId id="282" r:id="rId9"/>
     <p:sldId id="283" r:id="rId10"/>
     <p:sldId id="284" r:id="rId11"/>
-    <p:sldId id="285" r:id="rId12"/>
+    <p:sldId id="293" r:id="rId12"/>
     <p:sldId id="289" r:id="rId13"/>
-    <p:sldId id="290" r:id="rId14"/>
-    <p:sldId id="288" r:id="rId15"/>
-    <p:sldId id="291" r:id="rId16"/>
-    <p:sldId id="286" r:id="rId17"/>
+    <p:sldId id="288" r:id="rId14"/>
+    <p:sldId id="291" r:id="rId15"/>
+    <p:sldId id="286" r:id="rId16"/>
   </p:sldIdLst>
   <p:sldSz cx="12192000" cy="6858000"/>
   <p:notesSz cx="6858000" cy="9144000"/>
@@ -212,7 +211,7 @@
           <a:p>
             <a:fld id="{BA11CBBD-FCCC-4341-9A07-9341F6C54581}" type="datetimeFigureOut">
               <a:rPr lang="en-US" smtClean="0"/>
-              <a:t>4/1/2021</a:t>
+              <a:t>6/7/2022</a:t>
             </a:fld>
             <a:endParaRPr lang="en-US"/>
           </a:p>
@@ -528,7 +527,7 @@
           <a:bodyPr/>
           <a:lstStyle/>
           <a:p>
-            <a:endParaRPr lang="en-US"/>
+            <a:endParaRPr lang="en-US" dirty="0"/>
           </a:p>
         </p:txBody>
       </p:sp>
@@ -638,7 +637,7 @@
           <a:p>
             <a:fld id="{DC42B9C4-3265-4C64-80EB-D0107FD08979}" type="slidenum">
               <a:rPr lang="en-US" smtClean="0"/>
-              <a:t>16</a:t>
+              <a:t>15</a:t>
             </a:fld>
             <a:endParaRPr lang="en-US"/>
           </a:p>
@@ -3546,8 +3545,8 @@
         </p:nvSpPr>
         <p:spPr>
           <a:xfrm>
-            <a:off x="1202957" y="338479"/>
-            <a:ext cx="9786086" cy="2387600"/>
+            <a:off x="323960" y="402803"/>
+            <a:ext cx="11868040" cy="2387600"/>
           </a:xfrm>
         </p:spPr>
         <p:txBody>
@@ -3562,22 +3561,15 @@
                   <a:prstClr val="black"/>
                 </a:solidFill>
               </a:rPr>
-              <a:t>Distributed Tracing Made Easy </a:t>
-            </a:r>
-            <a:br>
-              <a:rPr lang="en-US" sz="6600" dirty="0">
+              <a:t>Observability Made Easy with .NET 6 and </a:t>
+            </a:r>
+            <a:r>
+              <a:rPr lang="en-US" sz="6600" dirty="0" err="1">
                 <a:solidFill>
                   <a:prstClr val="black"/>
                 </a:solidFill>
               </a:rPr>
-            </a:br>
-            <a:r>
-              <a:rPr lang="en-US" sz="6600" dirty="0">
-                <a:solidFill>
-                  <a:prstClr val="black"/>
-                </a:solidFill>
-              </a:rPr>
-              <a:t>with .NET 5</a:t>
+              <a:t>OpenTelemetry</a:t>
             </a:r>
             <a:endParaRPr lang="en-US" sz="4800" dirty="0"/>
           </a:p>
@@ -3598,7 +3590,7 @@
         </p:nvSpPr>
         <p:spPr>
           <a:xfrm>
-            <a:off x="2667000" y="2858988"/>
+            <a:off x="2791005" y="3078797"/>
             <a:ext cx="6858000" cy="1655763"/>
           </a:xfrm>
         </p:spPr>
@@ -3672,7 +3664,7 @@
         </p:blipFill>
         <p:spPr bwMode="auto">
           <a:xfrm>
-            <a:off x="1411730" y="4632329"/>
+            <a:off x="3345033" y="5022954"/>
             <a:ext cx="1095375" cy="1714500"/>
           </a:xfrm>
           <a:prstGeom prst="rect">
@@ -3713,49 +3705,8 @@
         </p:blipFill>
         <p:spPr bwMode="auto">
           <a:xfrm>
-            <a:off x="7410973" y="4783848"/>
+            <a:off x="5723252" y="5195373"/>
             <a:ext cx="3733800" cy="382377"/>
-          </a:xfrm>
-          <a:prstGeom prst="rect">
-            <a:avLst/>
-          </a:prstGeom>
-          <a:noFill/>
-          <a:extLst>
-            <a:ext uri="{909E8E84-426E-40DD-AFC4-6F175D3DCCD1}">
-              <a14:hiddenFill xmlns:a14="http://schemas.microsoft.com/office/drawing/2010/main">
-                <a:solidFill>
-                  <a:srgbClr val="FFFFFF"/>
-                </a:solidFill>
-              </a14:hiddenFill>
-            </a:ext>
-          </a:extLst>
-        </p:spPr>
-      </p:pic>
-      <p:pic>
-        <p:nvPicPr>
-          <p:cNvPr id="10" name="Picture 2" descr="http://storage.pardot.com/52582/22896/headspring_weblogo.png"/>
-          <p:cNvPicPr>
-            <a:picLocks noChangeAspect="1" noChangeArrowheads="1"/>
-          </p:cNvPicPr>
-          <p:nvPr/>
-        </p:nvPicPr>
-        <p:blipFill>
-          <a:blip r:embed="rId8">
-            <a:extLst>
-              <a:ext uri="{28A0092B-C50C-407E-A947-70E740481C1C}">
-                <a14:useLocalDpi xmlns:a14="http://schemas.microsoft.com/office/drawing/2010/main" val="0"/>
-              </a:ext>
-            </a:extLst>
-          </a:blip>
-          <a:srcRect/>
-          <a:stretch>
-            <a:fillRect/>
-          </a:stretch>
-        </p:blipFill>
-        <p:spPr bwMode="auto">
-          <a:xfrm>
-            <a:off x="2785863" y="5003730"/>
-            <a:ext cx="4421766" cy="803957"/>
           </a:xfrm>
           <a:prstGeom prst="rect">
             <a:avLst/>
@@ -3781,39 +3732,15 @@
           <p:nvPr/>
         </p:nvPicPr>
         <p:blipFill>
-          <a:blip r:embed="rId9"/>
+          <a:blip r:embed="rId8"/>
           <a:stretch>
             <a:fillRect/>
           </a:stretch>
         </p:blipFill>
         <p:spPr>
           <a:xfrm>
-            <a:off x="7996760" y="5405709"/>
+            <a:off x="7064125" y="5805946"/>
             <a:ext cx="1052054" cy="1052054"/>
-          </a:xfrm>
-          <a:prstGeom prst="rect">
-            <a:avLst/>
-          </a:prstGeom>
-        </p:spPr>
-      </p:pic>
-      <p:pic>
-        <p:nvPicPr>
-          <p:cNvPr id="5" name="Picture 4"/>
-          <p:cNvPicPr>
-            <a:picLocks noChangeAspect="1"/>
-          </p:cNvPicPr>
-          <p:nvPr/>
-        </p:nvPicPr>
-        <p:blipFill>
-          <a:blip r:embed="rId10"/>
-          <a:stretch>
-            <a:fillRect/>
-          </a:stretch>
-        </p:blipFill>
-        <p:spPr>
-          <a:xfrm>
-            <a:off x="9534052" y="5489579"/>
-            <a:ext cx="916667" cy="916667"/>
           </a:xfrm>
           <a:prstGeom prst="rect">
             <a:avLst/>
@@ -3826,7 +3753,7 @@
     </p:custDataLst>
     <p:extLst>
       <p:ext uri="{BB962C8B-B14F-4D97-AF65-F5344CB8AC3E}">
-        <p14:creationId xmlns:p14="http://schemas.microsoft.com/office/powerpoint/2010/main" val="1530877346"/>
+        <p14:creationId xmlns:p14="http://schemas.microsoft.com/office/powerpoint/2010/main" val="783820460"/>
       </p:ext>
     </p:extLst>
   </p:cSld>
@@ -4803,7 +4730,7 @@
           <p:cNvPr id="2" name="Title 1">
             <a:extLst>
               <a:ext uri="{FF2B5EF4-FFF2-40B4-BE49-F238E27FC236}">
-                <a16:creationId xmlns:a16="http://schemas.microsoft.com/office/drawing/2014/main" id="{311BA6FE-3E99-4B75-9987-DD8A4DDF6A92}"/>
+                <a16:creationId xmlns:a16="http://schemas.microsoft.com/office/drawing/2014/main" id="{89EA7D2D-40ED-DC5D-B445-3F8F57837024}"/>
               </a:ext>
             </a:extLst>
           </p:cNvPr>
@@ -4820,8 +4747,12 @@
           <a:lstStyle/>
           <a:p>
             <a:r>
+              <a:rPr lang="en-US" dirty="0" err="1"/>
+              <a:t>OpenTelemetry</a:t>
+            </a:r>
+            <a:r>
               <a:rPr lang="en-US" dirty="0"/>
-              <a:t>Demo</a:t>
+              <a:t> in .NET</a:t>
             </a:r>
           </a:p>
         </p:txBody>
@@ -4831,7 +4762,7 @@
           <p:cNvPr id="4" name="Content Placeholder 3">
             <a:extLst>
               <a:ext uri="{FF2B5EF4-FFF2-40B4-BE49-F238E27FC236}">
-                <a16:creationId xmlns:a16="http://schemas.microsoft.com/office/drawing/2014/main" id="{ED426649-0757-4241-A5ED-8D941C08A989}"/>
+                <a16:creationId xmlns:a16="http://schemas.microsoft.com/office/drawing/2014/main" id="{9BA1AD25-3F92-3E8F-3F96-9B2041B33B39}"/>
               </a:ext>
             </a:extLst>
           </p:cNvPr>
@@ -4849,52 +4780,42 @@
           <a:p>
             <a:r>
               <a:rPr lang="en-US" dirty="0"/>
-              <a:t>Activities for W3C propagation</a:t>
-            </a:r>
-          </a:p>
-          <a:p>
+              <a:t>Logging – </a:t>
+            </a:r>
+            <a:r>
+              <a:rPr lang="en-US" dirty="0" err="1"/>
+              <a:t>Microsoft.Extensions.Logging</a:t>
+            </a:r>
             <a:endParaRPr lang="en-US" dirty="0"/>
           </a:p>
           <a:p>
+            <a:endParaRPr lang="en-US" dirty="0"/>
+          </a:p>
+          <a:p>
+            <a:r>
+              <a:rPr lang="en-US" dirty="0"/>
+              <a:t>Tracing – </a:t>
+            </a:r>
             <a:r>
               <a:rPr lang="en-US" dirty="0" err="1"/>
-              <a:t>OpenTelemetry</a:t>
-            </a:r>
+              <a:t>System.Diagnostics.DiagnosticSource</a:t>
+            </a:r>
+            <a:endParaRPr lang="en-US" dirty="0"/>
+          </a:p>
+          <a:p>
+            <a:endParaRPr lang="en-US" dirty="0"/>
+          </a:p>
+          <a:p>
             <a:r>
               <a:rPr lang="en-US" dirty="0"/>
-              <a:t> for </a:t>
+              <a:t>Metrics – </a:t>
             </a:r>
             <a:r>
               <a:rPr lang="en-US" dirty="0" err="1"/>
-              <a:t>ActivityListener</a:t>
+              <a:t>System.Diagnostics.DiagnosticSource</a:t>
             </a:r>
             <a:endParaRPr lang="en-US" dirty="0"/>
           </a:p>
-          <a:p>
-            <a:endParaRPr lang="en-US" dirty="0"/>
-          </a:p>
-          <a:p>
-            <a:r>
-              <a:rPr lang="en-US" dirty="0"/>
-              <a:t>Jaeger and </a:t>
-            </a:r>
-            <a:r>
-              <a:rPr lang="en-US" dirty="0" err="1"/>
-              <a:t>Zipkin</a:t>
-            </a:r>
-            <a:r>
-              <a:rPr lang="en-US" dirty="0"/>
-              <a:t> as </a:t>
-            </a:r>
-            <a:r>
-              <a:rPr lang="en-US" dirty="0" err="1"/>
-              <a:t>OpenTelemetry</a:t>
-            </a:r>
-            <a:r>
-              <a:rPr lang="en-US" dirty="0"/>
-              <a:t> exporters</a:t>
-            </a:r>
-          </a:p>
         </p:txBody>
       </p:sp>
       <p:sp>
@@ -4902,7 +4823,7 @@
           <p:cNvPr id="3" name="Date Placeholder 2">
             <a:extLst>
               <a:ext uri="{FF2B5EF4-FFF2-40B4-BE49-F238E27FC236}">
-                <a16:creationId xmlns:a16="http://schemas.microsoft.com/office/drawing/2014/main" id="{364850C4-3542-45D6-B49C-027363C57207}"/>
+                <a16:creationId xmlns:a16="http://schemas.microsoft.com/office/drawing/2014/main" id="{B2C3C074-8509-A441-E26A-2A0ADDA8B2F4}"/>
               </a:ext>
             </a:extLst>
           </p:cNvPr>
@@ -4926,10 +4847,40 @@
           </a:p>
         </p:txBody>
       </p:sp>
+      <p:pic>
+        <p:nvPicPr>
+          <p:cNvPr id="6" name="Picture 5">
+            <a:extLst>
+              <a:ext uri="{FF2B5EF4-FFF2-40B4-BE49-F238E27FC236}">
+                <a16:creationId xmlns:a16="http://schemas.microsoft.com/office/drawing/2014/main" id="{D0024893-8088-7A61-318E-51C325B382A6}"/>
+              </a:ext>
+            </a:extLst>
+          </p:cNvPr>
+          <p:cNvPicPr>
+            <a:picLocks noChangeAspect="1"/>
+          </p:cNvPicPr>
+          <p:nvPr/>
+        </p:nvPicPr>
+        <p:blipFill>
+          <a:blip r:embed="rId2"/>
+          <a:stretch>
+            <a:fillRect/>
+          </a:stretch>
+        </p:blipFill>
+        <p:spPr>
+          <a:xfrm>
+            <a:off x="4635164" y="4420055"/>
+            <a:ext cx="1897544" cy="2072820"/>
+          </a:xfrm>
+          <a:prstGeom prst="rect">
+            <a:avLst/>
+          </a:prstGeom>
+        </p:spPr>
+      </p:pic>
     </p:spTree>
     <p:extLst>
       <p:ext uri="{BB962C8B-B14F-4D97-AF65-F5344CB8AC3E}">
-        <p14:creationId xmlns:p14="http://schemas.microsoft.com/office/powerpoint/2010/main" val="690829837"/>
+        <p14:creationId xmlns:p14="http://schemas.microsoft.com/office/powerpoint/2010/main" val="493195639"/>
       </p:ext>
     </p:extLst>
   </p:cSld>
@@ -4979,7 +4930,7 @@
           <a:p>
             <a:r>
               <a:rPr lang="en-US" dirty="0"/>
-              <a:t>Demo – Activity Basics</a:t>
+              <a:t>Demo</a:t>
             </a:r>
           </a:p>
         </p:txBody>
@@ -5052,124 +5003,7 @@
 </file>
 
 <file path=ppt/slides/slide13.xml><?xml version="1.0" encoding="utf-8"?>
-<p:sld xmlns:a="http://schemas.openxmlformats.org/drawingml/2006/main" xmlns:r="http://schemas.openxmlformats.org/officeDocument/2006/relationships" xmlns:p="http://schemas.openxmlformats.org/presentationml/2006/main">
-  <p:cSld>
-    <p:spTree>
-      <p:nvGrpSpPr>
-        <p:cNvPr id="1" name=""/>
-        <p:cNvGrpSpPr/>
-        <p:nvPr/>
-      </p:nvGrpSpPr>
-      <p:grpSpPr>
-        <a:xfrm>
-          <a:off x="0" y="0"/>
-          <a:ext cx="0" cy="0"/>
-          <a:chOff x="0" y="0"/>
-          <a:chExt cx="0" cy="0"/>
-        </a:xfrm>
-      </p:grpSpPr>
-      <p:sp>
-        <p:nvSpPr>
-          <p:cNvPr id="2" name="Title 1">
-            <a:extLst>
-              <a:ext uri="{FF2B5EF4-FFF2-40B4-BE49-F238E27FC236}">
-                <a16:creationId xmlns:a16="http://schemas.microsoft.com/office/drawing/2014/main" id="{357AA427-836B-4693-9E2E-8BD5679CD517}"/>
-              </a:ext>
-            </a:extLst>
-          </p:cNvPr>
-          <p:cNvSpPr>
-            <a:spLocks noGrp="1"/>
-          </p:cNvSpPr>
-          <p:nvPr>
-            <p:ph type="title"/>
-          </p:nvPr>
-        </p:nvSpPr>
-        <p:spPr/>
-        <p:txBody>
-          <a:bodyPr/>
-          <a:lstStyle/>
-          <a:p>
-            <a:r>
-              <a:rPr lang="en-US" dirty="0"/>
-              <a:t>Demo – </a:t>
-            </a:r>
-            <a:r>
-              <a:rPr lang="en-US" dirty="0" err="1"/>
-              <a:t>OpenTelemetry</a:t>
-            </a:r>
-            <a:endParaRPr lang="en-US" dirty="0"/>
-          </a:p>
-        </p:txBody>
-      </p:sp>
-      <p:sp>
-        <p:nvSpPr>
-          <p:cNvPr id="3" name="Text Placeholder 2">
-            <a:extLst>
-              <a:ext uri="{FF2B5EF4-FFF2-40B4-BE49-F238E27FC236}">
-                <a16:creationId xmlns:a16="http://schemas.microsoft.com/office/drawing/2014/main" id="{44AC1F72-1D54-4177-AB75-6D01B88E0801}"/>
-              </a:ext>
-            </a:extLst>
-          </p:cNvPr>
-          <p:cNvSpPr>
-            <a:spLocks noGrp="1"/>
-          </p:cNvSpPr>
-          <p:nvPr>
-            <p:ph type="body" idx="1"/>
-          </p:nvPr>
-        </p:nvSpPr>
-        <p:spPr/>
-        <p:txBody>
-          <a:bodyPr/>
-          <a:lstStyle/>
-          <a:p>
-            <a:endParaRPr lang="en-US" dirty="0"/>
-          </a:p>
-        </p:txBody>
-      </p:sp>
-      <p:sp>
-        <p:nvSpPr>
-          <p:cNvPr id="4" name="Date Placeholder 3">
-            <a:extLst>
-              <a:ext uri="{FF2B5EF4-FFF2-40B4-BE49-F238E27FC236}">
-                <a16:creationId xmlns:a16="http://schemas.microsoft.com/office/drawing/2014/main" id="{8EE7213A-32D4-4B0B-8A06-E553F7D262F0}"/>
-              </a:ext>
-            </a:extLst>
-          </p:cNvPr>
-          <p:cNvSpPr>
-            <a:spLocks noGrp="1"/>
-          </p:cNvSpPr>
-          <p:nvPr>
-            <p:ph type="dt" sz="half" idx="10"/>
-          </p:nvPr>
-        </p:nvSpPr>
-        <p:spPr/>
-        <p:txBody>
-          <a:bodyPr/>
-          <a:lstStyle/>
-          <a:p>
-            <a:r>
-              <a:rPr lang="en-US"/>
-              <a:t>@jbogard</a:t>
-            </a:r>
-            <a:endParaRPr lang="en-US" dirty="0"/>
-          </a:p>
-        </p:txBody>
-      </p:sp>
-    </p:spTree>
-    <p:extLst>
-      <p:ext uri="{BB962C8B-B14F-4D97-AF65-F5344CB8AC3E}">
-        <p14:creationId xmlns:p14="http://schemas.microsoft.com/office/powerpoint/2010/main" val="2451045573"/>
-      </p:ext>
-    </p:extLst>
-  </p:cSld>
-  <p:clrMapOvr>
-    <a:masterClrMapping/>
-  </p:clrMapOvr>
-</p:sld>
-</file>
-
-<file path=ppt/slides/slide14.xml><?xml version="1.0" encoding="utf-8"?>
-<p:sld xmlns:a="http://schemas.openxmlformats.org/drawingml/2006/main" xmlns:r="http://schemas.openxmlformats.org/officeDocument/2006/relationships" xmlns:p="http://schemas.openxmlformats.org/presentationml/2006/main">
+<p:sld xmlns:a="http://schemas.openxmlformats.org/drawingml/2006/main" xmlns:r="http://schemas.openxmlformats.org/officeDocument/2006/relationships" xmlns:p="http://schemas.openxmlformats.org/presentationml/2006/main" show="0">
   <p:cSld>
     <p:spTree>
       <p:nvGrpSpPr>
@@ -5947,8 +5781,8 @@
 </p:sld>
 </file>
 
-<file path=ppt/slides/slide15.xml><?xml version="1.0" encoding="utf-8"?>
-<p:sld xmlns:a="http://schemas.openxmlformats.org/drawingml/2006/main" xmlns:r="http://schemas.openxmlformats.org/officeDocument/2006/relationships" xmlns:p="http://schemas.openxmlformats.org/presentationml/2006/main">
+<file path=ppt/slides/slide14.xml><?xml version="1.0" encoding="utf-8"?>
+<p:sld xmlns:a="http://schemas.openxmlformats.org/drawingml/2006/main" xmlns:r="http://schemas.openxmlformats.org/officeDocument/2006/relationships" xmlns:p="http://schemas.openxmlformats.org/presentationml/2006/main" show="0">
   <p:cSld>
     <p:spTree>
       <p:nvGrpSpPr>
@@ -9681,7 +9515,7 @@
 </p:sld>
 </file>
 
-<file path=ppt/slides/slide16.xml><?xml version="1.0" encoding="utf-8"?>
+<file path=ppt/slides/slide15.xml><?xml version="1.0" encoding="utf-8"?>
 <p:sld xmlns:a="http://schemas.openxmlformats.org/drawingml/2006/main" xmlns:r="http://schemas.openxmlformats.org/officeDocument/2006/relationships" xmlns:p="http://schemas.openxmlformats.org/presentationml/2006/main">
   <p:cSld>
     <p:spTree>
@@ -9729,22 +9563,15 @@
                   <a:prstClr val="black"/>
                 </a:solidFill>
               </a:rPr>
-              <a:t>Distributed Tracing Made Easy </a:t>
-            </a:r>
-            <a:br>
-              <a:rPr lang="en-US" sz="6600" dirty="0">
+              <a:t>Observability Made Easy with .NET 6 and </a:t>
+            </a:r>
+            <a:r>
+              <a:rPr lang="en-US" sz="6600" dirty="0" err="1">
                 <a:solidFill>
                   <a:prstClr val="black"/>
                 </a:solidFill>
               </a:rPr>
-            </a:br>
-            <a:r>
-              <a:rPr lang="en-US" sz="6600" dirty="0">
-                <a:solidFill>
-                  <a:prstClr val="black"/>
-                </a:solidFill>
-              </a:rPr>
-              <a:t>with .NET 5</a:t>
+              <a:t>OpenTelemetry</a:t>
             </a:r>
             <a:endParaRPr lang="en-US" sz="4800" dirty="0"/>
           </a:p>

--- a/DistributedTracing/DistributedTracing.pptx
+++ b/DistributedTracing/DistributedTracing.pptx
@@ -211,7 +211,7 @@
           <a:p>
             <a:fld id="{BA11CBBD-FCCC-4341-9A07-9341F6C54581}" type="datetimeFigureOut">
               <a:rPr lang="en-US" smtClean="0"/>
-              <a:t>6/7/2022</a:t>
+              <a:t>1/11/2023</a:t>
             </a:fld>
             <a:endParaRPr lang="en-US"/>
           </a:p>
@@ -3561,7 +3561,7 @@
                   <a:prstClr val="black"/>
                 </a:solidFill>
               </a:rPr>
-              <a:t>Observability Made Easy with .NET 6 and </a:t>
+              <a:t>Observability Made Easy with .NET 7 and </a:t>
             </a:r>
             <a:r>
               <a:rPr lang="en-US" sz="6600" dirty="0" err="1">
